--- a/2022/Breaking the ice with Pester/Breaking the ice with Pester - v2.pptx
+++ b/2022/Breaking the ice with Pester/Breaking the ice with Pester - v2.pptx
@@ -5,17 +5,19 @@
     <p:sldMasterId id="2147483648" r:id="rId1"/>
   </p:sldMasterIdLst>
   <p:notesMasterIdLst>
-    <p:notesMasterId r:id="rId10"/>
+    <p:notesMasterId r:id="rId12"/>
   </p:notesMasterIdLst>
   <p:sldIdLst>
     <p:sldId id="256" r:id="rId2"/>
     <p:sldId id="257" r:id="rId3"/>
     <p:sldId id="258" r:id="rId4"/>
     <p:sldId id="272" r:id="rId5"/>
-    <p:sldId id="273" r:id="rId6"/>
-    <p:sldId id="274" r:id="rId7"/>
-    <p:sldId id="271" r:id="rId8"/>
-    <p:sldId id="263" r:id="rId9"/>
+    <p:sldId id="275" r:id="rId6"/>
+    <p:sldId id="273" r:id="rId7"/>
+    <p:sldId id="276" r:id="rId8"/>
+    <p:sldId id="271" r:id="rId9"/>
+    <p:sldId id="274" r:id="rId10"/>
+    <p:sldId id="263" r:id="rId11"/>
   </p:sldIdLst>
   <p:sldSz cx="12192000" cy="6858000"/>
   <p:notesSz cx="6858000" cy="9144000"/>
@@ -207,7 +209,7 @@
           <a:p>
             <a:fld id="{B797FA6A-6429-4D80-8517-947C27BC1128}" type="datetimeFigureOut">
               <a:rPr lang="en-GB" smtClean="0"/>
-              <a:t>13/03/2022</a:t>
+              <a:t>14/03/2022</a:t>
             </a:fld>
             <a:endParaRPr lang="en-GB"/>
           </a:p>
@@ -559,6 +561,90 @@
 </p:notes>
 </file>
 
+<file path=ppt/notesSlides/notesSlide10.xml><?xml version="1.0" encoding="utf-8"?>
+<p:notes xmlns:a="http://schemas.openxmlformats.org/drawingml/2006/main" xmlns:r="http://schemas.openxmlformats.org/officeDocument/2006/relationships" xmlns:p="http://schemas.openxmlformats.org/presentationml/2006/main">
+  <p:cSld>
+    <p:spTree>
+      <p:nvGrpSpPr>
+        <p:cNvPr id="1" name=""/>
+        <p:cNvGrpSpPr/>
+        <p:nvPr/>
+      </p:nvGrpSpPr>
+      <p:grpSpPr>
+        <a:xfrm>
+          <a:off x="0" y="0"/>
+          <a:ext cx="0" cy="0"/>
+          <a:chOff x="0" y="0"/>
+          <a:chExt cx="0" cy="0"/>
+        </a:xfrm>
+      </p:grpSpPr>
+      <p:sp>
+        <p:nvSpPr>
+          <p:cNvPr id="2" name="Slide Image Placeholder 1"/>
+          <p:cNvSpPr>
+            <a:spLocks noGrp="1" noRot="1" noChangeAspect="1"/>
+          </p:cNvSpPr>
+          <p:nvPr>
+            <p:ph type="sldImg"/>
+          </p:nvPr>
+        </p:nvSpPr>
+        <p:spPr/>
+      </p:sp>
+      <p:sp>
+        <p:nvSpPr>
+          <p:cNvPr id="3" name="Notes Placeholder 2"/>
+          <p:cNvSpPr>
+            <a:spLocks noGrp="1"/>
+          </p:cNvSpPr>
+          <p:nvPr>
+            <p:ph type="body" idx="1"/>
+          </p:nvPr>
+        </p:nvSpPr>
+        <p:spPr/>
+        <p:txBody>
+          <a:bodyPr/>
+          <a:lstStyle/>
+          <a:p>
+            <a:endParaRPr lang="en-GB" dirty="0"/>
+          </a:p>
+        </p:txBody>
+      </p:sp>
+      <p:sp>
+        <p:nvSpPr>
+          <p:cNvPr id="4" name="Slide Number Placeholder 3"/>
+          <p:cNvSpPr>
+            <a:spLocks noGrp="1"/>
+          </p:cNvSpPr>
+          <p:nvPr>
+            <p:ph type="sldNum" sz="quarter" idx="5"/>
+          </p:nvPr>
+        </p:nvSpPr>
+        <p:spPr/>
+        <p:txBody>
+          <a:bodyPr/>
+          <a:lstStyle/>
+          <a:p>
+            <a:fld id="{82C5441B-863A-42E5-B9B5-E6893391398D}" type="slidenum">
+              <a:rPr lang="en-GB" smtClean="0"/>
+              <a:t>10</a:t>
+            </a:fld>
+            <a:endParaRPr lang="en-GB"/>
+          </a:p>
+        </p:txBody>
+      </p:sp>
+    </p:spTree>
+    <p:extLst>
+      <p:ext uri="{BB962C8B-B14F-4D97-AF65-F5344CB8AC3E}">
+        <p14:creationId xmlns:p14="http://schemas.microsoft.com/office/powerpoint/2010/main" val="252631238"/>
+      </p:ext>
+    </p:extLst>
+  </p:cSld>
+  <p:clrMapOvr>
+    <a:masterClrMapping/>
+  </p:clrMapOvr>
+</p:notes>
+</file>
+
 <file path=ppt/notesSlides/notesSlide2.xml><?xml version="1.0" encoding="utf-8"?>
 <p:notes xmlns:a="http://schemas.openxmlformats.org/drawingml/2006/main" xmlns:r="http://schemas.openxmlformats.org/officeDocument/2006/relationships" xmlns:p="http://schemas.openxmlformats.org/presentationml/2006/main">
   <p:cSld>
@@ -870,30 +956,30 @@
           <a:bodyPr/>
           <a:lstStyle/>
           <a:p>
+            <a:pPr marL="0" indent="0">
+              <a:buFontTx/>
+              <a:buNone/>
+            </a:pPr>
             <a:r>
               <a:rPr lang="en-US" dirty="0"/>
-              <a:t>There are more than just 3, and there’s absolutely more parameters and features to these beyond than what I’m going to show you</a:t>
-            </a:r>
-          </a:p>
-          <a:p>
+              <a:t>Pester is a fantastic tool that will leap you and your code forward</a:t>
+            </a:r>
+          </a:p>
+          <a:p>
+            <a:pPr marL="0" indent="0">
+              <a:buFontTx/>
+              <a:buNone/>
+            </a:pPr>
             <a:endParaRPr lang="en-US" dirty="0"/>
           </a:p>
           <a:p>
+            <a:pPr marL="0" indent="0">
+              <a:buFontTx/>
+              <a:buNone/>
+            </a:pPr>
             <a:r>
               <a:rPr lang="en-US" dirty="0"/>
-              <a:t>Describe:</a:t>
-            </a:r>
-          </a:p>
-          <a:p>
-            <a:r>
-              <a:rPr lang="en-US" dirty="0"/>
-              <a:t> - Describe the ‘subject’ of the test, i.e. the target. e.g. a function, script, or server name</a:t>
-            </a:r>
-          </a:p>
-          <a:p>
-            <a:r>
-              <a:rPr lang="en-US" dirty="0"/>
-              <a:t> - Every test file needs at least one</a:t>
+              <a:t>It will help you focus on the important things: fixing code and making new features/improvements</a:t>
             </a:r>
           </a:p>
         </p:txBody>
@@ -924,7 +1010,7 @@
     </p:spTree>
     <p:extLst>
       <p:ext uri="{BB962C8B-B14F-4D97-AF65-F5344CB8AC3E}">
-        <p14:creationId xmlns:p14="http://schemas.microsoft.com/office/powerpoint/2010/main" val="3926170567"/>
+        <p14:creationId xmlns:p14="http://schemas.microsoft.com/office/powerpoint/2010/main" val="3072176252"/>
       </p:ext>
     </p:extLst>
   </p:cSld>
@@ -978,7 +1064,125 @@
           <a:bodyPr/>
           <a:lstStyle/>
           <a:p>
+            <a:r>
+              <a:rPr lang="en-US" dirty="0"/>
+              <a:t>Ideal for code if you:</a:t>
+            </a:r>
+          </a:p>
+          <a:p>
+            <a:pPr marL="171450" indent="-171450">
+              <a:buFontTx/>
+              <a:buChar char="-"/>
+            </a:pPr>
+            <a:r>
+              <a:rPr lang="en-US" dirty="0"/>
+              <a:t>want to survive a long time</a:t>
+            </a:r>
+          </a:p>
+          <a:p>
+            <a:pPr marL="171450" indent="-171450">
+              <a:buFontTx/>
+              <a:buChar char="-"/>
+            </a:pPr>
+            <a:r>
+              <a:rPr lang="en-US" dirty="0"/>
+              <a:t>share with others and encourage contribution</a:t>
+            </a:r>
+          </a:p>
+          <a:p>
+            <a:pPr marL="171450" indent="-171450">
+              <a:buFontTx/>
+              <a:buChar char="-"/>
+            </a:pPr>
+            <a:r>
+              <a:rPr lang="en-US" dirty="0"/>
+              <a:t>manage multiple projects and do not need to remember every inner working detail all the time</a:t>
+            </a:r>
+          </a:p>
+          <a:p>
+            <a:pPr marL="628650" lvl="1" indent="-171450">
+              <a:buFontTx/>
+              <a:buChar char="-"/>
+            </a:pPr>
+            <a:r>
+              <a:rPr lang="en-US" dirty="0"/>
+              <a:t>JFDI your work and let the tests prove you wrong</a:t>
+            </a:r>
+          </a:p>
+          <a:p>
+            <a:pPr marL="171450" lvl="0" indent="-171450">
+              <a:buFontTx/>
+              <a:buChar char="-"/>
+            </a:pPr>
+            <a:r>
+              <a:rPr lang="en-US" dirty="0"/>
+              <a:t>do not want bugs do not reappear!</a:t>
+            </a:r>
+          </a:p>
+          <a:p>
+            <a:pPr marL="171450" indent="-171450">
+              <a:buFontTx/>
+              <a:buChar char="-"/>
+            </a:pPr>
+            <a:r>
+              <a:rPr lang="en-US" dirty="0"/>
+              <a:t>test infrastructure or services!</a:t>
+            </a:r>
+          </a:p>
+          <a:p>
+            <a:pPr marL="171450" indent="-171450">
+              <a:buFontTx/>
+              <a:buChar char="-"/>
+            </a:pPr>
             <a:endParaRPr lang="en-US" dirty="0"/>
+          </a:p>
+          <a:p>
+            <a:pPr marL="0" indent="0">
+              <a:buFontTx/>
+              <a:buNone/>
+            </a:pPr>
+            <a:r>
+              <a:rPr lang="en-US" dirty="0"/>
+              <a:t>Why do I learn it?</a:t>
+            </a:r>
+          </a:p>
+          <a:p>
+            <a:pPr marL="171450" indent="-171450">
+              <a:buFontTx/>
+              <a:buChar char="-"/>
+            </a:pPr>
+            <a:r>
+              <a:rPr lang="en-US" dirty="0"/>
+              <a:t>Felt like ‘hotness’</a:t>
+            </a:r>
+          </a:p>
+          <a:p>
+            <a:pPr marL="171450" indent="-171450">
+              <a:buFontTx/>
+              <a:buChar char="-"/>
+            </a:pPr>
+            <a:r>
+              <a:rPr lang="en-US" dirty="0"/>
+              <a:t>However, the more I learned about the value of testing code, the more I wanted it</a:t>
+            </a:r>
+          </a:p>
+          <a:p>
+            <a:pPr marL="171450" indent="-171450">
+              <a:buFontTx/>
+              <a:buChar char="-"/>
+            </a:pPr>
+            <a:r>
+              <a:rPr lang="en-US" dirty="0"/>
+              <a:t>Talk about </a:t>
+            </a:r>
+            <a:r>
+              <a:rPr lang="en-US" dirty="0" err="1"/>
+              <a:t>PSShlink</a:t>
+            </a:r>
+            <a:r>
+              <a:rPr lang="en-US" dirty="0"/>
+              <a:t>: its API changes frequently</a:t>
+            </a:r>
           </a:p>
         </p:txBody>
       </p:sp>
@@ -1008,7 +1212,7 @@
     </p:spTree>
     <p:extLst>
       <p:ext uri="{BB962C8B-B14F-4D97-AF65-F5344CB8AC3E}">
-        <p14:creationId xmlns:p14="http://schemas.microsoft.com/office/powerpoint/2010/main" val="407712300"/>
+        <p14:creationId xmlns:p14="http://schemas.microsoft.com/office/powerpoint/2010/main" val="3926170567"/>
       </p:ext>
     </p:extLst>
   </p:cSld>
@@ -1062,36 +1266,37 @@
           <a:bodyPr/>
           <a:lstStyle/>
           <a:p>
+            <a:r>
+              <a:rPr lang="en-US" dirty="0"/>
+              <a:t>There are more than just 3, and there’s more</a:t>
+            </a:r>
+          </a:p>
+          <a:p>
+            <a:endParaRPr lang="en-US" dirty="0"/>
+          </a:p>
+          <a:p>
+            <a:r>
+              <a:rPr lang="en-US" dirty="0"/>
+              <a:t>A framework with its own DSL that resembles syntax like another testing framework from Ruby</a:t>
+            </a:r>
+          </a:p>
+          <a:p>
+            <a:endParaRPr lang="en-US" dirty="0"/>
+          </a:p>
+          <a:p>
+            <a:r>
+              <a:rPr lang="en-US" dirty="0"/>
+              <a:t>Describe:</a:t>
+            </a:r>
+          </a:p>
+          <a:p>
             <a:pPr marL="171450" indent="-171450">
               <a:buFontTx/>
               <a:buChar char="-"/>
             </a:pPr>
             <a:r>
-              <a:rPr lang="en-US" b="0" dirty="0"/>
-              <a:t>“Demystifying”, “break it down”, “practical terms”</a:t>
-            </a:r>
-          </a:p>
-          <a:p>
-            <a:pPr marL="171450" marR="0" lvl="0" indent="-171450" algn="l" defTabSz="914400" rtl="0" eaLnBrk="1" fontAlgn="auto" latinLnBrk="0" hangingPunct="1">
-              <a:lnSpc>
-                <a:spcPct val="100000"/>
-              </a:lnSpc>
-              <a:spcBef>
-                <a:spcPts val="0"/>
-              </a:spcBef>
-              <a:spcAft>
-                <a:spcPts val="0"/>
-              </a:spcAft>
-              <a:buClrTx/>
-              <a:buSzTx/>
-              <a:buFontTx/>
-              <a:buChar char="-"/>
-              <a:tabLst/>
-              <a:defRPr/>
-            </a:pPr>
-            <a:r>
-              <a:rPr lang="en-US" b="0" dirty="0"/>
-              <a:t>Explaining this is relevant because leveraging GitHub Actions means == you will be practicing at the very least the deployment/delivery part of CI/CD</a:t>
+              <a:rPr lang="en-US" dirty="0"/>
+              <a:t>Describe the ‘subject’ of the test, i.e. the target. e.g. a function, script, or server name</a:t>
             </a:r>
           </a:p>
           <a:p>
@@ -1100,90 +1305,35 @@
               <a:buChar char="-"/>
             </a:pPr>
             <a:r>
-              <a:rPr lang="en-US" b="0" dirty="0"/>
-              <a:t>Not a new idea, but it is for me / sysadmins</a:t>
-            </a:r>
+              <a:rPr lang="en-US" dirty="0"/>
+              <a:t>Every test file needs at least one</a:t>
+            </a:r>
+          </a:p>
+          <a:p>
+            <a:pPr marL="171450" indent="-171450">
+              <a:buFontTx/>
+              <a:buChar char="-"/>
+            </a:pPr>
+            <a:r>
+              <a:rPr lang="en-US" dirty="0"/>
+              <a:t>Contains It blocks</a:t>
+            </a:r>
+          </a:p>
+          <a:p>
+            <a:pPr marL="171450" indent="-171450">
+              <a:buFontTx/>
+              <a:buChar char="-"/>
+            </a:pPr>
+            <a:endParaRPr lang="en-US" dirty="0"/>
           </a:p>
           <a:p>
             <a:pPr marL="0" indent="0">
               <a:buFontTx/>
               <a:buNone/>
             </a:pPr>
-            <a:br>
-              <a:rPr lang="en-US" b="1" dirty="0"/>
-            </a:br>
-            <a:r>
-              <a:rPr lang="en-US" b="1" dirty="0"/>
-              <a:t>What is it?</a:t>
-            </a:r>
-          </a:p>
-          <a:p>
-            <a:pPr marL="171450" marR="0" lvl="0" indent="-171450" algn="l" defTabSz="914400" rtl="0" eaLnBrk="1" fontAlgn="auto" latinLnBrk="0" hangingPunct="1">
-              <a:lnSpc>
-                <a:spcPct val="100000"/>
-              </a:lnSpc>
-              <a:spcBef>
-                <a:spcPts val="0"/>
-              </a:spcBef>
-              <a:spcAft>
-                <a:spcPts val="0"/>
-              </a:spcAft>
-              <a:buClrTx/>
-              <a:buSzTx/>
-              <a:buFontTx/>
-              <a:buChar char="-"/>
-              <a:tabLst/>
-              <a:defRPr/>
-            </a:pPr>
-            <a:r>
-              <a:rPr lang="en-US" b="0" dirty="0"/>
-              <a:t>Continuous Integration: asking “Does the code I have checked in, conform or pass a series of tests?”</a:t>
-            </a:r>
-          </a:p>
-          <a:p>
-            <a:pPr marL="171450" marR="0" lvl="0" indent="-171450" algn="l" defTabSz="914400" rtl="0" eaLnBrk="1" fontAlgn="auto" latinLnBrk="0" hangingPunct="1">
-              <a:lnSpc>
-                <a:spcPct val="100000"/>
-              </a:lnSpc>
-              <a:spcBef>
-                <a:spcPts val="0"/>
-              </a:spcBef>
-              <a:spcAft>
-                <a:spcPts val="0"/>
-              </a:spcAft>
-              <a:buClrTx/>
-              <a:buSzTx/>
-              <a:buFontTx/>
-              <a:buChar char="-"/>
-              <a:tabLst/>
-              <a:defRPr/>
-            </a:pPr>
-            <a:r>
-              <a:rPr lang="en-US" b="0" dirty="0"/>
-              <a:t>Continuous Delivery/Deployment: essentially getting your code from A to B</a:t>
-            </a:r>
-          </a:p>
-          <a:p>
-            <a:pPr marL="628650" marR="0" lvl="1" indent="-171450" algn="l" defTabSz="914400" rtl="0" eaLnBrk="1" fontAlgn="auto" latinLnBrk="0" hangingPunct="1">
-              <a:lnSpc>
-                <a:spcPct val="100000"/>
-              </a:lnSpc>
-              <a:spcBef>
-                <a:spcPts val="0"/>
-              </a:spcBef>
-              <a:spcAft>
-                <a:spcPts val="0"/>
-              </a:spcAft>
-              <a:buClrTx/>
-              <a:buSzTx/>
-              <a:buFontTx/>
-              <a:buChar char="-"/>
-              <a:tabLst/>
-              <a:defRPr/>
-            </a:pPr>
-            <a:r>
-              <a:rPr lang="en-US" b="0" dirty="0"/>
-              <a:t>Will explain diff between deployment v delivery soon (this slide)</a:t>
+            <a:r>
+              <a:rPr lang="en-US" dirty="0"/>
+              <a:t>It:</a:t>
             </a:r>
           </a:p>
           <a:p>
@@ -1192,78 +1342,63 @@
               <a:buChar char="-"/>
             </a:pPr>
             <a:r>
-              <a:rPr lang="en-US" b="0" dirty="0"/>
-              <a:t>A practice of automating the testing and deployment of code</a:t>
-            </a:r>
+              <a:rPr lang="en-US" dirty="0"/>
+              <a:t>Describe the test case itself, </a:t>
+            </a:r>
+            <a:r>
+              <a:rPr lang="en-US" dirty="0" err="1"/>
+              <a:t>ie</a:t>
+            </a:r>
+            <a:r>
+              <a:rPr lang="en-US" dirty="0"/>
+              <a:t> describe the act you are about to perform</a:t>
+            </a:r>
+          </a:p>
+          <a:p>
+            <a:pPr marL="171450" indent="-171450">
+              <a:buFontTx/>
+              <a:buChar char="-"/>
+            </a:pPr>
+            <a:r>
+              <a:rPr lang="en-US" dirty="0"/>
+              <a:t>Can have infinite number of test cases within a Describe block</a:t>
+            </a:r>
+          </a:p>
+          <a:p>
+            <a:pPr marL="171450" indent="-171450">
+              <a:buFontTx/>
+              <a:buChar char="-"/>
+            </a:pPr>
+            <a:r>
+              <a:rPr lang="en-US" dirty="0"/>
+              <a:t>Contains executable code and one or more assertions should ‘Should’</a:t>
+            </a:r>
+          </a:p>
+          <a:p>
+            <a:pPr marL="171450" indent="-171450">
+              <a:buFontTx/>
+              <a:buChar char="-"/>
+            </a:pPr>
+            <a:endParaRPr lang="en-US" dirty="0"/>
           </a:p>
           <a:p>
             <a:pPr marL="0" indent="0">
               <a:buFontTx/>
               <a:buNone/>
             </a:pPr>
-            <a:endParaRPr lang="en-US" b="0" dirty="0"/>
-          </a:p>
-          <a:p>
-            <a:pPr marL="0" indent="0">
-              <a:buFontTx/>
-              <a:buNone/>
-            </a:pPr>
-            <a:r>
-              <a:rPr lang="en-US" b="0" dirty="0"/>
-              <a:t>Creates a pipeline:</a:t>
-            </a:r>
-          </a:p>
-          <a:p>
-            <a:pPr marL="0" indent="0">
-              <a:buFontTx/>
-              <a:buNone/>
-            </a:pPr>
-            <a:r>
-              <a:rPr lang="en-US" b="0" i="1" dirty="0"/>
-              <a:t>&lt;click&gt;</a:t>
-            </a:r>
-            <a:endParaRPr lang="en-US" b="0" i="0" dirty="0"/>
-          </a:p>
-          <a:p>
-            <a:pPr marL="0" indent="0">
-              <a:buFontTx/>
-              <a:buNone/>
-            </a:pPr>
-            <a:r>
-              <a:rPr lang="en-US" b="0" i="0" dirty="0"/>
-              <a:t>Check in code</a:t>
-            </a:r>
-            <a:endParaRPr lang="en-US" b="0" i="1" dirty="0"/>
+            <a:r>
+              <a:rPr lang="en-US" dirty="0"/>
+              <a:t>Should:</a:t>
+            </a:r>
           </a:p>
           <a:p>
             <a:pPr marL="171450" indent="-171450">
               <a:buFontTx/>
               <a:buChar char="-"/>
             </a:pPr>
-            <a:endParaRPr lang="en-US" b="0" dirty="0"/>
-          </a:p>
-          <a:p>
-            <a:pPr marL="0" indent="0">
-              <a:buFontTx/>
-              <a:buNone/>
-            </a:pPr>
-            <a:r>
-              <a:rPr lang="en-US" b="0" i="1" dirty="0">
-                <a:solidFill>
-                  <a:srgbClr val="FF0000"/>
-                </a:solidFill>
-              </a:rPr>
-              <a:t>&lt;click&gt;</a:t>
-            </a:r>
-          </a:p>
-          <a:p>
-            <a:pPr marL="0" indent="0">
-              <a:buFontTx/>
-              <a:buNone/>
-            </a:pPr>
-            <a:r>
-              <a:rPr lang="en-US" b="0" dirty="0"/>
-              <a:t>Build:</a:t>
+            <a:r>
+              <a:rPr lang="en-US" dirty="0"/>
+              <a:t>Is an assertion</a:t>
             </a:r>
           </a:p>
           <a:p>
@@ -1272,8 +1407,8 @@
               <a:buChar char="-"/>
             </a:pPr>
             <a:r>
-              <a:rPr lang="en-US" b="0" dirty="0"/>
-              <a:t>To produce an artifact</a:t>
+              <a:rPr lang="en-US" dirty="0"/>
+              <a:t>Takes data from pipeline</a:t>
             </a:r>
           </a:p>
           <a:p>
@@ -1282,476 +1417,9 @@
               <a:buChar char="-"/>
             </a:pPr>
             <a:r>
-              <a:rPr lang="en-US" b="0" dirty="0"/>
-              <a:t>For me was difficult to understand, I’ve already built my code, why am I being told I should build it again… after checking in my already built code?</a:t>
-            </a:r>
-          </a:p>
-          <a:p>
-            <a:pPr marL="171450" indent="-171450">
-              <a:buFontTx/>
-              <a:buChar char="-"/>
-            </a:pPr>
-            <a:r>
-              <a:rPr lang="en-US" b="0" dirty="0"/>
-              <a:t>Give non-PS and PS example (talk about building modules)</a:t>
-            </a:r>
-          </a:p>
-          <a:p>
-            <a:pPr marL="0" marR="0" lvl="0" indent="0" algn="l" defTabSz="914400" rtl="0" eaLnBrk="1" fontAlgn="auto" latinLnBrk="0" hangingPunct="1">
-              <a:lnSpc>
-                <a:spcPct val="100000"/>
-              </a:lnSpc>
-              <a:spcBef>
-                <a:spcPts val="0"/>
-              </a:spcBef>
-              <a:spcAft>
-                <a:spcPts val="0"/>
-              </a:spcAft>
-              <a:buClrTx/>
-              <a:buSzTx/>
-              <a:buFontTx/>
-              <a:buNone/>
-              <a:tabLst/>
-              <a:defRPr/>
-            </a:pPr>
-            <a:endParaRPr lang="en-US" b="0" i="1" dirty="0">
-              <a:solidFill>
-                <a:srgbClr val="FF0000"/>
-              </a:solidFill>
-            </a:endParaRPr>
-          </a:p>
-          <a:p>
-            <a:pPr marL="0" marR="0" lvl="0" indent="0" algn="l" defTabSz="914400" rtl="0" eaLnBrk="1" fontAlgn="auto" latinLnBrk="0" hangingPunct="1">
-              <a:lnSpc>
-                <a:spcPct val="100000"/>
-              </a:lnSpc>
-              <a:spcBef>
-                <a:spcPts val="0"/>
-              </a:spcBef>
-              <a:spcAft>
-                <a:spcPts val="0"/>
-              </a:spcAft>
-              <a:buClrTx/>
-              <a:buSzTx/>
-              <a:buFontTx/>
-              <a:buNone/>
-              <a:tabLst/>
-              <a:defRPr/>
-            </a:pPr>
-            <a:r>
-              <a:rPr lang="en-US" b="0" i="1" dirty="0">
-                <a:solidFill>
-                  <a:srgbClr val="FF0000"/>
-                </a:solidFill>
-              </a:rPr>
-              <a:t>&lt;click&gt;</a:t>
-            </a:r>
-            <a:endParaRPr lang="en-US" b="0" dirty="0"/>
-          </a:p>
-          <a:p>
-            <a:pPr marL="0" indent="0">
-              <a:buFontTx/>
-              <a:buNone/>
-            </a:pPr>
-            <a:r>
-              <a:rPr lang="en-US" b="0" dirty="0"/>
-              <a:t>Test:</a:t>
-            </a:r>
-          </a:p>
-          <a:p>
-            <a:pPr marL="171450" indent="-171450">
-              <a:buFontTx/>
-              <a:buChar char="-"/>
-            </a:pPr>
-            <a:r>
-              <a:rPr lang="en-US" b="0" dirty="0"/>
-              <a:t>“Does this artifact conform or pass a series of tests?”</a:t>
-            </a:r>
-          </a:p>
-          <a:p>
-            <a:pPr marL="171450" indent="-171450">
-              <a:buFontTx/>
-              <a:buChar char="-"/>
-            </a:pPr>
-            <a:r>
-              <a:rPr lang="en-US" b="0" dirty="0"/>
-              <a:t>Give high-level examples of testing code, input &amp; expected output</a:t>
-            </a:r>
-          </a:p>
-          <a:p>
-            <a:pPr marL="171450" indent="-171450">
-              <a:buFontTx/>
-              <a:buChar char="-"/>
-            </a:pPr>
-            <a:r>
-              <a:rPr lang="en-US" b="0" dirty="0"/>
-              <a:t>Mention Pester</a:t>
-            </a:r>
-          </a:p>
-          <a:p>
-            <a:pPr marL="171450" indent="-171450">
-              <a:buFontTx/>
-              <a:buChar char="-"/>
-            </a:pPr>
-            <a:r>
-              <a:rPr lang="en-US" b="0" dirty="0"/>
-              <a:t>In the demos later, I will be not demoing code testing, focusing purely on the deployment</a:t>
-            </a:r>
-          </a:p>
-          <a:p>
-            <a:pPr marL="0" marR="0" lvl="0" indent="0" algn="l" defTabSz="914400" rtl="0" eaLnBrk="1" fontAlgn="auto" latinLnBrk="0" hangingPunct="1">
-              <a:lnSpc>
-                <a:spcPct val="100000"/>
-              </a:lnSpc>
-              <a:spcBef>
-                <a:spcPts val="0"/>
-              </a:spcBef>
-              <a:spcAft>
-                <a:spcPts val="0"/>
-              </a:spcAft>
-              <a:buClrTx/>
-              <a:buSzTx/>
-              <a:buFontTx/>
-              <a:buNone/>
-              <a:tabLst/>
-              <a:defRPr/>
-            </a:pPr>
-            <a:endParaRPr lang="en-US" b="0" i="1" dirty="0">
-              <a:solidFill>
-                <a:srgbClr val="FF0000"/>
-              </a:solidFill>
-            </a:endParaRPr>
-          </a:p>
-          <a:p>
-            <a:pPr marL="0" marR="0" lvl="0" indent="0" algn="l" defTabSz="914400" rtl="0" eaLnBrk="1" fontAlgn="auto" latinLnBrk="0" hangingPunct="1">
-              <a:lnSpc>
-                <a:spcPct val="100000"/>
-              </a:lnSpc>
-              <a:spcBef>
-                <a:spcPts val="0"/>
-              </a:spcBef>
-              <a:spcAft>
-                <a:spcPts val="0"/>
-              </a:spcAft>
-              <a:buClrTx/>
-              <a:buSzTx/>
-              <a:buFontTx/>
-              <a:buNone/>
-              <a:tabLst/>
-              <a:defRPr/>
-            </a:pPr>
-            <a:r>
-              <a:rPr lang="en-US" b="0" i="1" dirty="0">
-                <a:solidFill>
-                  <a:srgbClr val="FF0000"/>
-                </a:solidFill>
-              </a:rPr>
-              <a:t>&lt;click&gt;</a:t>
-            </a:r>
-          </a:p>
-          <a:p>
-            <a:pPr marL="0" indent="0">
-              <a:buFontTx/>
-              <a:buNone/>
-            </a:pPr>
-            <a:r>
-              <a:rPr lang="en-US" b="0" dirty="0"/>
-              <a:t>Deploy:</a:t>
-            </a:r>
-          </a:p>
-          <a:p>
-            <a:pPr marL="171450" indent="-171450">
-              <a:buFontTx/>
-              <a:buChar char="-"/>
-            </a:pPr>
-            <a:r>
-              <a:rPr lang="en-US" b="0" dirty="0"/>
-              <a:t>Finally, get your code to production</a:t>
-            </a:r>
-          </a:p>
-          <a:p>
-            <a:pPr marL="171450" indent="-171450">
-              <a:buFontTx/>
-              <a:buChar char="-"/>
-            </a:pPr>
-            <a:r>
-              <a:rPr lang="en-US" b="0" dirty="0"/>
-              <a:t>PowerShell Gallery / file share / internal NuGet repository / directly to servers</a:t>
-            </a:r>
-          </a:p>
-          <a:p>
-            <a:pPr marL="0" marR="0" lvl="0" indent="0" algn="l" defTabSz="914400" rtl="0" eaLnBrk="1" fontAlgn="auto" latinLnBrk="0" hangingPunct="1">
-              <a:lnSpc>
-                <a:spcPct val="100000"/>
-              </a:lnSpc>
-              <a:spcBef>
-                <a:spcPts val="0"/>
-              </a:spcBef>
-              <a:spcAft>
-                <a:spcPts val="0"/>
-              </a:spcAft>
-              <a:buClrTx/>
-              <a:buSzTx/>
-              <a:buFontTx/>
-              <a:buNone/>
-              <a:tabLst/>
-              <a:defRPr/>
-            </a:pPr>
-            <a:endParaRPr lang="en-US" b="0" i="1" dirty="0">
-              <a:solidFill>
-                <a:srgbClr val="FF0000"/>
-              </a:solidFill>
-            </a:endParaRPr>
-          </a:p>
-          <a:p>
-            <a:pPr marL="0" marR="0" lvl="0" indent="0" algn="l" defTabSz="914400" rtl="0" eaLnBrk="1" fontAlgn="auto" latinLnBrk="0" hangingPunct="1">
-              <a:lnSpc>
-                <a:spcPct val="100000"/>
-              </a:lnSpc>
-              <a:spcBef>
-                <a:spcPts val="0"/>
-              </a:spcBef>
-              <a:spcAft>
-                <a:spcPts val="0"/>
-              </a:spcAft>
-              <a:buClrTx/>
-              <a:buSzTx/>
-              <a:buFontTx/>
-              <a:buNone/>
-              <a:tabLst/>
-              <a:defRPr/>
-            </a:pPr>
-            <a:r>
-              <a:rPr lang="en-US" b="0" i="1" dirty="0">
-                <a:solidFill>
-                  <a:srgbClr val="FF0000"/>
-                </a:solidFill>
-              </a:rPr>
-              <a:t>&lt;click&gt;</a:t>
-            </a:r>
-          </a:p>
-          <a:p>
-            <a:pPr marL="0" indent="0">
-              <a:buFontTx/>
-              <a:buNone/>
-            </a:pPr>
-            <a:r>
-              <a:rPr lang="en-US" b="0" dirty="0"/>
-              <a:t>Pipeline – this is what is preferred to as the “pipeline”</a:t>
-            </a:r>
-          </a:p>
-          <a:p>
-            <a:pPr marL="171450" indent="-171450">
-              <a:buFontTx/>
-              <a:buChar char="-"/>
-            </a:pPr>
-            <a:endParaRPr lang="en-US" b="0" dirty="0"/>
-          </a:p>
-          <a:p>
-            <a:pPr marL="0" marR="0" lvl="0" indent="0" algn="l" defTabSz="914400" rtl="0" eaLnBrk="1" fontAlgn="auto" latinLnBrk="0" hangingPunct="1">
-              <a:lnSpc>
-                <a:spcPct val="100000"/>
-              </a:lnSpc>
-              <a:spcBef>
-                <a:spcPts val="0"/>
-              </a:spcBef>
-              <a:spcAft>
-                <a:spcPts val="0"/>
-              </a:spcAft>
-              <a:buClrTx/>
-              <a:buSzTx/>
-              <a:buFontTx/>
-              <a:buNone/>
-              <a:tabLst/>
-              <a:defRPr/>
-            </a:pPr>
-            <a:r>
-              <a:rPr lang="en-US" b="0" i="1" dirty="0">
-                <a:solidFill>
-                  <a:srgbClr val="FF0000"/>
-                </a:solidFill>
-              </a:rPr>
-              <a:t>&lt;click&gt;</a:t>
-            </a:r>
-          </a:p>
-          <a:p>
-            <a:pPr marL="0" indent="0">
-              <a:buFontTx/>
-              <a:buNone/>
-            </a:pPr>
-            <a:r>
-              <a:rPr lang="en-US" b="0" dirty="0"/>
-              <a:t>CI + CD – break down the pipeline</a:t>
-            </a:r>
-          </a:p>
-          <a:p>
-            <a:pPr marL="0" indent="0">
-              <a:buFontTx/>
-              <a:buNone/>
-            </a:pPr>
-            <a:endParaRPr lang="en-US" b="1" dirty="0"/>
-          </a:p>
-          <a:p>
-            <a:pPr marL="0" marR="0" lvl="0" indent="0" algn="l" defTabSz="914400" rtl="0" eaLnBrk="1" fontAlgn="auto" latinLnBrk="0" hangingPunct="1">
-              <a:lnSpc>
-                <a:spcPct val="100000"/>
-              </a:lnSpc>
-              <a:spcBef>
-                <a:spcPts val="0"/>
-              </a:spcBef>
-              <a:spcAft>
-                <a:spcPts val="0"/>
-              </a:spcAft>
-              <a:buClrTx/>
-              <a:buSzTx/>
-              <a:buFontTx/>
-              <a:buNone/>
-              <a:tabLst/>
-              <a:defRPr/>
-            </a:pPr>
-            <a:r>
-              <a:rPr lang="en-US" b="0" i="1" dirty="0">
-                <a:solidFill>
-                  <a:srgbClr val="FF0000"/>
-                </a:solidFill>
-              </a:rPr>
-              <a:t>&lt;click&gt;</a:t>
-            </a:r>
-          </a:p>
-          <a:p>
-            <a:pPr marL="0" indent="0">
-              <a:buFontTx/>
-              <a:buNone/>
-            </a:pPr>
-            <a:r>
-              <a:rPr lang="en-US" b="0" dirty="0"/>
-              <a:t>Approval – difference between Delivery v Deployment</a:t>
-            </a:r>
-          </a:p>
-          <a:p>
-            <a:pPr marL="0" indent="0">
-              <a:buFontTx/>
-              <a:buNone/>
-            </a:pPr>
-            <a:endParaRPr lang="en-US" b="1" dirty="0"/>
-          </a:p>
-          <a:p>
-            <a:pPr marL="0" marR="0" lvl="0" indent="0" algn="l" defTabSz="914400" rtl="0" eaLnBrk="1" fontAlgn="auto" latinLnBrk="0" hangingPunct="1">
-              <a:lnSpc>
-                <a:spcPct val="100000"/>
-              </a:lnSpc>
-              <a:spcBef>
-                <a:spcPts val="0"/>
-              </a:spcBef>
-              <a:spcAft>
-                <a:spcPts val="0"/>
-              </a:spcAft>
-              <a:buClrTx/>
-              <a:buSzTx/>
-              <a:buFontTx/>
-              <a:buNone/>
-              <a:tabLst/>
-              <a:defRPr/>
-            </a:pPr>
-            <a:r>
-              <a:rPr lang="en-US" b="0" i="1" dirty="0">
-                <a:solidFill>
-                  <a:srgbClr val="FF0000"/>
-                </a:solidFill>
-              </a:rPr>
-              <a:t>&lt;click&gt;</a:t>
-            </a:r>
-            <a:endParaRPr lang="en-US" b="1" dirty="0"/>
-          </a:p>
-          <a:p>
-            <a:r>
-              <a:rPr lang="en-US" b="1" dirty="0"/>
-              <a:t>Why do it?</a:t>
-            </a:r>
-          </a:p>
-          <a:p>
-            <a:pPr marL="171450" marR="0" lvl="0" indent="-171450" algn="l" defTabSz="914400" rtl="0" eaLnBrk="1" fontAlgn="auto" latinLnBrk="0" hangingPunct="1">
-              <a:lnSpc>
-                <a:spcPct val="100000"/>
-              </a:lnSpc>
-              <a:spcBef>
-                <a:spcPts val="0"/>
-              </a:spcBef>
-              <a:spcAft>
-                <a:spcPts val="0"/>
-              </a:spcAft>
-              <a:buClrTx/>
-              <a:buSzTx/>
-              <a:buFontTx/>
-              <a:buChar char="-"/>
-              <a:tabLst/>
-              <a:defRPr/>
-            </a:pPr>
-            <a:r>
               <a:rPr lang="en-US" dirty="0"/>
-              <a:t>Avoid being put off to ship changes/fixes</a:t>
-            </a:r>
-          </a:p>
-          <a:p>
-            <a:pPr marL="171450" indent="-171450">
-              <a:buFontTx/>
-              <a:buChar char="-"/>
-            </a:pPr>
-            <a:r>
-              <a:rPr lang="en-US" dirty="0"/>
-              <a:t>Frees us from the logistical or admin </a:t>
-            </a:r>
-          </a:p>
-          <a:p>
-            <a:pPr marL="171450" indent="-171450">
-              <a:buFontTx/>
-              <a:buChar char="-"/>
-            </a:pPr>
-            <a:r>
-              <a:rPr lang="en-US" dirty="0"/>
-              <a:t>Improved focus on the code or project itself</a:t>
-            </a:r>
-          </a:p>
-          <a:p>
-            <a:pPr marL="628650" lvl="1" indent="-171450">
-              <a:buFontTx/>
-              <a:buChar char="-"/>
-            </a:pPr>
-            <a:r>
-              <a:rPr lang="en-US" dirty="0"/>
-              <a:t>Don’t worry about remembering </a:t>
-            </a:r>
-          </a:p>
-          <a:p>
-            <a:pPr marL="1085850" lvl="2" indent="-171450">
-              <a:buFontTx/>
-              <a:buChar char="-"/>
-            </a:pPr>
-            <a:r>
-              <a:rPr lang="en-US" dirty="0"/>
-              <a:t>how to get it where it needs to go</a:t>
-            </a:r>
-          </a:p>
-          <a:p>
-            <a:pPr marL="1085850" lvl="2" indent="-171450">
-              <a:buFontTx/>
-              <a:buChar char="-"/>
-            </a:pPr>
-            <a:r>
-              <a:rPr lang="en-US" dirty="0"/>
-              <a:t>what the next version number should be</a:t>
-            </a:r>
-          </a:p>
-          <a:p>
-            <a:pPr marL="1085850" lvl="2" indent="-171450">
-              <a:buFontTx/>
-              <a:buChar char="-"/>
-            </a:pPr>
-            <a:r>
-              <a:rPr lang="en-US" dirty="0"/>
-              <a:t>To include release notes</a:t>
-            </a:r>
-            <a:endParaRPr lang="en-GB" dirty="0"/>
+              <a:t>Use many of the available operators available </a:t>
+            </a:r>
           </a:p>
         </p:txBody>
       </p:sp>
@@ -1781,7 +1449,7 @@
     </p:spTree>
     <p:extLst>
       <p:ext uri="{BB962C8B-B14F-4D97-AF65-F5344CB8AC3E}">
-        <p14:creationId xmlns:p14="http://schemas.microsoft.com/office/powerpoint/2010/main" val="2043443434"/>
+        <p14:creationId xmlns:p14="http://schemas.microsoft.com/office/powerpoint/2010/main" val="2118772194"/>
       </p:ext>
     </p:extLst>
   </p:cSld>
@@ -1835,6 +1503,695 @@
           <a:bodyPr/>
           <a:lstStyle/>
           <a:p>
+            <a:pPr marL="171450" indent="-171450">
+              <a:buFontTx/>
+              <a:buChar char="-"/>
+            </a:pPr>
+            <a:r>
+              <a:rPr lang="en-US" b="0" dirty="0"/>
+              <a:t>“Demystifying”, “break it down”, “practical terms”</a:t>
+            </a:r>
+          </a:p>
+          <a:p>
+            <a:pPr marL="171450" marR="0" lvl="0" indent="-171450" algn="l" defTabSz="914400" rtl="0" eaLnBrk="1" fontAlgn="auto" latinLnBrk="0" hangingPunct="1">
+              <a:lnSpc>
+                <a:spcPct val="100000"/>
+              </a:lnSpc>
+              <a:spcBef>
+                <a:spcPts val="0"/>
+              </a:spcBef>
+              <a:spcAft>
+                <a:spcPts val="0"/>
+              </a:spcAft>
+              <a:buClrTx/>
+              <a:buSzTx/>
+              <a:buFontTx/>
+              <a:buChar char="-"/>
+              <a:tabLst/>
+              <a:defRPr/>
+            </a:pPr>
+            <a:r>
+              <a:rPr lang="en-US" b="0" dirty="0"/>
+              <a:t>Explaining this is relevant because leveraging GitHub Actions means == you will be practicing at the very least the deployment/delivery part of CI/CD</a:t>
+            </a:r>
+          </a:p>
+          <a:p>
+            <a:pPr marL="171450" indent="-171450">
+              <a:buFontTx/>
+              <a:buChar char="-"/>
+            </a:pPr>
+            <a:r>
+              <a:rPr lang="en-US" b="0" dirty="0"/>
+              <a:t>Not a new idea, but it is for me / sysadmins</a:t>
+            </a:r>
+          </a:p>
+          <a:p>
+            <a:pPr marL="0" indent="0">
+              <a:buFontTx/>
+              <a:buNone/>
+            </a:pPr>
+            <a:br>
+              <a:rPr lang="en-US" b="1" dirty="0"/>
+            </a:br>
+            <a:r>
+              <a:rPr lang="en-US" b="1" dirty="0"/>
+              <a:t>What is it?</a:t>
+            </a:r>
+          </a:p>
+          <a:p>
+            <a:pPr marL="171450" marR="0" lvl="0" indent="-171450" algn="l" defTabSz="914400" rtl="0" eaLnBrk="1" fontAlgn="auto" latinLnBrk="0" hangingPunct="1">
+              <a:lnSpc>
+                <a:spcPct val="100000"/>
+              </a:lnSpc>
+              <a:spcBef>
+                <a:spcPts val="0"/>
+              </a:spcBef>
+              <a:spcAft>
+                <a:spcPts val="0"/>
+              </a:spcAft>
+              <a:buClrTx/>
+              <a:buSzTx/>
+              <a:buFontTx/>
+              <a:buChar char="-"/>
+              <a:tabLst/>
+              <a:defRPr/>
+            </a:pPr>
+            <a:r>
+              <a:rPr lang="en-US" b="0" dirty="0"/>
+              <a:t>Continuous Integration: asking “Does the code I have checked in, conform or pass a series of tests?”</a:t>
+            </a:r>
+          </a:p>
+          <a:p>
+            <a:pPr marL="171450" marR="0" lvl="0" indent="-171450" algn="l" defTabSz="914400" rtl="0" eaLnBrk="1" fontAlgn="auto" latinLnBrk="0" hangingPunct="1">
+              <a:lnSpc>
+                <a:spcPct val="100000"/>
+              </a:lnSpc>
+              <a:spcBef>
+                <a:spcPts val="0"/>
+              </a:spcBef>
+              <a:spcAft>
+                <a:spcPts val="0"/>
+              </a:spcAft>
+              <a:buClrTx/>
+              <a:buSzTx/>
+              <a:buFontTx/>
+              <a:buChar char="-"/>
+              <a:tabLst/>
+              <a:defRPr/>
+            </a:pPr>
+            <a:r>
+              <a:rPr lang="en-US" b="0" dirty="0"/>
+              <a:t>Continuous Delivery/Deployment: essentially getting your code from A to B</a:t>
+            </a:r>
+          </a:p>
+          <a:p>
+            <a:pPr marL="628650" marR="0" lvl="1" indent="-171450" algn="l" defTabSz="914400" rtl="0" eaLnBrk="1" fontAlgn="auto" latinLnBrk="0" hangingPunct="1">
+              <a:lnSpc>
+                <a:spcPct val="100000"/>
+              </a:lnSpc>
+              <a:spcBef>
+                <a:spcPts val="0"/>
+              </a:spcBef>
+              <a:spcAft>
+                <a:spcPts val="0"/>
+              </a:spcAft>
+              <a:buClrTx/>
+              <a:buSzTx/>
+              <a:buFontTx/>
+              <a:buChar char="-"/>
+              <a:tabLst/>
+              <a:defRPr/>
+            </a:pPr>
+            <a:r>
+              <a:rPr lang="en-US" b="0" dirty="0"/>
+              <a:t>Will explain diff between deployment v delivery soon (this slide)</a:t>
+            </a:r>
+          </a:p>
+          <a:p>
+            <a:pPr marL="171450" indent="-171450">
+              <a:buFontTx/>
+              <a:buChar char="-"/>
+            </a:pPr>
+            <a:r>
+              <a:rPr lang="en-US" b="0" dirty="0"/>
+              <a:t>A practice of automating the testing and deployment of code</a:t>
+            </a:r>
+          </a:p>
+          <a:p>
+            <a:pPr marL="0" indent="0">
+              <a:buFontTx/>
+              <a:buNone/>
+            </a:pPr>
+            <a:endParaRPr lang="en-US" b="0" dirty="0"/>
+          </a:p>
+          <a:p>
+            <a:pPr marL="0" indent="0">
+              <a:buFontTx/>
+              <a:buNone/>
+            </a:pPr>
+            <a:r>
+              <a:rPr lang="en-US" b="0" dirty="0"/>
+              <a:t>Creates a pipeline:</a:t>
+            </a:r>
+          </a:p>
+          <a:p>
+            <a:pPr marL="0" indent="0">
+              <a:buFontTx/>
+              <a:buNone/>
+            </a:pPr>
+            <a:r>
+              <a:rPr lang="en-US" b="0" i="1" dirty="0"/>
+              <a:t>&lt;click&gt;</a:t>
+            </a:r>
+            <a:endParaRPr lang="en-US" b="0" i="0" dirty="0"/>
+          </a:p>
+          <a:p>
+            <a:pPr marL="0" indent="0">
+              <a:buFontTx/>
+              <a:buNone/>
+            </a:pPr>
+            <a:r>
+              <a:rPr lang="en-US" b="0" i="0" dirty="0"/>
+              <a:t>Check in code</a:t>
+            </a:r>
+            <a:endParaRPr lang="en-US" b="0" i="1" dirty="0"/>
+          </a:p>
+          <a:p>
+            <a:pPr marL="171450" indent="-171450">
+              <a:buFontTx/>
+              <a:buChar char="-"/>
+            </a:pPr>
+            <a:endParaRPr lang="en-US" b="0" dirty="0"/>
+          </a:p>
+          <a:p>
+            <a:pPr marL="0" indent="0">
+              <a:buFontTx/>
+              <a:buNone/>
+            </a:pPr>
+            <a:r>
+              <a:rPr lang="en-US" b="0" i="1" dirty="0">
+                <a:solidFill>
+                  <a:srgbClr val="FF0000"/>
+                </a:solidFill>
+              </a:rPr>
+              <a:t>&lt;click&gt;</a:t>
+            </a:r>
+          </a:p>
+          <a:p>
+            <a:pPr marL="0" indent="0">
+              <a:buFontTx/>
+              <a:buNone/>
+            </a:pPr>
+            <a:r>
+              <a:rPr lang="en-US" b="0" dirty="0"/>
+              <a:t>Build:</a:t>
+            </a:r>
+          </a:p>
+          <a:p>
+            <a:pPr marL="171450" indent="-171450">
+              <a:buFontTx/>
+              <a:buChar char="-"/>
+            </a:pPr>
+            <a:r>
+              <a:rPr lang="en-US" b="0" dirty="0"/>
+              <a:t>To produce an artifact</a:t>
+            </a:r>
+          </a:p>
+          <a:p>
+            <a:pPr marL="171450" indent="-171450">
+              <a:buFontTx/>
+              <a:buChar char="-"/>
+            </a:pPr>
+            <a:r>
+              <a:rPr lang="en-US" b="0" dirty="0"/>
+              <a:t>For me was difficult to understand, I’ve already built my code, why am I being told I should build it again… after checking in my already built code?</a:t>
+            </a:r>
+          </a:p>
+          <a:p>
+            <a:pPr marL="171450" indent="-171450">
+              <a:buFontTx/>
+              <a:buChar char="-"/>
+            </a:pPr>
+            <a:r>
+              <a:rPr lang="en-US" b="0" dirty="0"/>
+              <a:t>Give non-PS and PS example (talk about building modules)</a:t>
+            </a:r>
+          </a:p>
+          <a:p>
+            <a:pPr marL="0" marR="0" lvl="0" indent="0" algn="l" defTabSz="914400" rtl="0" eaLnBrk="1" fontAlgn="auto" latinLnBrk="0" hangingPunct="1">
+              <a:lnSpc>
+                <a:spcPct val="100000"/>
+              </a:lnSpc>
+              <a:spcBef>
+                <a:spcPts val="0"/>
+              </a:spcBef>
+              <a:spcAft>
+                <a:spcPts val="0"/>
+              </a:spcAft>
+              <a:buClrTx/>
+              <a:buSzTx/>
+              <a:buFontTx/>
+              <a:buNone/>
+              <a:tabLst/>
+              <a:defRPr/>
+            </a:pPr>
+            <a:endParaRPr lang="en-US" b="0" i="1" dirty="0">
+              <a:solidFill>
+                <a:srgbClr val="FF0000"/>
+              </a:solidFill>
+            </a:endParaRPr>
+          </a:p>
+          <a:p>
+            <a:pPr marL="0" marR="0" lvl="0" indent="0" algn="l" defTabSz="914400" rtl="0" eaLnBrk="1" fontAlgn="auto" latinLnBrk="0" hangingPunct="1">
+              <a:lnSpc>
+                <a:spcPct val="100000"/>
+              </a:lnSpc>
+              <a:spcBef>
+                <a:spcPts val="0"/>
+              </a:spcBef>
+              <a:spcAft>
+                <a:spcPts val="0"/>
+              </a:spcAft>
+              <a:buClrTx/>
+              <a:buSzTx/>
+              <a:buFontTx/>
+              <a:buNone/>
+              <a:tabLst/>
+              <a:defRPr/>
+            </a:pPr>
+            <a:r>
+              <a:rPr lang="en-US" b="0" i="1" dirty="0">
+                <a:solidFill>
+                  <a:srgbClr val="FF0000"/>
+                </a:solidFill>
+              </a:rPr>
+              <a:t>&lt;click&gt;</a:t>
+            </a:r>
+            <a:endParaRPr lang="en-US" b="0" dirty="0"/>
+          </a:p>
+          <a:p>
+            <a:pPr marL="0" indent="0">
+              <a:buFontTx/>
+              <a:buNone/>
+            </a:pPr>
+            <a:r>
+              <a:rPr lang="en-US" b="0" dirty="0"/>
+              <a:t>Test:</a:t>
+            </a:r>
+          </a:p>
+          <a:p>
+            <a:pPr marL="171450" indent="-171450">
+              <a:buFontTx/>
+              <a:buChar char="-"/>
+            </a:pPr>
+            <a:r>
+              <a:rPr lang="en-US" b="0" dirty="0"/>
+              <a:t>“Does this artifact conform or pass a series of tests?”</a:t>
+            </a:r>
+          </a:p>
+          <a:p>
+            <a:pPr marL="171450" indent="-171450">
+              <a:buFontTx/>
+              <a:buChar char="-"/>
+            </a:pPr>
+            <a:r>
+              <a:rPr lang="en-US" b="0" dirty="0"/>
+              <a:t>Give high-level examples of testing code, input &amp; expected output</a:t>
+            </a:r>
+          </a:p>
+          <a:p>
+            <a:pPr marL="171450" indent="-171450">
+              <a:buFontTx/>
+              <a:buChar char="-"/>
+            </a:pPr>
+            <a:r>
+              <a:rPr lang="en-US" b="0" dirty="0"/>
+              <a:t>Mention Pester</a:t>
+            </a:r>
+          </a:p>
+          <a:p>
+            <a:pPr marL="171450" indent="-171450">
+              <a:buFontTx/>
+              <a:buChar char="-"/>
+            </a:pPr>
+            <a:r>
+              <a:rPr lang="en-US" b="0" dirty="0"/>
+              <a:t>In the demos later, I will be not demoing code testing, focusing purely on the deployment</a:t>
+            </a:r>
+          </a:p>
+          <a:p>
+            <a:pPr marL="0" marR="0" lvl="0" indent="0" algn="l" defTabSz="914400" rtl="0" eaLnBrk="1" fontAlgn="auto" latinLnBrk="0" hangingPunct="1">
+              <a:lnSpc>
+                <a:spcPct val="100000"/>
+              </a:lnSpc>
+              <a:spcBef>
+                <a:spcPts val="0"/>
+              </a:spcBef>
+              <a:spcAft>
+                <a:spcPts val="0"/>
+              </a:spcAft>
+              <a:buClrTx/>
+              <a:buSzTx/>
+              <a:buFontTx/>
+              <a:buNone/>
+              <a:tabLst/>
+              <a:defRPr/>
+            </a:pPr>
+            <a:endParaRPr lang="en-US" b="0" i="1" dirty="0">
+              <a:solidFill>
+                <a:srgbClr val="FF0000"/>
+              </a:solidFill>
+            </a:endParaRPr>
+          </a:p>
+          <a:p>
+            <a:pPr marL="0" marR="0" lvl="0" indent="0" algn="l" defTabSz="914400" rtl="0" eaLnBrk="1" fontAlgn="auto" latinLnBrk="0" hangingPunct="1">
+              <a:lnSpc>
+                <a:spcPct val="100000"/>
+              </a:lnSpc>
+              <a:spcBef>
+                <a:spcPts val="0"/>
+              </a:spcBef>
+              <a:spcAft>
+                <a:spcPts val="0"/>
+              </a:spcAft>
+              <a:buClrTx/>
+              <a:buSzTx/>
+              <a:buFontTx/>
+              <a:buNone/>
+              <a:tabLst/>
+              <a:defRPr/>
+            </a:pPr>
+            <a:r>
+              <a:rPr lang="en-US" b="0" i="1" dirty="0">
+                <a:solidFill>
+                  <a:srgbClr val="FF0000"/>
+                </a:solidFill>
+              </a:rPr>
+              <a:t>&lt;click&gt;</a:t>
+            </a:r>
+          </a:p>
+          <a:p>
+            <a:pPr marL="0" indent="0">
+              <a:buFontTx/>
+              <a:buNone/>
+            </a:pPr>
+            <a:r>
+              <a:rPr lang="en-US" b="0" dirty="0"/>
+              <a:t>Deploy:</a:t>
+            </a:r>
+          </a:p>
+          <a:p>
+            <a:pPr marL="171450" indent="-171450">
+              <a:buFontTx/>
+              <a:buChar char="-"/>
+            </a:pPr>
+            <a:r>
+              <a:rPr lang="en-US" b="0" dirty="0"/>
+              <a:t>Finally, get your code to production</a:t>
+            </a:r>
+          </a:p>
+          <a:p>
+            <a:pPr marL="171450" indent="-171450">
+              <a:buFontTx/>
+              <a:buChar char="-"/>
+            </a:pPr>
+            <a:r>
+              <a:rPr lang="en-US" b="0" dirty="0"/>
+              <a:t>PowerShell Gallery / file share / internal NuGet repository / directly to servers</a:t>
+            </a:r>
+          </a:p>
+          <a:p>
+            <a:pPr marL="0" marR="0" lvl="0" indent="0" algn="l" defTabSz="914400" rtl="0" eaLnBrk="1" fontAlgn="auto" latinLnBrk="0" hangingPunct="1">
+              <a:lnSpc>
+                <a:spcPct val="100000"/>
+              </a:lnSpc>
+              <a:spcBef>
+                <a:spcPts val="0"/>
+              </a:spcBef>
+              <a:spcAft>
+                <a:spcPts val="0"/>
+              </a:spcAft>
+              <a:buClrTx/>
+              <a:buSzTx/>
+              <a:buFontTx/>
+              <a:buNone/>
+              <a:tabLst/>
+              <a:defRPr/>
+            </a:pPr>
+            <a:endParaRPr lang="en-US" b="0" i="1" dirty="0">
+              <a:solidFill>
+                <a:srgbClr val="FF0000"/>
+              </a:solidFill>
+            </a:endParaRPr>
+          </a:p>
+          <a:p>
+            <a:pPr marL="0" marR="0" lvl="0" indent="0" algn="l" defTabSz="914400" rtl="0" eaLnBrk="1" fontAlgn="auto" latinLnBrk="0" hangingPunct="1">
+              <a:lnSpc>
+                <a:spcPct val="100000"/>
+              </a:lnSpc>
+              <a:spcBef>
+                <a:spcPts val="0"/>
+              </a:spcBef>
+              <a:spcAft>
+                <a:spcPts val="0"/>
+              </a:spcAft>
+              <a:buClrTx/>
+              <a:buSzTx/>
+              <a:buFontTx/>
+              <a:buNone/>
+              <a:tabLst/>
+              <a:defRPr/>
+            </a:pPr>
+            <a:r>
+              <a:rPr lang="en-US" b="0" i="1" dirty="0">
+                <a:solidFill>
+                  <a:srgbClr val="FF0000"/>
+                </a:solidFill>
+              </a:rPr>
+              <a:t>&lt;click&gt;</a:t>
+            </a:r>
+          </a:p>
+          <a:p>
+            <a:pPr marL="0" indent="0">
+              <a:buFontTx/>
+              <a:buNone/>
+            </a:pPr>
+            <a:r>
+              <a:rPr lang="en-US" b="0" dirty="0"/>
+              <a:t>Pipeline – this is what is preferred to as the “pipeline”</a:t>
+            </a:r>
+          </a:p>
+          <a:p>
+            <a:pPr marL="171450" indent="-171450">
+              <a:buFontTx/>
+              <a:buChar char="-"/>
+            </a:pPr>
+            <a:endParaRPr lang="en-US" b="0" dirty="0"/>
+          </a:p>
+          <a:p>
+            <a:pPr marL="0" marR="0" lvl="0" indent="0" algn="l" defTabSz="914400" rtl="0" eaLnBrk="1" fontAlgn="auto" latinLnBrk="0" hangingPunct="1">
+              <a:lnSpc>
+                <a:spcPct val="100000"/>
+              </a:lnSpc>
+              <a:spcBef>
+                <a:spcPts val="0"/>
+              </a:spcBef>
+              <a:spcAft>
+                <a:spcPts val="0"/>
+              </a:spcAft>
+              <a:buClrTx/>
+              <a:buSzTx/>
+              <a:buFontTx/>
+              <a:buNone/>
+              <a:tabLst/>
+              <a:defRPr/>
+            </a:pPr>
+            <a:r>
+              <a:rPr lang="en-US" b="0" i="1" dirty="0">
+                <a:solidFill>
+                  <a:srgbClr val="FF0000"/>
+                </a:solidFill>
+              </a:rPr>
+              <a:t>&lt;click&gt;</a:t>
+            </a:r>
+          </a:p>
+          <a:p>
+            <a:pPr marL="0" indent="0">
+              <a:buFontTx/>
+              <a:buNone/>
+            </a:pPr>
+            <a:r>
+              <a:rPr lang="en-US" b="0" dirty="0"/>
+              <a:t>CI + CD – break down the pipeline</a:t>
+            </a:r>
+          </a:p>
+          <a:p>
+            <a:pPr marL="0" indent="0">
+              <a:buFontTx/>
+              <a:buNone/>
+            </a:pPr>
+            <a:endParaRPr lang="en-US" b="1" dirty="0"/>
+          </a:p>
+          <a:p>
+            <a:pPr marL="0" marR="0" lvl="0" indent="0" algn="l" defTabSz="914400" rtl="0" eaLnBrk="1" fontAlgn="auto" latinLnBrk="0" hangingPunct="1">
+              <a:lnSpc>
+                <a:spcPct val="100000"/>
+              </a:lnSpc>
+              <a:spcBef>
+                <a:spcPts val="0"/>
+              </a:spcBef>
+              <a:spcAft>
+                <a:spcPts val="0"/>
+              </a:spcAft>
+              <a:buClrTx/>
+              <a:buSzTx/>
+              <a:buFontTx/>
+              <a:buNone/>
+              <a:tabLst/>
+              <a:defRPr/>
+            </a:pPr>
+            <a:r>
+              <a:rPr lang="en-US" b="0" i="1" dirty="0">
+                <a:solidFill>
+                  <a:srgbClr val="FF0000"/>
+                </a:solidFill>
+              </a:rPr>
+              <a:t>&lt;click&gt;</a:t>
+            </a:r>
+          </a:p>
+          <a:p>
+            <a:pPr marL="0" indent="0">
+              <a:buFontTx/>
+              <a:buNone/>
+            </a:pPr>
+            <a:r>
+              <a:rPr lang="en-US" b="0" dirty="0"/>
+              <a:t>Approval – difference between Delivery v Deployment</a:t>
+            </a:r>
+          </a:p>
+          <a:p>
+            <a:pPr marL="0" indent="0">
+              <a:buFontTx/>
+              <a:buNone/>
+            </a:pPr>
+            <a:endParaRPr lang="en-US" b="1" dirty="0"/>
+          </a:p>
+          <a:p>
+            <a:pPr marL="0" marR="0" lvl="0" indent="0" algn="l" defTabSz="914400" rtl="0" eaLnBrk="1" fontAlgn="auto" latinLnBrk="0" hangingPunct="1">
+              <a:lnSpc>
+                <a:spcPct val="100000"/>
+              </a:lnSpc>
+              <a:spcBef>
+                <a:spcPts val="0"/>
+              </a:spcBef>
+              <a:spcAft>
+                <a:spcPts val="0"/>
+              </a:spcAft>
+              <a:buClrTx/>
+              <a:buSzTx/>
+              <a:buFontTx/>
+              <a:buNone/>
+              <a:tabLst/>
+              <a:defRPr/>
+            </a:pPr>
+            <a:r>
+              <a:rPr lang="en-US" b="0" i="1" dirty="0">
+                <a:solidFill>
+                  <a:srgbClr val="FF0000"/>
+                </a:solidFill>
+              </a:rPr>
+              <a:t>&lt;click&gt;</a:t>
+            </a:r>
+            <a:endParaRPr lang="en-US" b="1" dirty="0"/>
+          </a:p>
+          <a:p>
+            <a:r>
+              <a:rPr lang="en-US" b="1" dirty="0"/>
+              <a:t>Why do it?</a:t>
+            </a:r>
+          </a:p>
+          <a:p>
+            <a:pPr marL="171450" marR="0" lvl="0" indent="-171450" algn="l" defTabSz="914400" rtl="0" eaLnBrk="1" fontAlgn="auto" latinLnBrk="0" hangingPunct="1">
+              <a:lnSpc>
+                <a:spcPct val="100000"/>
+              </a:lnSpc>
+              <a:spcBef>
+                <a:spcPts val="0"/>
+              </a:spcBef>
+              <a:spcAft>
+                <a:spcPts val="0"/>
+              </a:spcAft>
+              <a:buClrTx/>
+              <a:buSzTx/>
+              <a:buFontTx/>
+              <a:buChar char="-"/>
+              <a:tabLst/>
+              <a:defRPr/>
+            </a:pPr>
+            <a:r>
+              <a:rPr lang="en-US" dirty="0"/>
+              <a:t>Avoid being put off to ship changes/fixes</a:t>
+            </a:r>
+          </a:p>
+          <a:p>
+            <a:pPr marL="171450" indent="-171450">
+              <a:buFontTx/>
+              <a:buChar char="-"/>
+            </a:pPr>
+            <a:r>
+              <a:rPr lang="en-US" dirty="0"/>
+              <a:t>Frees us from the logistical or admin </a:t>
+            </a:r>
+          </a:p>
+          <a:p>
+            <a:pPr marL="171450" indent="-171450">
+              <a:buFontTx/>
+              <a:buChar char="-"/>
+            </a:pPr>
+            <a:r>
+              <a:rPr lang="en-US" dirty="0"/>
+              <a:t>Improved focus on the code or project itself</a:t>
+            </a:r>
+          </a:p>
+          <a:p>
+            <a:pPr marL="628650" lvl="1" indent="-171450">
+              <a:buFontTx/>
+              <a:buChar char="-"/>
+            </a:pPr>
+            <a:r>
+              <a:rPr lang="en-US" dirty="0"/>
+              <a:t>Don’t worry about remembering </a:t>
+            </a:r>
+          </a:p>
+          <a:p>
+            <a:pPr marL="1085850" lvl="2" indent="-171450">
+              <a:buFontTx/>
+              <a:buChar char="-"/>
+            </a:pPr>
+            <a:r>
+              <a:rPr lang="en-US" dirty="0"/>
+              <a:t>how to get it where it needs to go</a:t>
+            </a:r>
+          </a:p>
+          <a:p>
+            <a:pPr marL="1085850" lvl="2" indent="-171450">
+              <a:buFontTx/>
+              <a:buChar char="-"/>
+            </a:pPr>
+            <a:r>
+              <a:rPr lang="en-US" dirty="0"/>
+              <a:t>what the next version number should be</a:t>
+            </a:r>
+          </a:p>
+          <a:p>
+            <a:pPr marL="1085850" lvl="2" indent="-171450">
+              <a:buFontTx/>
+              <a:buChar char="-"/>
+            </a:pPr>
+            <a:r>
+              <a:rPr lang="en-US" dirty="0"/>
+              <a:t>To include release notes</a:t>
+            </a:r>
             <a:endParaRPr lang="en-GB" dirty="0"/>
           </a:p>
         </p:txBody>
@@ -1865,7 +2222,91 @@
     </p:spTree>
     <p:extLst>
       <p:ext uri="{BB962C8B-B14F-4D97-AF65-F5344CB8AC3E}">
-        <p14:creationId xmlns:p14="http://schemas.microsoft.com/office/powerpoint/2010/main" val="252631238"/>
+        <p14:creationId xmlns:p14="http://schemas.microsoft.com/office/powerpoint/2010/main" val="2043443434"/>
+      </p:ext>
+    </p:extLst>
+  </p:cSld>
+  <p:clrMapOvr>
+    <a:masterClrMapping/>
+  </p:clrMapOvr>
+</p:notes>
+</file>
+
+<file path=ppt/notesSlides/notesSlide9.xml><?xml version="1.0" encoding="utf-8"?>
+<p:notes xmlns:a="http://schemas.openxmlformats.org/drawingml/2006/main" xmlns:r="http://schemas.openxmlformats.org/officeDocument/2006/relationships" xmlns:p="http://schemas.openxmlformats.org/presentationml/2006/main">
+  <p:cSld>
+    <p:spTree>
+      <p:nvGrpSpPr>
+        <p:cNvPr id="1" name=""/>
+        <p:cNvGrpSpPr/>
+        <p:nvPr/>
+      </p:nvGrpSpPr>
+      <p:grpSpPr>
+        <a:xfrm>
+          <a:off x="0" y="0"/>
+          <a:ext cx="0" cy="0"/>
+          <a:chOff x="0" y="0"/>
+          <a:chExt cx="0" cy="0"/>
+        </a:xfrm>
+      </p:grpSpPr>
+      <p:sp>
+        <p:nvSpPr>
+          <p:cNvPr id="2" name="Slide Image Placeholder 1"/>
+          <p:cNvSpPr>
+            <a:spLocks noGrp="1" noRot="1" noChangeAspect="1"/>
+          </p:cNvSpPr>
+          <p:nvPr>
+            <p:ph type="sldImg"/>
+          </p:nvPr>
+        </p:nvSpPr>
+        <p:spPr/>
+      </p:sp>
+      <p:sp>
+        <p:nvSpPr>
+          <p:cNvPr id="3" name="Notes Placeholder 2"/>
+          <p:cNvSpPr>
+            <a:spLocks noGrp="1"/>
+          </p:cNvSpPr>
+          <p:nvPr>
+            <p:ph type="body" idx="1"/>
+          </p:nvPr>
+        </p:nvSpPr>
+        <p:spPr/>
+        <p:txBody>
+          <a:bodyPr/>
+          <a:lstStyle/>
+          <a:p>
+            <a:endParaRPr lang="en-US" dirty="0"/>
+          </a:p>
+        </p:txBody>
+      </p:sp>
+      <p:sp>
+        <p:nvSpPr>
+          <p:cNvPr id="4" name="Slide Number Placeholder 3"/>
+          <p:cNvSpPr>
+            <a:spLocks noGrp="1"/>
+          </p:cNvSpPr>
+          <p:nvPr>
+            <p:ph type="sldNum" sz="quarter" idx="5"/>
+          </p:nvPr>
+        </p:nvSpPr>
+        <p:spPr/>
+        <p:txBody>
+          <a:bodyPr/>
+          <a:lstStyle/>
+          <a:p>
+            <a:fld id="{82C5441B-863A-42E5-B9B5-E6893391398D}" type="slidenum">
+              <a:rPr lang="en-GB" smtClean="0"/>
+              <a:t>9</a:t>
+            </a:fld>
+            <a:endParaRPr lang="en-GB"/>
+          </a:p>
+        </p:txBody>
+      </p:sp>
+    </p:spTree>
+    <p:extLst>
+      <p:ext uri="{BB962C8B-B14F-4D97-AF65-F5344CB8AC3E}">
+        <p14:creationId xmlns:p14="http://schemas.microsoft.com/office/powerpoint/2010/main" val="407712300"/>
       </p:ext>
     </p:extLst>
   </p:cSld>
@@ -2024,7 +2465,7 @@
           <a:p>
             <a:fld id="{65C47080-8C1D-47E1-91AD-DF405A3C6FA3}" type="datetimeFigureOut">
               <a:rPr lang="en-GB" smtClean="0"/>
-              <a:t>13/03/2022</a:t>
+              <a:t>14/03/2022</a:t>
             </a:fld>
             <a:endParaRPr lang="en-GB"/>
           </a:p>
@@ -2224,7 +2665,7 @@
           <a:p>
             <a:fld id="{65C47080-8C1D-47E1-91AD-DF405A3C6FA3}" type="datetimeFigureOut">
               <a:rPr lang="en-GB" smtClean="0"/>
-              <a:t>13/03/2022</a:t>
+              <a:t>14/03/2022</a:t>
             </a:fld>
             <a:endParaRPr lang="en-GB"/>
           </a:p>
@@ -2434,7 +2875,7 @@
           <a:p>
             <a:fld id="{65C47080-8C1D-47E1-91AD-DF405A3C6FA3}" type="datetimeFigureOut">
               <a:rPr lang="en-GB" smtClean="0"/>
-              <a:t>13/03/2022</a:t>
+              <a:t>14/03/2022</a:t>
             </a:fld>
             <a:endParaRPr lang="en-GB"/>
           </a:p>
@@ -2634,7 +3075,7 @@
           <a:p>
             <a:fld id="{65C47080-8C1D-47E1-91AD-DF405A3C6FA3}" type="datetimeFigureOut">
               <a:rPr lang="en-GB" smtClean="0"/>
-              <a:t>13/03/2022</a:t>
+              <a:t>14/03/2022</a:t>
             </a:fld>
             <a:endParaRPr lang="en-GB"/>
           </a:p>
@@ -2910,7 +3351,7 @@
           <a:p>
             <a:fld id="{65C47080-8C1D-47E1-91AD-DF405A3C6FA3}" type="datetimeFigureOut">
               <a:rPr lang="en-GB" smtClean="0"/>
-              <a:t>13/03/2022</a:t>
+              <a:t>14/03/2022</a:t>
             </a:fld>
             <a:endParaRPr lang="en-GB"/>
           </a:p>
@@ -3178,7 +3619,7 @@
           <a:p>
             <a:fld id="{65C47080-8C1D-47E1-91AD-DF405A3C6FA3}" type="datetimeFigureOut">
               <a:rPr lang="en-GB" smtClean="0"/>
-              <a:t>13/03/2022</a:t>
+              <a:t>14/03/2022</a:t>
             </a:fld>
             <a:endParaRPr lang="en-GB"/>
           </a:p>
@@ -3593,7 +4034,7 @@
           <a:p>
             <a:fld id="{65C47080-8C1D-47E1-91AD-DF405A3C6FA3}" type="datetimeFigureOut">
               <a:rPr lang="en-GB" smtClean="0"/>
-              <a:t>13/03/2022</a:t>
+              <a:t>14/03/2022</a:t>
             </a:fld>
             <a:endParaRPr lang="en-GB"/>
           </a:p>
@@ -3735,7 +4176,7 @@
           <a:p>
             <a:fld id="{65C47080-8C1D-47E1-91AD-DF405A3C6FA3}" type="datetimeFigureOut">
               <a:rPr lang="en-GB" smtClean="0"/>
-              <a:t>13/03/2022</a:t>
+              <a:t>14/03/2022</a:t>
             </a:fld>
             <a:endParaRPr lang="en-GB"/>
           </a:p>
@@ -3848,7 +4289,7 @@
           <a:p>
             <a:fld id="{65C47080-8C1D-47E1-91AD-DF405A3C6FA3}" type="datetimeFigureOut">
               <a:rPr lang="en-GB" smtClean="0"/>
-              <a:t>13/03/2022</a:t>
+              <a:t>14/03/2022</a:t>
             </a:fld>
             <a:endParaRPr lang="en-GB"/>
           </a:p>
@@ -4161,7 +4602,7 @@
           <a:p>
             <a:fld id="{65C47080-8C1D-47E1-91AD-DF405A3C6FA3}" type="datetimeFigureOut">
               <a:rPr lang="en-GB" smtClean="0"/>
-              <a:t>13/03/2022</a:t>
+              <a:t>14/03/2022</a:t>
             </a:fld>
             <a:endParaRPr lang="en-GB"/>
           </a:p>
@@ -4450,7 +4891,7 @@
           <a:p>
             <a:fld id="{65C47080-8C1D-47E1-91AD-DF405A3C6FA3}" type="datetimeFigureOut">
               <a:rPr lang="en-GB" smtClean="0"/>
-              <a:t>13/03/2022</a:t>
+              <a:t>14/03/2022</a:t>
             </a:fld>
             <a:endParaRPr lang="en-GB"/>
           </a:p>
@@ -4696,7 +5137,7 @@
           <a:p>
             <a:fld id="{65C47080-8C1D-47E1-91AD-DF405A3C6FA3}" type="datetimeFigureOut">
               <a:rPr lang="en-GB" smtClean="0"/>
-              <a:t>13/03/2022</a:t>
+              <a:t>14/03/2022</a:t>
             </a:fld>
             <a:endParaRPr lang="en-GB"/>
           </a:p>
@@ -5640,6 +6081,416 @@
   <p:clrMapOvr>
     <a:masterClrMapping/>
   </p:clrMapOvr>
+  <mc:AlternateContent xmlns:mc="http://schemas.openxmlformats.org/markup-compatibility/2006">
+    <mc:Choice xmlns:p14="http://schemas.microsoft.com/office/powerpoint/2010/main" Requires="p14">
+      <p:transition spd="slow" p14:dur="2000" advTm="1404"/>
+    </mc:Choice>
+    <mc:Fallback>
+      <p:transition spd="slow" advTm="1404"/>
+    </mc:Fallback>
+  </mc:AlternateContent>
+</p:sld>
+</file>
+
+<file path=ppt/slides/slide10.xml><?xml version="1.0" encoding="utf-8"?>
+<p:sld xmlns:a="http://schemas.openxmlformats.org/drawingml/2006/main" xmlns:r="http://schemas.openxmlformats.org/officeDocument/2006/relationships" xmlns:p="http://schemas.openxmlformats.org/presentationml/2006/main">
+  <p:cSld>
+    <p:spTree>
+      <p:nvGrpSpPr>
+        <p:cNvPr id="1" name=""/>
+        <p:cNvGrpSpPr/>
+        <p:nvPr/>
+      </p:nvGrpSpPr>
+      <p:grpSpPr>
+        <a:xfrm>
+          <a:off x="0" y="0"/>
+          <a:ext cx="0" cy="0"/>
+          <a:chOff x="0" y="0"/>
+          <a:chExt cx="0" cy="0"/>
+        </a:xfrm>
+      </p:grpSpPr>
+      <p:sp>
+        <p:nvSpPr>
+          <p:cNvPr id="2" name="Title 1">
+            <a:extLst>
+              <a:ext uri="{FF2B5EF4-FFF2-40B4-BE49-F238E27FC236}">
+                <a16:creationId xmlns:a16="http://schemas.microsoft.com/office/drawing/2014/main" id="{A7041597-B6A5-4F9D-B56A-0261EB892E6D}"/>
+              </a:ext>
+            </a:extLst>
+          </p:cNvPr>
+          <p:cNvSpPr>
+            <a:spLocks noGrp="1"/>
+          </p:cNvSpPr>
+          <p:nvPr>
+            <p:ph type="title"/>
+          </p:nvPr>
+        </p:nvSpPr>
+        <p:spPr>
+          <a:xfrm>
+            <a:off x="838200" y="150152"/>
+            <a:ext cx="10515600" cy="1325563"/>
+          </a:xfrm>
+        </p:spPr>
+        <p:txBody>
+          <a:bodyPr/>
+          <a:lstStyle/>
+          <a:p>
+            <a:r>
+              <a:rPr lang="en-US" dirty="0"/>
+              <a:t>Final comments</a:t>
+            </a:r>
+            <a:endParaRPr lang="en-GB" dirty="0"/>
+          </a:p>
+        </p:txBody>
+      </p:sp>
+      <p:sp>
+        <p:nvSpPr>
+          <p:cNvPr id="3" name="Content Placeholder 2">
+            <a:extLst>
+              <a:ext uri="{FF2B5EF4-FFF2-40B4-BE49-F238E27FC236}">
+                <a16:creationId xmlns:a16="http://schemas.microsoft.com/office/drawing/2014/main" id="{C829D4DF-B2F1-4D09-8796-C281708F0377}"/>
+              </a:ext>
+            </a:extLst>
+          </p:cNvPr>
+          <p:cNvSpPr>
+            <a:spLocks noGrp="1"/>
+          </p:cNvSpPr>
+          <p:nvPr>
+            <p:ph idx="1"/>
+          </p:nvPr>
+        </p:nvSpPr>
+        <p:spPr>
+          <a:xfrm>
+            <a:off x="838200" y="1475715"/>
+            <a:ext cx="8086859" cy="5106154"/>
+          </a:xfrm>
+        </p:spPr>
+        <p:txBody>
+          <a:bodyPr>
+            <a:normAutofit/>
+          </a:bodyPr>
+          <a:lstStyle/>
+          <a:p>
+            <a:r>
+              <a:rPr lang="en-GB" dirty="0"/>
+              <a:t>Docs</a:t>
+            </a:r>
+          </a:p>
+          <a:p>
+            <a:pPr lvl="1"/>
+            <a:r>
+              <a:rPr lang="en-GB" dirty="0">
+                <a:hlinkClick r:id="rId3"/>
+              </a:rPr>
+              <a:t>https://pester-docs.netlify.app</a:t>
+            </a:r>
+            <a:r>
+              <a:rPr lang="en-GB" dirty="0"/>
+              <a:t> </a:t>
+            </a:r>
+          </a:p>
+          <a:p>
+            <a:r>
+              <a:rPr lang="en-GB" dirty="0"/>
+              <a:t>YouTube playlist:</a:t>
+            </a:r>
+          </a:p>
+          <a:p>
+            <a:pPr lvl="1"/>
+            <a:r>
+              <a:rPr lang="en-GB" dirty="0">
+                <a:hlinkClick r:id="rId4"/>
+              </a:rPr>
+              <a:t>https://acook.io/pesterplaylist</a:t>
+            </a:r>
+            <a:r>
+              <a:rPr lang="en-GB" dirty="0"/>
+              <a:t> </a:t>
+            </a:r>
+          </a:p>
+          <a:p>
+            <a:r>
+              <a:rPr lang="en-GB" dirty="0"/>
+              <a:t>Mastering PowerShell Scripting - Chris Dent</a:t>
+            </a:r>
+          </a:p>
+          <a:p>
+            <a:pPr lvl="1"/>
+            <a:r>
+              <a:rPr lang="en-GB" dirty="0">
+                <a:hlinkClick r:id="rId5"/>
+              </a:rPr>
+              <a:t>https://www.amazon.co.uk/Mastering-PowerShell-Scripting-Automate-environment/dp/1800206542</a:t>
+            </a:r>
+            <a:r>
+              <a:rPr lang="en-GB" dirty="0"/>
+              <a:t> </a:t>
+            </a:r>
+          </a:p>
+        </p:txBody>
+      </p:sp>
+      <p:pic>
+        <p:nvPicPr>
+          <p:cNvPr id="32" name="Picture 31">
+            <a:extLst>
+              <a:ext uri="{FF2B5EF4-FFF2-40B4-BE49-F238E27FC236}">
+                <a16:creationId xmlns:a16="http://schemas.microsoft.com/office/drawing/2014/main" id="{3B9052C5-04EB-DE4A-84D4-350633796751}"/>
+              </a:ext>
+            </a:extLst>
+          </p:cNvPr>
+          <p:cNvPicPr>
+            <a:picLocks noChangeAspect="1"/>
+          </p:cNvPicPr>
+          <p:nvPr/>
+        </p:nvPicPr>
+        <p:blipFill>
+          <a:blip r:embed="rId6"/>
+          <a:stretch>
+            <a:fillRect/>
+          </a:stretch>
+        </p:blipFill>
+        <p:spPr>
+          <a:xfrm>
+            <a:off x="8134595" y="3144980"/>
+            <a:ext cx="1215467" cy="1500473"/>
+          </a:xfrm>
+          <a:prstGeom prst="rect">
+            <a:avLst/>
+          </a:prstGeom>
+        </p:spPr>
+      </p:pic>
+      <p:grpSp>
+        <p:nvGrpSpPr>
+          <p:cNvPr id="11" name="Group 10">
+            <a:extLst>
+              <a:ext uri="{FF2B5EF4-FFF2-40B4-BE49-F238E27FC236}">
+                <a16:creationId xmlns:a16="http://schemas.microsoft.com/office/drawing/2014/main" id="{2BFEE5E5-6ADE-40E5-BC66-FF554BAD31AD}"/>
+              </a:ext>
+            </a:extLst>
+          </p:cNvPr>
+          <p:cNvGrpSpPr/>
+          <p:nvPr/>
+        </p:nvGrpSpPr>
+        <p:grpSpPr>
+          <a:xfrm>
+            <a:off x="10074235" y="4645453"/>
+            <a:ext cx="2090058" cy="2165654"/>
+            <a:chOff x="10074235" y="4430010"/>
+            <a:chExt cx="2090058" cy="2165654"/>
+          </a:xfrm>
+        </p:grpSpPr>
+        <p:grpSp>
+          <p:nvGrpSpPr>
+            <p:cNvPr id="12" name="Group 11">
+              <a:extLst>
+                <a:ext uri="{FF2B5EF4-FFF2-40B4-BE49-F238E27FC236}">
+                  <a16:creationId xmlns:a16="http://schemas.microsoft.com/office/drawing/2014/main" id="{C64A978E-079E-4CBD-AF44-6CC85C2CBB08}"/>
+                </a:ext>
+              </a:extLst>
+            </p:cNvPr>
+            <p:cNvGrpSpPr/>
+            <p:nvPr/>
+          </p:nvGrpSpPr>
+          <p:grpSpPr>
+            <a:xfrm>
+              <a:off x="10126065" y="4430010"/>
+              <a:ext cx="1986397" cy="1904770"/>
+              <a:chOff x="10074088" y="4620028"/>
+              <a:chExt cx="1986397" cy="1904770"/>
+            </a:xfrm>
+          </p:grpSpPr>
+          <p:pic>
+            <p:nvPicPr>
+              <p:cNvPr id="14" name="Picture 2">
+                <a:extLst>
+                  <a:ext uri="{FF2B5EF4-FFF2-40B4-BE49-F238E27FC236}">
+                    <a16:creationId xmlns:a16="http://schemas.microsoft.com/office/drawing/2014/main" id="{4338FBDC-546E-4051-BCD6-732A7D274802}"/>
+                  </a:ext>
+                </a:extLst>
+              </p:cNvPr>
+              <p:cNvPicPr>
+                <a:picLocks noChangeAspect="1" noChangeArrowheads="1"/>
+              </p:cNvPicPr>
+              <p:nvPr/>
+            </p:nvPicPr>
+            <p:blipFill>
+              <a:blip r:embed="rId7">
+                <a:extLst>
+                  <a:ext uri="{28A0092B-C50C-407E-A947-70E740481C1C}">
+                    <a14:useLocalDpi xmlns:a14="http://schemas.microsoft.com/office/drawing/2010/main" val="0"/>
+                  </a:ext>
+                </a:extLst>
+              </a:blip>
+              <a:srcRect/>
+              <a:stretch/>
+            </p:blipFill>
+            <p:spPr bwMode="auto">
+              <a:xfrm>
+                <a:off x="10298834" y="4960183"/>
+                <a:ext cx="1564615" cy="1564615"/>
+              </a:xfrm>
+              <a:prstGeom prst="rect">
+                <a:avLst/>
+              </a:prstGeom>
+              <a:noFill/>
+              <a:extLst>
+                <a:ext uri="{909E8E84-426E-40DD-AFC4-6F175D3DCCD1}">
+                  <a14:hiddenFill xmlns:a14="http://schemas.microsoft.com/office/drawing/2010/main">
+                    <a:solidFill>
+                      <a:srgbClr val="FFFFFF"/>
+                    </a:solidFill>
+                  </a14:hiddenFill>
+                </a:ext>
+              </a:extLst>
+            </p:spPr>
+          </p:pic>
+          <p:sp>
+            <p:nvSpPr>
+              <p:cNvPr id="15" name="TextBox 14">
+                <a:extLst>
+                  <a:ext uri="{FF2B5EF4-FFF2-40B4-BE49-F238E27FC236}">
+                    <a16:creationId xmlns:a16="http://schemas.microsoft.com/office/drawing/2014/main" id="{E53C778E-DE91-4122-B58B-AFF7196BFA8D}"/>
+                  </a:ext>
+                </a:extLst>
+              </p:cNvPr>
+              <p:cNvSpPr txBox="1"/>
+              <p:nvPr/>
+            </p:nvSpPr>
+            <p:spPr>
+              <a:xfrm>
+                <a:off x="10074089" y="4620028"/>
+                <a:ext cx="1986396" cy="307777"/>
+              </a:xfrm>
+              <a:prstGeom prst="rect">
+                <a:avLst/>
+              </a:prstGeom>
+              <a:noFill/>
+            </p:spPr>
+            <p:txBody>
+              <a:bodyPr wrap="square" rtlCol="0">
+                <a:spAutoFit/>
+              </a:bodyPr>
+              <a:lstStyle/>
+              <a:p>
+                <a:pPr algn="ctr"/>
+                <a:r>
+                  <a:rPr lang="en-US" sz="1400" dirty="0">
+                    <a:solidFill>
+                      <a:schemeClr val="tx1">
+                        <a:lumMod val="50000"/>
+                        <a:lumOff val="50000"/>
+                      </a:schemeClr>
+                    </a:solidFill>
+                    <a:latin typeface="Bradley Hand" pitchFamily="2" charset="77"/>
+                  </a:rPr>
+                  <a:t>Scan to get deck content</a:t>
+                </a:r>
+              </a:p>
+            </p:txBody>
+          </p:sp>
+          <p:cxnSp>
+            <p:nvCxnSpPr>
+              <p:cNvPr id="16" name="Curved Connector 16">
+                <a:extLst>
+                  <a:ext uri="{FF2B5EF4-FFF2-40B4-BE49-F238E27FC236}">
+                    <a16:creationId xmlns:a16="http://schemas.microsoft.com/office/drawing/2014/main" id="{2002EBE1-3C7C-4862-A2A0-C90CB53D6123}"/>
+                  </a:ext>
+                </a:extLst>
+              </p:cNvPr>
+              <p:cNvCxnSpPr>
+                <a:cxnSpLocks/>
+                <a:stCxn id="15" idx="1"/>
+                <a:endCxn id="14" idx="1"/>
+              </p:cNvCxnSpPr>
+              <p:nvPr/>
+            </p:nvCxnSpPr>
+            <p:spPr>
+              <a:xfrm rot="10800000" flipH="1" flipV="1">
+                <a:off x="10074088" y="4773917"/>
+                <a:ext cx="224745" cy="968574"/>
+              </a:xfrm>
+              <a:prstGeom prst="curvedConnector3">
+                <a:avLst>
+                  <a:gd name="adj1" fmla="val -101715"/>
+                </a:avLst>
+              </a:prstGeom>
+              <a:ln w="44450">
+                <a:prstDash val="dash"/>
+                <a:tailEnd type="triangle"/>
+              </a:ln>
+            </p:spPr>
+            <p:style>
+              <a:lnRef idx="2">
+                <a:schemeClr val="accent3"/>
+              </a:lnRef>
+              <a:fillRef idx="0">
+                <a:schemeClr val="accent3"/>
+              </a:fillRef>
+              <a:effectRef idx="1">
+                <a:schemeClr val="accent3"/>
+              </a:effectRef>
+              <a:fontRef idx="minor">
+                <a:schemeClr val="tx1"/>
+              </a:fontRef>
+            </p:style>
+          </p:cxnSp>
+        </p:grpSp>
+        <p:sp>
+          <p:nvSpPr>
+            <p:cNvPr id="13" name="TextBox 12">
+              <a:extLst>
+                <a:ext uri="{FF2B5EF4-FFF2-40B4-BE49-F238E27FC236}">
+                  <a16:creationId xmlns:a16="http://schemas.microsoft.com/office/drawing/2014/main" id="{26D0B8B8-975B-4026-91B7-CE983C0A3D99}"/>
+                </a:ext>
+              </a:extLst>
+            </p:cNvPr>
+            <p:cNvSpPr txBox="1"/>
+            <p:nvPr/>
+          </p:nvSpPr>
+          <p:spPr>
+            <a:xfrm>
+              <a:off x="10074235" y="6334054"/>
+              <a:ext cx="2090058" cy="261610"/>
+            </a:xfrm>
+            <a:prstGeom prst="rect">
+              <a:avLst/>
+            </a:prstGeom>
+            <a:noFill/>
+          </p:spPr>
+          <p:txBody>
+            <a:bodyPr wrap="square" rtlCol="0">
+              <a:spAutoFit/>
+            </a:bodyPr>
+            <a:lstStyle/>
+            <a:p>
+              <a:pPr algn="ctr"/>
+              <a:r>
+                <a:rPr lang="en-US" sz="1100" dirty="0">
+                  <a:solidFill>
+                    <a:schemeClr val="tx1">
+                      <a:lumMod val="50000"/>
+                      <a:lumOff val="50000"/>
+                    </a:schemeClr>
+                  </a:solidFill>
+                  <a:latin typeface="Courier" pitchFamily="2" charset="0"/>
+                  <a:cs typeface="Arial" panose="020B0604020202020204" pitchFamily="34" charset="0"/>
+                </a:rPr>
+                <a:t>acook.io/presentations</a:t>
+              </a:r>
+            </a:p>
+          </p:txBody>
+        </p:sp>
+      </p:grpSp>
+    </p:spTree>
+    <p:extLst>
+      <p:ext uri="{BB962C8B-B14F-4D97-AF65-F5344CB8AC3E}">
+        <p14:creationId xmlns:p14="http://schemas.microsoft.com/office/powerpoint/2010/main" val="2824021143"/>
+      </p:ext>
+    </p:extLst>
+  </p:cSld>
+  <p:clrMapOvr>
+    <a:masterClrMapping/>
+  </p:clrMapOvr>
 </p:sld>
 </file>
 
@@ -5683,7 +6534,17 @@
           <a:p>
             <a:r>
               <a:rPr lang="en-US" dirty="0"/>
-              <a:t>About me</a:t>
+              <a:t>About me </a:t>
+            </a:r>
+            <a:r>
+              <a:rPr lang="en-GB" b="0" i="0" dirty="0">
+                <a:solidFill>
+                  <a:srgbClr val="C9D1D9"/>
+                </a:solidFill>
+                <a:effectLst/>
+                <a:latin typeface="Apple Color Emoji"/>
+              </a:rPr>
+              <a:t>🙃</a:t>
             </a:r>
             <a:endParaRPr lang="en-GB" dirty="0"/>
           </a:p>
@@ -5973,10 +6834,10 @@
         </p:nvGrpSpPr>
         <p:grpSpPr>
           <a:xfrm>
-            <a:off x="10060381" y="4645453"/>
-            <a:ext cx="2117765" cy="2165654"/>
-            <a:chOff x="10060381" y="4430010"/>
-            <a:chExt cx="2117765" cy="2165654"/>
+            <a:off x="10074235" y="4645453"/>
+            <a:ext cx="2090058" cy="2165654"/>
+            <a:chOff x="10074235" y="4430010"/>
+            <a:chExt cx="2090058" cy="2165654"/>
           </a:xfrm>
         </p:grpSpPr>
         <p:grpSp>
@@ -5993,10 +6854,10 @@
           </p:nvGrpSpPr>
           <p:grpSpPr>
             <a:xfrm>
-              <a:off x="10060381" y="4430010"/>
-              <a:ext cx="2117765" cy="1904770"/>
-              <a:chOff x="10008404" y="4620028"/>
-              <a:chExt cx="2117765" cy="1904770"/>
+              <a:off x="10126065" y="4430010"/>
+              <a:ext cx="1986397" cy="1904770"/>
+              <a:chOff x="10074088" y="4620028"/>
+              <a:chExt cx="1986397" cy="1904770"/>
             </a:xfrm>
           </p:grpSpPr>
           <p:pic>
@@ -6058,8 +6919,8 @@
             </p:nvSpPr>
             <p:spPr>
               <a:xfrm>
-                <a:off x="10008404" y="4620028"/>
-                <a:ext cx="2117765" cy="307777"/>
+                <a:off x="10074089" y="4620028"/>
+                <a:ext cx="1986396" cy="307777"/>
               </a:xfrm>
               <a:prstGeom prst="rect">
                 <a:avLst/>
@@ -6072,6 +6933,7 @@
               </a:bodyPr>
               <a:lstStyle/>
               <a:p>
+                <a:pPr algn="ctr"/>
                 <a:r>
                   <a:rPr lang="en-US" sz="1400" dirty="0">
                     <a:solidFill>
@@ -6105,12 +6967,12 @@
             </p:nvCxnSpPr>
             <p:spPr>
               <a:xfrm rot="10800000" flipH="1" flipV="1">
-                <a:off x="10008404" y="4773917"/>
-                <a:ext cx="290430" cy="968574"/>
+                <a:off x="10074088" y="4773917"/>
+                <a:ext cx="224745" cy="968574"/>
               </a:xfrm>
               <a:prstGeom prst="curvedConnector3">
                 <a:avLst>
-                  <a:gd name="adj1" fmla="val -43728"/>
+                  <a:gd name="adj1" fmla="val -101715"/>
                 </a:avLst>
               </a:prstGeom>
               <a:ln w="44450">
@@ -6304,7 +7166,7 @@
               <a:rPr lang="en-US" dirty="0">
                 <a:latin typeface="+mj-lt"/>
               </a:rPr>
-              <a:t>How it fits into a pipeline</a:t>
+              <a:t>Why you should use it</a:t>
             </a:r>
           </a:p>
           <a:p>
@@ -6313,7 +7175,7 @@
               <a:rPr lang="en-US" dirty="0">
                 <a:latin typeface="+mj-lt"/>
               </a:rPr>
-              <a:t>Why you should use it</a:t>
+              <a:t>How it fits into a pipeline</a:t>
             </a:r>
           </a:p>
           <a:p>
@@ -6364,10 +7226,10 @@
       </p:sp>
       <p:grpSp>
         <p:nvGrpSpPr>
-          <p:cNvPr id="37" name="Group 36">
+          <p:cNvPr id="10" name="Group 9">
             <a:extLst>
               <a:ext uri="{FF2B5EF4-FFF2-40B4-BE49-F238E27FC236}">
-                <a16:creationId xmlns:a16="http://schemas.microsoft.com/office/drawing/2014/main" id="{B37C40F9-B6D3-3B49-87C0-8C287B3B8871}"/>
+                <a16:creationId xmlns:a16="http://schemas.microsoft.com/office/drawing/2014/main" id="{98F8C559-525A-4CC3-A42D-D1CF6905A4E6}"/>
               </a:ext>
             </a:extLst>
           </p:cNvPr>
@@ -6376,18 +7238,18 @@
         </p:nvGrpSpPr>
         <p:grpSpPr>
           <a:xfrm>
-            <a:off x="10060381" y="4645453"/>
-            <a:ext cx="2117765" cy="2165654"/>
-            <a:chOff x="10060381" y="4430010"/>
-            <a:chExt cx="2117765" cy="2165654"/>
+            <a:off x="10074235" y="4645453"/>
+            <a:ext cx="2090058" cy="2165654"/>
+            <a:chOff x="10074235" y="4430010"/>
+            <a:chExt cx="2090058" cy="2165654"/>
           </a:xfrm>
         </p:grpSpPr>
         <p:grpSp>
           <p:nvGrpSpPr>
-            <p:cNvPr id="38" name="Group 37">
+            <p:cNvPr id="11" name="Group 10">
               <a:extLst>
                 <a:ext uri="{FF2B5EF4-FFF2-40B4-BE49-F238E27FC236}">
-                  <a16:creationId xmlns:a16="http://schemas.microsoft.com/office/drawing/2014/main" id="{44408A49-5A77-C845-AAFA-B284593988E8}"/>
+                  <a16:creationId xmlns:a16="http://schemas.microsoft.com/office/drawing/2014/main" id="{B499BE52-1CEE-407E-881E-D1ACC578E102}"/>
                 </a:ext>
               </a:extLst>
             </p:cNvPr>
@@ -6396,18 +7258,18 @@
           </p:nvGrpSpPr>
           <p:grpSpPr>
             <a:xfrm>
-              <a:off x="10060381" y="4430010"/>
-              <a:ext cx="2117765" cy="1904770"/>
-              <a:chOff x="10008404" y="4620028"/>
-              <a:chExt cx="2117765" cy="1904770"/>
+              <a:off x="10126065" y="4430010"/>
+              <a:ext cx="1986397" cy="1904770"/>
+              <a:chOff x="10074088" y="4620028"/>
+              <a:chExt cx="1986397" cy="1904770"/>
             </a:xfrm>
           </p:grpSpPr>
           <p:pic>
             <p:nvPicPr>
-              <p:cNvPr id="40" name="Picture 2">
+              <p:cNvPr id="13" name="Picture 2">
                 <a:extLst>
                   <a:ext uri="{FF2B5EF4-FFF2-40B4-BE49-F238E27FC236}">
-                    <a16:creationId xmlns:a16="http://schemas.microsoft.com/office/drawing/2014/main" id="{C44F40DD-7505-CD46-BA6E-6C92F0D03DE4}"/>
+                    <a16:creationId xmlns:a16="http://schemas.microsoft.com/office/drawing/2014/main" id="{416054F2-431A-40D9-BA84-C93A994F4ADB}"/>
                   </a:ext>
                 </a:extLst>
               </p:cNvPr>
@@ -6449,10 +7311,10 @@
           </p:pic>
           <p:sp>
             <p:nvSpPr>
-              <p:cNvPr id="41" name="TextBox 40">
+              <p:cNvPr id="14" name="TextBox 13">
                 <a:extLst>
                   <a:ext uri="{FF2B5EF4-FFF2-40B4-BE49-F238E27FC236}">
-                    <a16:creationId xmlns:a16="http://schemas.microsoft.com/office/drawing/2014/main" id="{532F450A-9CA4-BF40-BEBD-977D8BCAFA0C}"/>
+                    <a16:creationId xmlns:a16="http://schemas.microsoft.com/office/drawing/2014/main" id="{53ACA520-2252-443F-B620-4A941F44ED4B}"/>
                   </a:ext>
                 </a:extLst>
               </p:cNvPr>
@@ -6461,8 +7323,8 @@
             </p:nvSpPr>
             <p:spPr>
               <a:xfrm>
-                <a:off x="10008404" y="4620028"/>
-                <a:ext cx="2117765" cy="307777"/>
+                <a:off x="10074089" y="4620028"/>
+                <a:ext cx="1986396" cy="307777"/>
               </a:xfrm>
               <a:prstGeom prst="rect">
                 <a:avLst/>
@@ -6475,6 +7337,7 @@
               </a:bodyPr>
               <a:lstStyle/>
               <a:p>
+                <a:pPr algn="ctr"/>
                 <a:r>
                   <a:rPr lang="en-US" sz="1400" dirty="0">
                     <a:solidFill>
@@ -6492,28 +7355,28 @@
           </p:sp>
           <p:cxnSp>
             <p:nvCxnSpPr>
-              <p:cNvPr id="42" name="Curved Connector 41">
+              <p:cNvPr id="15" name="Curved Connector 16">
                 <a:extLst>
                   <a:ext uri="{FF2B5EF4-FFF2-40B4-BE49-F238E27FC236}">
-                    <a16:creationId xmlns:a16="http://schemas.microsoft.com/office/drawing/2014/main" id="{670BD984-BAC4-234E-9441-3E35A2B31A01}"/>
+                    <a16:creationId xmlns:a16="http://schemas.microsoft.com/office/drawing/2014/main" id="{FCF17F69-08E9-4A59-B1F2-79E619F0C91A}"/>
                   </a:ext>
                 </a:extLst>
               </p:cNvPr>
               <p:cNvCxnSpPr>
                 <a:cxnSpLocks/>
-                <a:stCxn id="41" idx="1"/>
-                <a:endCxn id="40" idx="1"/>
+                <a:stCxn id="14" idx="1"/>
+                <a:endCxn id="13" idx="1"/>
               </p:cNvCxnSpPr>
               <p:nvPr/>
             </p:nvCxnSpPr>
             <p:spPr>
               <a:xfrm rot="10800000" flipH="1" flipV="1">
-                <a:off x="10008404" y="4773917"/>
-                <a:ext cx="290430" cy="968574"/>
+                <a:off x="10074088" y="4773917"/>
+                <a:ext cx="224745" cy="968574"/>
               </a:xfrm>
               <a:prstGeom prst="curvedConnector3">
                 <a:avLst>
-                  <a:gd name="adj1" fmla="val -43728"/>
+                  <a:gd name="adj1" fmla="val -101715"/>
                 </a:avLst>
               </a:prstGeom>
               <a:ln w="44450">
@@ -6539,10 +7402,10 @@
         </p:grpSp>
         <p:sp>
           <p:nvSpPr>
-            <p:cNvPr id="39" name="TextBox 38">
+            <p:cNvPr id="12" name="TextBox 11">
               <a:extLst>
                 <a:ext uri="{FF2B5EF4-FFF2-40B4-BE49-F238E27FC236}">
-                  <a16:creationId xmlns:a16="http://schemas.microsoft.com/office/drawing/2014/main" id="{B9856E0A-29E5-A649-86BB-BA68B13BBE0C}"/>
+                  <a16:creationId xmlns:a16="http://schemas.microsoft.com/office/drawing/2014/main" id="{898BB82D-BA81-466D-A7E3-4514AB4E7846}"/>
                 </a:ext>
               </a:extLst>
             </p:cNvPr>
@@ -6681,7 +7544,7 @@
               <a:rPr lang="en-US" dirty="0">
                 <a:latin typeface="+mj-lt"/>
               </a:rPr>
-              <a:t> in Jan 2011</a:t>
+              <a:t> (@scottmuc) in 2011</a:t>
             </a:r>
           </a:p>
           <a:p>
@@ -6737,10 +7600,10 @@
       </p:sp>
       <p:grpSp>
         <p:nvGrpSpPr>
-          <p:cNvPr id="37" name="Group 36">
+          <p:cNvPr id="10" name="Group 9">
             <a:extLst>
               <a:ext uri="{FF2B5EF4-FFF2-40B4-BE49-F238E27FC236}">
-                <a16:creationId xmlns:a16="http://schemas.microsoft.com/office/drawing/2014/main" id="{B37C40F9-B6D3-3B49-87C0-8C287B3B8871}"/>
+                <a16:creationId xmlns:a16="http://schemas.microsoft.com/office/drawing/2014/main" id="{AFDE1DAE-E035-451F-B0A6-40A708F029B5}"/>
               </a:ext>
             </a:extLst>
           </p:cNvPr>
@@ -6749,18 +7612,18 @@
         </p:nvGrpSpPr>
         <p:grpSpPr>
           <a:xfrm>
-            <a:off x="10060381" y="4645453"/>
-            <a:ext cx="2117765" cy="2165654"/>
-            <a:chOff x="10060381" y="4430010"/>
-            <a:chExt cx="2117765" cy="2165654"/>
+            <a:off x="10074235" y="4645453"/>
+            <a:ext cx="2090058" cy="2165654"/>
+            <a:chOff x="10074235" y="4430010"/>
+            <a:chExt cx="2090058" cy="2165654"/>
           </a:xfrm>
         </p:grpSpPr>
         <p:grpSp>
           <p:nvGrpSpPr>
-            <p:cNvPr id="38" name="Group 37">
+            <p:cNvPr id="11" name="Group 10">
               <a:extLst>
                 <a:ext uri="{FF2B5EF4-FFF2-40B4-BE49-F238E27FC236}">
-                  <a16:creationId xmlns:a16="http://schemas.microsoft.com/office/drawing/2014/main" id="{44408A49-5A77-C845-AAFA-B284593988E8}"/>
+                  <a16:creationId xmlns:a16="http://schemas.microsoft.com/office/drawing/2014/main" id="{37A2A620-750A-49B3-AEE8-3D38AD1B37D7}"/>
                 </a:ext>
               </a:extLst>
             </p:cNvPr>
@@ -6769,18 +7632,18 @@
           </p:nvGrpSpPr>
           <p:grpSpPr>
             <a:xfrm>
-              <a:off x="10060381" y="4430010"/>
-              <a:ext cx="2117765" cy="1904770"/>
-              <a:chOff x="10008404" y="4620028"/>
-              <a:chExt cx="2117765" cy="1904770"/>
+              <a:off x="10126065" y="4430010"/>
+              <a:ext cx="1986397" cy="1904770"/>
+              <a:chOff x="10074088" y="4620028"/>
+              <a:chExt cx="1986397" cy="1904770"/>
             </a:xfrm>
           </p:grpSpPr>
           <p:pic>
             <p:nvPicPr>
-              <p:cNvPr id="40" name="Picture 2">
+              <p:cNvPr id="13" name="Picture 2">
                 <a:extLst>
                   <a:ext uri="{FF2B5EF4-FFF2-40B4-BE49-F238E27FC236}">
-                    <a16:creationId xmlns:a16="http://schemas.microsoft.com/office/drawing/2014/main" id="{C44F40DD-7505-CD46-BA6E-6C92F0D03DE4}"/>
+                    <a16:creationId xmlns:a16="http://schemas.microsoft.com/office/drawing/2014/main" id="{DAAB585C-73D1-4A35-9666-953774032116}"/>
                   </a:ext>
                 </a:extLst>
               </p:cNvPr>
@@ -6822,10 +7685,10 @@
           </p:pic>
           <p:sp>
             <p:nvSpPr>
-              <p:cNvPr id="41" name="TextBox 40">
+              <p:cNvPr id="14" name="TextBox 13">
                 <a:extLst>
                   <a:ext uri="{FF2B5EF4-FFF2-40B4-BE49-F238E27FC236}">
-                    <a16:creationId xmlns:a16="http://schemas.microsoft.com/office/drawing/2014/main" id="{532F450A-9CA4-BF40-BEBD-977D8BCAFA0C}"/>
+                    <a16:creationId xmlns:a16="http://schemas.microsoft.com/office/drawing/2014/main" id="{B724E7E4-A1C7-465B-8DD9-9E262BED37A0}"/>
                   </a:ext>
                 </a:extLst>
               </p:cNvPr>
@@ -6834,8 +7697,8 @@
             </p:nvSpPr>
             <p:spPr>
               <a:xfrm>
-                <a:off x="10008404" y="4620028"/>
-                <a:ext cx="2117765" cy="307777"/>
+                <a:off x="10074089" y="4620028"/>
+                <a:ext cx="1986396" cy="307777"/>
               </a:xfrm>
               <a:prstGeom prst="rect">
                 <a:avLst/>
@@ -6848,6 +7711,7 @@
               </a:bodyPr>
               <a:lstStyle/>
               <a:p>
+                <a:pPr algn="ctr"/>
                 <a:r>
                   <a:rPr lang="en-US" sz="1400" dirty="0">
                     <a:solidFill>
@@ -6865,28 +7729,28 @@
           </p:sp>
           <p:cxnSp>
             <p:nvCxnSpPr>
-              <p:cNvPr id="42" name="Curved Connector 41">
+              <p:cNvPr id="15" name="Curved Connector 16">
                 <a:extLst>
                   <a:ext uri="{FF2B5EF4-FFF2-40B4-BE49-F238E27FC236}">
-                    <a16:creationId xmlns:a16="http://schemas.microsoft.com/office/drawing/2014/main" id="{670BD984-BAC4-234E-9441-3E35A2B31A01}"/>
+                    <a16:creationId xmlns:a16="http://schemas.microsoft.com/office/drawing/2014/main" id="{E65DD47E-832F-45D3-8E50-C640B6B1BD07}"/>
                   </a:ext>
                 </a:extLst>
               </p:cNvPr>
               <p:cNvCxnSpPr>
                 <a:cxnSpLocks/>
-                <a:stCxn id="41" idx="1"/>
-                <a:endCxn id="40" idx="1"/>
+                <a:stCxn id="14" idx="1"/>
+                <a:endCxn id="13" idx="1"/>
               </p:cNvCxnSpPr>
               <p:nvPr/>
             </p:nvCxnSpPr>
             <p:spPr>
               <a:xfrm rot="10800000" flipH="1" flipV="1">
-                <a:off x="10008404" y="4773917"/>
-                <a:ext cx="290430" cy="968574"/>
+                <a:off x="10074088" y="4773917"/>
+                <a:ext cx="224745" cy="968574"/>
               </a:xfrm>
               <a:prstGeom prst="curvedConnector3">
                 <a:avLst>
-                  <a:gd name="adj1" fmla="val -43728"/>
+                  <a:gd name="adj1" fmla="val -101715"/>
                 </a:avLst>
               </a:prstGeom>
               <a:ln w="44450">
@@ -6912,10 +7776,10 @@
         </p:grpSp>
         <p:sp>
           <p:nvSpPr>
-            <p:cNvPr id="39" name="TextBox 38">
+            <p:cNvPr id="12" name="TextBox 11">
               <a:extLst>
                 <a:ext uri="{FF2B5EF4-FFF2-40B4-BE49-F238E27FC236}">
-                  <a16:creationId xmlns:a16="http://schemas.microsoft.com/office/drawing/2014/main" id="{B9856E0A-29E5-A649-86BB-BA68B13BBE0C}"/>
+                  <a16:creationId xmlns:a16="http://schemas.microsoft.com/office/drawing/2014/main" id="{FAC04352-4E26-4629-8BE3-54FE64D43895}"/>
                 </a:ext>
               </a:extLst>
             </p:cNvPr>
@@ -6986,6 +7850,83 @@
           <a:chExt cx="0" cy="0"/>
         </a:xfrm>
       </p:grpSpPr>
+      <p:pic>
+        <p:nvPicPr>
+          <p:cNvPr id="1026" name="Picture 2" descr="But Why GIFs - Get the best GIF on GIPHY">
+            <a:extLst>
+              <a:ext uri="{FF2B5EF4-FFF2-40B4-BE49-F238E27FC236}">
+                <a16:creationId xmlns:a16="http://schemas.microsoft.com/office/drawing/2014/main" id="{B276C82A-7313-4AAF-9425-78E816C28817}"/>
+              </a:ext>
+            </a:extLst>
+          </p:cNvPr>
+          <p:cNvPicPr>
+            <a:picLocks noChangeAspect="1" noChangeArrowheads="1"/>
+          </p:cNvPicPr>
+          <p:nvPr/>
+        </p:nvPicPr>
+        <p:blipFill>
+          <a:blip r:embed="rId3">
+            <a:extLst>
+              <a:ext uri="{28A0092B-C50C-407E-A947-70E740481C1C}">
+                <a14:useLocalDpi xmlns:a14="http://schemas.microsoft.com/office/drawing/2010/main" val="0"/>
+              </a:ext>
+            </a:extLst>
+          </a:blip>
+          <a:srcRect/>
+          <a:stretch>
+            <a:fillRect/>
+          </a:stretch>
+        </p:blipFill>
+        <p:spPr bwMode="auto">
+          <a:xfrm>
+            <a:off x="242046" y="273231"/>
+            <a:ext cx="11698941" cy="6306706"/>
+          </a:xfrm>
+          <a:prstGeom prst="rect">
+            <a:avLst/>
+          </a:prstGeom>
+          <a:noFill/>
+          <a:extLst>
+            <a:ext uri="{909E8E84-426E-40DD-AFC4-6F175D3DCCD1}">
+              <a14:hiddenFill xmlns:a14="http://schemas.microsoft.com/office/drawing/2010/main">
+                <a:solidFill>
+                  <a:srgbClr val="FFFFFF"/>
+                </a:solidFill>
+              </a14:hiddenFill>
+            </a:ext>
+          </a:extLst>
+        </p:spPr>
+      </p:pic>
+    </p:spTree>
+    <p:extLst>
+      <p:ext uri="{BB962C8B-B14F-4D97-AF65-F5344CB8AC3E}">
+        <p14:creationId xmlns:p14="http://schemas.microsoft.com/office/powerpoint/2010/main" val="3375976282"/>
+      </p:ext>
+    </p:extLst>
+  </p:cSld>
+  <p:clrMapOvr>
+    <a:masterClrMapping/>
+  </p:clrMapOvr>
+</p:sld>
+</file>
+
+<file path=ppt/slides/slide6.xml><?xml version="1.0" encoding="utf-8"?>
+<p:sld xmlns:a="http://schemas.openxmlformats.org/drawingml/2006/main" xmlns:r="http://schemas.openxmlformats.org/officeDocument/2006/relationships" xmlns:p="http://schemas.openxmlformats.org/presentationml/2006/main">
+  <p:cSld>
+    <p:spTree>
+      <p:nvGrpSpPr>
+        <p:cNvPr id="1" name=""/>
+        <p:cNvGrpSpPr/>
+        <p:nvPr/>
+      </p:nvGrpSpPr>
+      <p:grpSpPr>
+        <a:xfrm>
+          <a:off x="0" y="0"/>
+          <a:ext cx="0" cy="0"/>
+          <a:chOff x="0" y="0"/>
+          <a:chExt cx="0" cy="0"/>
+        </a:xfrm>
+      </p:grpSpPr>
       <p:sp>
         <p:nvSpPr>
           <p:cNvPr id="2" name="Title 1">
@@ -7009,22 +7950,80 @@
           <a:p>
             <a:r>
               <a:rPr lang="en-US" dirty="0"/>
-              <a:t>All you need to know </a:t>
-            </a:r>
-            <a:r>
-              <a:rPr lang="en-US" sz="2800" i="1" baseline="30000" dirty="0"/>
-              <a:t>(right now)</a:t>
+              <a:t>Why? </a:t>
+            </a:r>
+            <a:r>
+              <a:rPr lang="en-GB" b="0" i="0" dirty="0">
+                <a:solidFill>
+                  <a:srgbClr val="C9D1D9"/>
+                </a:solidFill>
+                <a:effectLst/>
+                <a:latin typeface="Apple Color Emoji"/>
+              </a:rPr>
+              <a:t>🤔</a:t>
             </a:r>
             <a:endParaRPr lang="en-GB" i="1" baseline="30000" dirty="0"/>
+          </a:p>
+        </p:txBody>
+      </p:sp>
+      <p:sp>
+        <p:nvSpPr>
+          <p:cNvPr id="5" name="Content Placeholder 4">
+            <a:extLst>
+              <a:ext uri="{FF2B5EF4-FFF2-40B4-BE49-F238E27FC236}">
+                <a16:creationId xmlns:a16="http://schemas.microsoft.com/office/drawing/2014/main" id="{C23056C5-FEA4-FF42-9E8E-7EB5109F2806}"/>
+              </a:ext>
+            </a:extLst>
+          </p:cNvPr>
+          <p:cNvSpPr>
+            <a:spLocks noGrp="1"/>
+          </p:cNvSpPr>
+          <p:nvPr>
+            <p:ph idx="1"/>
+          </p:nvPr>
+        </p:nvSpPr>
+        <p:spPr/>
+        <p:txBody>
+          <a:bodyPr/>
+          <a:lstStyle/>
+          <a:p>
+            <a:r>
+              <a:rPr lang="en-US" dirty="0"/>
+              <a:t>Survival</a:t>
+            </a:r>
+          </a:p>
+          <a:p>
+            <a:r>
+              <a:rPr lang="en-US" dirty="0"/>
+              <a:t>Sharing and fostering contribution</a:t>
+            </a:r>
+          </a:p>
+          <a:p>
+            <a:r>
+              <a:rPr lang="en-US" dirty="0"/>
+              <a:t>JFDI</a:t>
+            </a:r>
+          </a:p>
+          <a:p>
+            <a:r>
+              <a:rPr lang="en-US" dirty="0"/>
+              <a:t>No more recurring bugs</a:t>
+            </a:r>
+          </a:p>
+          <a:p>
+            <a:r>
+              <a:rPr lang="en-US" dirty="0"/>
+              <a:t>Test infrastructure and/or services!</a:t>
+            </a:r>
           </a:p>
         </p:txBody>
       </p:sp>
       <p:grpSp>
         <p:nvGrpSpPr>
-          <p:cNvPr id="37" name="Group 36">
+          <p:cNvPr id="10" name="Group 9">
             <a:extLst>
               <a:ext uri="{FF2B5EF4-FFF2-40B4-BE49-F238E27FC236}">
-                <a16:creationId xmlns:a16="http://schemas.microsoft.com/office/drawing/2014/main" id="{B37C40F9-B6D3-3B49-87C0-8C287B3B8871}"/>
+                <a16:creationId xmlns:a16="http://schemas.microsoft.com/office/drawing/2014/main" id="{17020B6B-F7D2-4FEE-A31E-B80EFD79F4FF}"/>
               </a:ext>
             </a:extLst>
           </p:cNvPr>
@@ -7033,18 +8032,18 @@
         </p:nvGrpSpPr>
         <p:grpSpPr>
           <a:xfrm>
-            <a:off x="10060381" y="4645453"/>
-            <a:ext cx="2117765" cy="2165654"/>
-            <a:chOff x="10060381" y="4430010"/>
-            <a:chExt cx="2117765" cy="2165654"/>
+            <a:off x="10074235" y="4645453"/>
+            <a:ext cx="2090058" cy="2165654"/>
+            <a:chOff x="10074235" y="4430010"/>
+            <a:chExt cx="2090058" cy="2165654"/>
           </a:xfrm>
         </p:grpSpPr>
         <p:grpSp>
           <p:nvGrpSpPr>
-            <p:cNvPr id="38" name="Group 37">
+            <p:cNvPr id="11" name="Group 10">
               <a:extLst>
                 <a:ext uri="{FF2B5EF4-FFF2-40B4-BE49-F238E27FC236}">
-                  <a16:creationId xmlns:a16="http://schemas.microsoft.com/office/drawing/2014/main" id="{44408A49-5A77-C845-AAFA-B284593988E8}"/>
+                  <a16:creationId xmlns:a16="http://schemas.microsoft.com/office/drawing/2014/main" id="{FA50C842-514E-40D6-B080-EC89C7C9D9CE}"/>
                 </a:ext>
               </a:extLst>
             </p:cNvPr>
@@ -7053,18 +8052,18 @@
           </p:nvGrpSpPr>
           <p:grpSpPr>
             <a:xfrm>
-              <a:off x="10060381" y="4430010"/>
-              <a:ext cx="2117765" cy="1904770"/>
-              <a:chOff x="10008404" y="4620028"/>
-              <a:chExt cx="2117765" cy="1904770"/>
+              <a:off x="10126065" y="4430010"/>
+              <a:ext cx="1986397" cy="1904770"/>
+              <a:chOff x="10074088" y="4620028"/>
+              <a:chExt cx="1986397" cy="1904770"/>
             </a:xfrm>
           </p:grpSpPr>
           <p:pic>
             <p:nvPicPr>
-              <p:cNvPr id="40" name="Picture 2">
+              <p:cNvPr id="13" name="Picture 2">
                 <a:extLst>
                   <a:ext uri="{FF2B5EF4-FFF2-40B4-BE49-F238E27FC236}">
-                    <a16:creationId xmlns:a16="http://schemas.microsoft.com/office/drawing/2014/main" id="{C44F40DD-7505-CD46-BA6E-6C92F0D03DE4}"/>
+                    <a16:creationId xmlns:a16="http://schemas.microsoft.com/office/drawing/2014/main" id="{3ACBDAD0-2777-44C5-B9FB-A2C11A298523}"/>
                   </a:ext>
                 </a:extLst>
               </p:cNvPr>
@@ -7106,10 +8105,10 @@
           </p:pic>
           <p:sp>
             <p:nvSpPr>
-              <p:cNvPr id="41" name="TextBox 40">
+              <p:cNvPr id="14" name="TextBox 13">
                 <a:extLst>
                   <a:ext uri="{FF2B5EF4-FFF2-40B4-BE49-F238E27FC236}">
-                    <a16:creationId xmlns:a16="http://schemas.microsoft.com/office/drawing/2014/main" id="{532F450A-9CA4-BF40-BEBD-977D8BCAFA0C}"/>
+                    <a16:creationId xmlns:a16="http://schemas.microsoft.com/office/drawing/2014/main" id="{80C1C979-85AA-4937-9A7A-CB40D839C882}"/>
                   </a:ext>
                 </a:extLst>
               </p:cNvPr>
@@ -7118,8 +8117,8 @@
             </p:nvSpPr>
             <p:spPr>
               <a:xfrm>
-                <a:off x="10008404" y="4620028"/>
-                <a:ext cx="2117765" cy="307777"/>
+                <a:off x="10074089" y="4620028"/>
+                <a:ext cx="1986396" cy="307777"/>
               </a:xfrm>
               <a:prstGeom prst="rect">
                 <a:avLst/>
@@ -7132,6 +8131,7 @@
               </a:bodyPr>
               <a:lstStyle/>
               <a:p>
+                <a:pPr algn="ctr"/>
                 <a:r>
                   <a:rPr lang="en-US" sz="1400" dirty="0">
                     <a:solidFill>
@@ -7149,28 +8149,28 @@
           </p:sp>
           <p:cxnSp>
             <p:nvCxnSpPr>
-              <p:cNvPr id="42" name="Curved Connector 41">
+              <p:cNvPr id="15" name="Curved Connector 16">
                 <a:extLst>
                   <a:ext uri="{FF2B5EF4-FFF2-40B4-BE49-F238E27FC236}">
-                    <a16:creationId xmlns:a16="http://schemas.microsoft.com/office/drawing/2014/main" id="{670BD984-BAC4-234E-9441-3E35A2B31A01}"/>
+                    <a16:creationId xmlns:a16="http://schemas.microsoft.com/office/drawing/2014/main" id="{BADADB20-152C-4AF0-9150-DD2696195D55}"/>
                   </a:ext>
                 </a:extLst>
               </p:cNvPr>
               <p:cNvCxnSpPr>
                 <a:cxnSpLocks/>
-                <a:stCxn id="41" idx="1"/>
-                <a:endCxn id="40" idx="1"/>
+                <a:stCxn id="14" idx="1"/>
+                <a:endCxn id="13" idx="1"/>
               </p:cNvCxnSpPr>
               <p:nvPr/>
             </p:nvCxnSpPr>
             <p:spPr>
               <a:xfrm rot="10800000" flipH="1" flipV="1">
-                <a:off x="10008404" y="4773917"/>
-                <a:ext cx="290430" cy="968574"/>
+                <a:off x="10074088" y="4773917"/>
+                <a:ext cx="224745" cy="968574"/>
               </a:xfrm>
               <a:prstGeom prst="curvedConnector3">
                 <a:avLst>
-                  <a:gd name="adj1" fmla="val -43728"/>
+                  <a:gd name="adj1" fmla="val -101715"/>
                 </a:avLst>
               </a:prstGeom>
               <a:ln w="44450">
@@ -7196,468 +8196,10 @@
         </p:grpSp>
         <p:sp>
           <p:nvSpPr>
-            <p:cNvPr id="39" name="TextBox 38">
+            <p:cNvPr id="12" name="TextBox 11">
               <a:extLst>
                 <a:ext uri="{FF2B5EF4-FFF2-40B4-BE49-F238E27FC236}">
-                  <a16:creationId xmlns:a16="http://schemas.microsoft.com/office/drawing/2014/main" id="{B9856E0A-29E5-A649-86BB-BA68B13BBE0C}"/>
-                </a:ext>
-              </a:extLst>
-            </p:cNvPr>
-            <p:cNvSpPr txBox="1"/>
-            <p:nvPr/>
-          </p:nvSpPr>
-          <p:spPr>
-            <a:xfrm>
-              <a:off x="10074235" y="6334054"/>
-              <a:ext cx="2090058" cy="261610"/>
-            </a:xfrm>
-            <a:prstGeom prst="rect">
-              <a:avLst/>
-            </a:prstGeom>
-            <a:noFill/>
-          </p:spPr>
-          <p:txBody>
-            <a:bodyPr wrap="square" rtlCol="0">
-              <a:spAutoFit/>
-            </a:bodyPr>
-            <a:lstStyle/>
-            <a:p>
-              <a:pPr algn="ctr"/>
-              <a:r>
-                <a:rPr lang="en-US" sz="1100" dirty="0">
-                  <a:solidFill>
-                    <a:schemeClr val="tx1">
-                      <a:lumMod val="50000"/>
-                      <a:lumOff val="50000"/>
-                    </a:schemeClr>
-                  </a:solidFill>
-                  <a:latin typeface="Courier" pitchFamily="2" charset="0"/>
-                  <a:cs typeface="Arial" panose="020B0604020202020204" pitchFamily="34" charset="0"/>
-                </a:rPr>
-                <a:t>acook.io/presentations</a:t>
-              </a:r>
-            </a:p>
-          </p:txBody>
-        </p:sp>
-      </p:grpSp>
-      <p:sp>
-        <p:nvSpPr>
-          <p:cNvPr id="5" name="Content Placeholder 4">
-            <a:extLst>
-              <a:ext uri="{FF2B5EF4-FFF2-40B4-BE49-F238E27FC236}">
-                <a16:creationId xmlns:a16="http://schemas.microsoft.com/office/drawing/2014/main" id="{C23056C5-FEA4-FF42-9E8E-7EB5109F2806}"/>
-              </a:ext>
-            </a:extLst>
-          </p:cNvPr>
-          <p:cNvSpPr>
-            <a:spLocks noGrp="1"/>
-          </p:cNvSpPr>
-          <p:nvPr>
-            <p:ph idx="1"/>
-          </p:nvPr>
-        </p:nvSpPr>
-        <p:spPr/>
-        <p:txBody>
-          <a:bodyPr/>
-          <a:lstStyle/>
-          <a:p>
-            <a:r>
-              <a:rPr lang="en-US" dirty="0"/>
-              <a:t>Three functions:</a:t>
-            </a:r>
-          </a:p>
-          <a:p>
-            <a:pPr lvl="1"/>
-            <a:r>
-              <a:rPr lang="en-US" sz="2000" dirty="0">
-                <a:latin typeface="Courier" pitchFamily="2" charset="0"/>
-              </a:rPr>
-              <a:t>Describe </a:t>
-            </a:r>
-            <a:r>
-              <a:rPr lang="en-GB" sz="2000" dirty="0">
-                <a:latin typeface="Courier" pitchFamily="2" charset="0"/>
-              </a:rPr>
-              <a:t>[-Name] &lt;String&gt; [-Fixture] &lt;</a:t>
-            </a:r>
-            <a:r>
-              <a:rPr lang="en-GB" sz="2000" dirty="0" err="1">
-                <a:latin typeface="Courier" pitchFamily="2" charset="0"/>
-              </a:rPr>
-              <a:t>ScriptBlock</a:t>
-            </a:r>
-            <a:r>
-              <a:rPr lang="en-GB" sz="2000" dirty="0">
-                <a:latin typeface="Courier" pitchFamily="2" charset="0"/>
-              </a:rPr>
-              <a:t>&gt;</a:t>
-            </a:r>
-            <a:endParaRPr lang="en-US" sz="2000" dirty="0">
-              <a:latin typeface="Courier" pitchFamily="2" charset="0"/>
-            </a:endParaRPr>
-          </a:p>
-          <a:p>
-            <a:pPr lvl="1"/>
-            <a:r>
-              <a:rPr lang="en-US" sz="2000" dirty="0">
-                <a:latin typeface="Courier" pitchFamily="2" charset="0"/>
-              </a:rPr>
-              <a:t>It       </a:t>
-            </a:r>
-            <a:r>
-              <a:rPr lang="en-GB" sz="2000" dirty="0">
-                <a:latin typeface="Courier" pitchFamily="2" charset="0"/>
-              </a:rPr>
-              <a:t>[-Name] &lt;String&gt; [-Test] &lt;</a:t>
-            </a:r>
-            <a:r>
-              <a:rPr lang="en-GB" sz="2000" dirty="0" err="1">
-                <a:latin typeface="Courier" pitchFamily="2" charset="0"/>
-              </a:rPr>
-              <a:t>ScriptBlock</a:t>
-            </a:r>
-            <a:r>
-              <a:rPr lang="en-GB" sz="2000" dirty="0">
-                <a:latin typeface="Courier" pitchFamily="2" charset="0"/>
-              </a:rPr>
-              <a:t>&gt;</a:t>
-            </a:r>
-            <a:endParaRPr lang="en-US" sz="2000" dirty="0">
-              <a:latin typeface="Courier" pitchFamily="2" charset="0"/>
-            </a:endParaRPr>
-          </a:p>
-          <a:p>
-            <a:pPr lvl="1"/>
-            <a:r>
-              <a:rPr lang="en-US" sz="2000" dirty="0">
-                <a:latin typeface="Courier" pitchFamily="2" charset="0"/>
-              </a:rPr>
-              <a:t>Should   [-</a:t>
-            </a:r>
-            <a:r>
-              <a:rPr lang="en-US" sz="2000" dirty="0" err="1">
-                <a:latin typeface="Courier" pitchFamily="2" charset="0"/>
-              </a:rPr>
-              <a:t>ActualValue</a:t>
-            </a:r>
-            <a:r>
-              <a:rPr lang="en-US" sz="2000" dirty="0">
-                <a:latin typeface="Courier" pitchFamily="2" charset="0"/>
-              </a:rPr>
-              <a:t>] &lt;Object&gt;</a:t>
-            </a:r>
-          </a:p>
-        </p:txBody>
-      </p:sp>
-    </p:spTree>
-    <p:extLst>
-      <p:ext uri="{BB962C8B-B14F-4D97-AF65-F5344CB8AC3E}">
-        <p14:creationId xmlns:p14="http://schemas.microsoft.com/office/powerpoint/2010/main" val="2594406222"/>
-      </p:ext>
-    </p:extLst>
-  </p:cSld>
-  <p:clrMapOvr>
-    <a:masterClrMapping/>
-  </p:clrMapOvr>
-</p:sld>
-</file>
-
-<file path=ppt/slides/slide6.xml><?xml version="1.0" encoding="utf-8"?>
-<p:sld xmlns:a="http://schemas.openxmlformats.org/drawingml/2006/main" xmlns:r="http://schemas.openxmlformats.org/officeDocument/2006/relationships" xmlns:p="http://schemas.openxmlformats.org/presentationml/2006/main">
-  <p:cSld>
-    <p:spTree>
-      <p:nvGrpSpPr>
-        <p:cNvPr id="1" name=""/>
-        <p:cNvGrpSpPr/>
-        <p:nvPr/>
-      </p:nvGrpSpPr>
-      <p:grpSpPr>
-        <a:xfrm>
-          <a:off x="0" y="0"/>
-          <a:ext cx="0" cy="0"/>
-          <a:chOff x="0" y="0"/>
-          <a:chExt cx="0" cy="0"/>
-        </a:xfrm>
-      </p:grpSpPr>
-      <p:sp>
-        <p:nvSpPr>
-          <p:cNvPr id="2" name="Title 1">
-            <a:extLst>
-              <a:ext uri="{FF2B5EF4-FFF2-40B4-BE49-F238E27FC236}">
-                <a16:creationId xmlns:a16="http://schemas.microsoft.com/office/drawing/2014/main" id="{D5E59EAE-ED24-4AD7-950A-85E64AE00FEA}"/>
-              </a:ext>
-            </a:extLst>
-          </p:cNvPr>
-          <p:cNvSpPr>
-            <a:spLocks noGrp="1"/>
-          </p:cNvSpPr>
-          <p:nvPr>
-            <p:ph type="title"/>
-          </p:nvPr>
-        </p:nvSpPr>
-        <p:spPr/>
-        <p:txBody>
-          <a:bodyPr/>
-          <a:lstStyle/>
-          <a:p>
-            <a:r>
-              <a:rPr lang="en-US" dirty="0"/>
-              <a:t>Real world examples</a:t>
-            </a:r>
-            <a:endParaRPr lang="en-GB" dirty="0"/>
-          </a:p>
-        </p:txBody>
-      </p:sp>
-      <p:sp>
-        <p:nvSpPr>
-          <p:cNvPr id="3" name="Content Placeholder 2">
-            <a:extLst>
-              <a:ext uri="{FF2B5EF4-FFF2-40B4-BE49-F238E27FC236}">
-                <a16:creationId xmlns:a16="http://schemas.microsoft.com/office/drawing/2014/main" id="{5423D5F8-D6B3-4460-80F4-C5364066D6EE}"/>
-              </a:ext>
-            </a:extLst>
-          </p:cNvPr>
-          <p:cNvSpPr>
-            <a:spLocks noGrp="1"/>
-          </p:cNvSpPr>
-          <p:nvPr>
-            <p:ph idx="1"/>
-          </p:nvPr>
-        </p:nvSpPr>
-        <p:spPr/>
-        <p:txBody>
-          <a:bodyPr>
-            <a:normAutofit/>
-          </a:bodyPr>
-          <a:lstStyle/>
-          <a:p>
-            <a:r>
-              <a:rPr lang="en-US" dirty="0">
-                <a:latin typeface="+mj-lt"/>
-              </a:rPr>
-              <a:t>Rob Sewell (@</a:t>
-            </a:r>
-            <a:r>
-              <a:rPr lang="en-US" dirty="0" err="1">
-                <a:latin typeface="+mj-lt"/>
-              </a:rPr>
-              <a:t>sqldbawithbeard</a:t>
-            </a:r>
-            <a:r>
-              <a:rPr lang="en-US" dirty="0">
-                <a:latin typeface="+mj-lt"/>
-              </a:rPr>
-              <a:t>) blogs on querying SQL servers with </a:t>
-            </a:r>
-            <a:r>
-              <a:rPr lang="en-US" dirty="0" err="1">
-                <a:latin typeface="+mj-lt"/>
-              </a:rPr>
-              <a:t>sa</a:t>
-            </a:r>
-            <a:r>
-              <a:rPr lang="en-US" dirty="0">
-                <a:latin typeface="+mj-lt"/>
-              </a:rPr>
-              <a:t> account enabled, and writing Pester tests which reports on a SQL server conforming to this test</a:t>
-            </a:r>
-          </a:p>
-          <a:p>
-            <a:pPr lvl="1"/>
-            <a:r>
-              <a:rPr lang="en-US" dirty="0">
-                <a:latin typeface="+mj-lt"/>
-                <a:hlinkClick r:id="rId3"/>
-              </a:rPr>
-              <a:t>https://sqldbawithabeard.com/2017/11/16/write-your-first-pester-test-today/</a:t>
-            </a:r>
-            <a:endParaRPr lang="en-US" dirty="0">
-              <a:latin typeface="+mj-lt"/>
-            </a:endParaRPr>
-          </a:p>
-        </p:txBody>
-      </p:sp>
-      <p:grpSp>
-        <p:nvGrpSpPr>
-          <p:cNvPr id="37" name="Group 36">
-            <a:extLst>
-              <a:ext uri="{FF2B5EF4-FFF2-40B4-BE49-F238E27FC236}">
-                <a16:creationId xmlns:a16="http://schemas.microsoft.com/office/drawing/2014/main" id="{B37C40F9-B6D3-3B49-87C0-8C287B3B8871}"/>
-              </a:ext>
-            </a:extLst>
-          </p:cNvPr>
-          <p:cNvGrpSpPr/>
-          <p:nvPr/>
-        </p:nvGrpSpPr>
-        <p:grpSpPr>
-          <a:xfrm>
-            <a:off x="10060381" y="4645453"/>
-            <a:ext cx="2117765" cy="2165654"/>
-            <a:chOff x="10060381" y="4430010"/>
-            <a:chExt cx="2117765" cy="2165654"/>
-          </a:xfrm>
-        </p:grpSpPr>
-        <p:grpSp>
-          <p:nvGrpSpPr>
-            <p:cNvPr id="38" name="Group 37">
-              <a:extLst>
-                <a:ext uri="{FF2B5EF4-FFF2-40B4-BE49-F238E27FC236}">
-                  <a16:creationId xmlns:a16="http://schemas.microsoft.com/office/drawing/2014/main" id="{44408A49-5A77-C845-AAFA-B284593988E8}"/>
-                </a:ext>
-              </a:extLst>
-            </p:cNvPr>
-            <p:cNvGrpSpPr/>
-            <p:nvPr/>
-          </p:nvGrpSpPr>
-          <p:grpSpPr>
-            <a:xfrm>
-              <a:off x="10060381" y="4430010"/>
-              <a:ext cx="2117765" cy="1904770"/>
-              <a:chOff x="10008404" y="4620028"/>
-              <a:chExt cx="2117765" cy="1904770"/>
-            </a:xfrm>
-          </p:grpSpPr>
-          <p:pic>
-            <p:nvPicPr>
-              <p:cNvPr id="40" name="Picture 2">
-                <a:extLst>
-                  <a:ext uri="{FF2B5EF4-FFF2-40B4-BE49-F238E27FC236}">
-                    <a16:creationId xmlns:a16="http://schemas.microsoft.com/office/drawing/2014/main" id="{C44F40DD-7505-CD46-BA6E-6C92F0D03DE4}"/>
-                  </a:ext>
-                </a:extLst>
-              </p:cNvPr>
-              <p:cNvPicPr>
-                <a:picLocks noChangeAspect="1" noChangeArrowheads="1"/>
-              </p:cNvPicPr>
-              <p:nvPr/>
-            </p:nvPicPr>
-            <p:blipFill>
-              <a:blip r:embed="rId4">
-                <a:extLst>
-                  <a:ext uri="{28A0092B-C50C-407E-A947-70E740481C1C}">
-                    <a14:useLocalDpi xmlns:a14="http://schemas.microsoft.com/office/drawing/2010/main" val="0"/>
-                  </a:ext>
-                </a:extLst>
-              </a:blip>
-              <a:srcRect/>
-              <a:stretch/>
-            </p:blipFill>
-            <p:spPr bwMode="auto">
-              <a:xfrm>
-                <a:off x="10298834" y="4960183"/>
-                <a:ext cx="1564615" cy="1564615"/>
-              </a:xfrm>
-              <a:prstGeom prst="rect">
-                <a:avLst/>
-              </a:prstGeom>
-              <a:noFill/>
-              <a:extLst>
-                <a:ext uri="{909E8E84-426E-40DD-AFC4-6F175D3DCCD1}">
-                  <a14:hiddenFill xmlns:a14="http://schemas.microsoft.com/office/drawing/2010/main">
-                    <a:solidFill>
-                      <a:srgbClr val="FFFFFF"/>
-                    </a:solidFill>
-                  </a14:hiddenFill>
-                </a:ext>
-              </a:extLst>
-            </p:spPr>
-          </p:pic>
-          <p:sp>
-            <p:nvSpPr>
-              <p:cNvPr id="41" name="TextBox 40">
-                <a:extLst>
-                  <a:ext uri="{FF2B5EF4-FFF2-40B4-BE49-F238E27FC236}">
-                    <a16:creationId xmlns:a16="http://schemas.microsoft.com/office/drawing/2014/main" id="{532F450A-9CA4-BF40-BEBD-977D8BCAFA0C}"/>
-                  </a:ext>
-                </a:extLst>
-              </p:cNvPr>
-              <p:cNvSpPr txBox="1"/>
-              <p:nvPr/>
-            </p:nvSpPr>
-            <p:spPr>
-              <a:xfrm>
-                <a:off x="10008404" y="4620028"/>
-                <a:ext cx="2117765" cy="307777"/>
-              </a:xfrm>
-              <a:prstGeom prst="rect">
-                <a:avLst/>
-              </a:prstGeom>
-              <a:noFill/>
-            </p:spPr>
-            <p:txBody>
-              <a:bodyPr wrap="square" rtlCol="0">
-                <a:spAutoFit/>
-              </a:bodyPr>
-              <a:lstStyle/>
-              <a:p>
-                <a:r>
-                  <a:rPr lang="en-US" sz="1400" dirty="0">
-                    <a:solidFill>
-                      <a:schemeClr val="tx1">
-                        <a:lumMod val="50000"/>
-                        <a:lumOff val="50000"/>
-                      </a:schemeClr>
-                    </a:solidFill>
-                    <a:latin typeface="Bradley Hand" pitchFamily="2" charset="77"/>
-                  </a:rPr>
-                  <a:t>Scan to get deck content</a:t>
-                </a:r>
-              </a:p>
-            </p:txBody>
-          </p:sp>
-          <p:cxnSp>
-            <p:nvCxnSpPr>
-              <p:cNvPr id="42" name="Curved Connector 41">
-                <a:extLst>
-                  <a:ext uri="{FF2B5EF4-FFF2-40B4-BE49-F238E27FC236}">
-                    <a16:creationId xmlns:a16="http://schemas.microsoft.com/office/drawing/2014/main" id="{670BD984-BAC4-234E-9441-3E35A2B31A01}"/>
-                  </a:ext>
-                </a:extLst>
-              </p:cNvPr>
-              <p:cNvCxnSpPr>
-                <a:cxnSpLocks/>
-                <a:stCxn id="41" idx="1"/>
-                <a:endCxn id="40" idx="1"/>
-              </p:cNvCxnSpPr>
-              <p:nvPr/>
-            </p:nvCxnSpPr>
-            <p:spPr>
-              <a:xfrm rot="10800000" flipH="1" flipV="1">
-                <a:off x="10008404" y="4773917"/>
-                <a:ext cx="290430" cy="968574"/>
-              </a:xfrm>
-              <a:prstGeom prst="curvedConnector3">
-                <a:avLst>
-                  <a:gd name="adj1" fmla="val -43728"/>
-                </a:avLst>
-              </a:prstGeom>
-              <a:ln w="44450">
-                <a:prstDash val="dash"/>
-                <a:tailEnd type="triangle"/>
-              </a:ln>
-            </p:spPr>
-            <p:style>
-              <a:lnRef idx="2">
-                <a:schemeClr val="accent3"/>
-              </a:lnRef>
-              <a:fillRef idx="0">
-                <a:schemeClr val="accent3"/>
-              </a:fillRef>
-              <a:effectRef idx="1">
-                <a:schemeClr val="accent3"/>
-              </a:effectRef>
-              <a:fontRef idx="minor">
-                <a:schemeClr val="tx1"/>
-              </a:fontRef>
-            </p:style>
-          </p:cxnSp>
-        </p:grpSp>
-        <p:sp>
-          <p:nvSpPr>
-            <p:cNvPr id="39" name="TextBox 38">
-              <a:extLst>
-                <a:ext uri="{FF2B5EF4-FFF2-40B4-BE49-F238E27FC236}">
-                  <a16:creationId xmlns:a16="http://schemas.microsoft.com/office/drawing/2014/main" id="{B9856E0A-29E5-A649-86BB-BA68B13BBE0C}"/>
+                  <a16:creationId xmlns:a16="http://schemas.microsoft.com/office/drawing/2014/main" id="{C8305A34-32CF-43D4-A990-F02610E10C6E}"/>
                 </a:ext>
               </a:extLst>
             </p:cNvPr>
@@ -7701,7 +8243,7 @@
     </p:spTree>
     <p:extLst>
       <p:ext uri="{BB962C8B-B14F-4D97-AF65-F5344CB8AC3E}">
-        <p14:creationId xmlns:p14="http://schemas.microsoft.com/office/powerpoint/2010/main" val="1887919489"/>
+        <p14:creationId xmlns:p14="http://schemas.microsoft.com/office/powerpoint/2010/main" val="2594406222"/>
       </p:ext>
     </p:extLst>
   </p:cSld>
@@ -7712,6 +8254,1443 @@
 </file>
 
 <file path=ppt/slides/slide7.xml><?xml version="1.0" encoding="utf-8"?>
+<p:sld xmlns:a="http://schemas.openxmlformats.org/drawingml/2006/main" xmlns:r="http://schemas.openxmlformats.org/officeDocument/2006/relationships" xmlns:p="http://schemas.openxmlformats.org/presentationml/2006/main">
+  <p:cSld>
+    <p:spTree>
+      <p:nvGrpSpPr>
+        <p:cNvPr id="1" name=""/>
+        <p:cNvGrpSpPr/>
+        <p:nvPr/>
+      </p:nvGrpSpPr>
+      <p:grpSpPr>
+        <a:xfrm>
+          <a:off x="0" y="0"/>
+          <a:ext cx="0" cy="0"/>
+          <a:chOff x="0" y="0"/>
+          <a:chExt cx="0" cy="0"/>
+        </a:xfrm>
+      </p:grpSpPr>
+      <p:sp>
+        <p:nvSpPr>
+          <p:cNvPr id="18" name="TextBox 17">
+            <a:extLst>
+              <a:ext uri="{FF2B5EF4-FFF2-40B4-BE49-F238E27FC236}">
+                <a16:creationId xmlns:a16="http://schemas.microsoft.com/office/drawing/2014/main" id="{03B5EBB0-0D0C-4304-AEF8-C2F8D9FBC1E7}"/>
+              </a:ext>
+            </a:extLst>
+          </p:cNvPr>
+          <p:cNvSpPr txBox="1"/>
+          <p:nvPr/>
+        </p:nvSpPr>
+        <p:spPr>
+          <a:xfrm>
+            <a:off x="1723465" y="3563936"/>
+            <a:ext cx="8444754" cy="2783198"/>
+          </a:xfrm>
+          <a:prstGeom prst="rect">
+            <a:avLst/>
+          </a:prstGeom>
+          <a:noFill/>
+        </p:spPr>
+        <p:txBody>
+          <a:bodyPr wrap="square" rtlCol="0">
+            <a:spAutoFit/>
+          </a:bodyPr>
+          <a:lstStyle/>
+          <a:p>
+            <a:pPr>
+              <a:lnSpc>
+                <a:spcPct val="200000"/>
+              </a:lnSpc>
+            </a:pPr>
+            <a:r>
+              <a:rPr lang="en-GB" b="1" dirty="0">
+                <a:solidFill>
+                  <a:schemeClr val="tx1">
+                    <a:lumMod val="85000"/>
+                    <a:lumOff val="15000"/>
+                  </a:schemeClr>
+                </a:solidFill>
+                <a:effectLst/>
+                <a:latin typeface="Consolas" panose="020B0609020204030204" pitchFamily="49" charset="0"/>
+              </a:rPr>
+              <a:t>Describe "</a:t>
+            </a:r>
+            <a:r>
+              <a:rPr lang="en-GB" b="1" dirty="0">
+                <a:solidFill>
+                  <a:srgbClr val="E2A554"/>
+                </a:solidFill>
+                <a:effectLst/>
+                <a:latin typeface="Consolas" panose="020B0609020204030204" pitchFamily="49" charset="0"/>
+              </a:rPr>
+              <a:t>Get-</a:t>
+            </a:r>
+            <a:r>
+              <a:rPr lang="en-GB" b="1" dirty="0" err="1">
+                <a:solidFill>
+                  <a:srgbClr val="E2A554"/>
+                </a:solidFill>
+                <a:effectLst/>
+                <a:latin typeface="Consolas" panose="020B0609020204030204" pitchFamily="49" charset="0"/>
+              </a:rPr>
+              <a:t>WinAdminsMembers</a:t>
+            </a:r>
+            <a:r>
+              <a:rPr lang="en-GB" b="1" dirty="0">
+                <a:solidFill>
+                  <a:schemeClr val="tx1">
+                    <a:lumMod val="85000"/>
+                    <a:lumOff val="15000"/>
+                  </a:schemeClr>
+                </a:solidFill>
+                <a:effectLst/>
+                <a:latin typeface="Consolas" panose="020B0609020204030204" pitchFamily="49" charset="0"/>
+              </a:rPr>
+              <a:t>" {</a:t>
+            </a:r>
+          </a:p>
+          <a:p>
+            <a:pPr>
+              <a:lnSpc>
+                <a:spcPct val="200000"/>
+              </a:lnSpc>
+            </a:pPr>
+            <a:r>
+              <a:rPr lang="en-GB" b="1" dirty="0">
+                <a:solidFill>
+                  <a:srgbClr val="D6DEEB"/>
+                </a:solidFill>
+                <a:effectLst/>
+                <a:latin typeface="Consolas" panose="020B0609020204030204" pitchFamily="49" charset="0"/>
+              </a:rPr>
+              <a:t>    </a:t>
+            </a:r>
+            <a:r>
+              <a:rPr lang="en-GB" b="1" dirty="0">
+                <a:solidFill>
+                  <a:schemeClr val="tx1">
+                    <a:lumMod val="85000"/>
+                    <a:lumOff val="15000"/>
+                  </a:schemeClr>
+                </a:solidFill>
+                <a:effectLst/>
+                <a:latin typeface="Consolas" panose="020B0609020204030204" pitchFamily="49" charset="0"/>
+              </a:rPr>
+              <a:t>It "</a:t>
+            </a:r>
+            <a:r>
+              <a:rPr lang="en-GB" b="1" dirty="0">
+                <a:solidFill>
+                  <a:srgbClr val="E2A554"/>
+                </a:solidFill>
+                <a:effectLst/>
+                <a:latin typeface="Consolas" panose="020B0609020204030204" pitchFamily="49" charset="0"/>
+              </a:rPr>
+              <a:t>Should not be null or empty</a:t>
+            </a:r>
+            <a:r>
+              <a:rPr lang="en-GB" b="1" dirty="0">
+                <a:solidFill>
+                  <a:schemeClr val="tx1">
+                    <a:lumMod val="85000"/>
+                    <a:lumOff val="15000"/>
+                  </a:schemeClr>
+                </a:solidFill>
+                <a:effectLst/>
+                <a:latin typeface="Consolas" panose="020B0609020204030204" pitchFamily="49" charset="0"/>
+              </a:rPr>
+              <a:t>" {</a:t>
+            </a:r>
+          </a:p>
+          <a:p>
+            <a:pPr>
+              <a:lnSpc>
+                <a:spcPct val="200000"/>
+              </a:lnSpc>
+            </a:pPr>
+            <a:r>
+              <a:rPr lang="en-GB" b="1" dirty="0">
+                <a:solidFill>
+                  <a:srgbClr val="D6DEEB"/>
+                </a:solidFill>
+                <a:effectLst/>
+                <a:latin typeface="Consolas" panose="020B0609020204030204" pitchFamily="49" charset="0"/>
+              </a:rPr>
+              <a:t>        </a:t>
+            </a:r>
+            <a:r>
+              <a:rPr lang="en-GB" b="1" dirty="0">
+                <a:solidFill>
+                  <a:srgbClr val="36C0A6"/>
+                </a:solidFill>
+                <a:effectLst/>
+                <a:latin typeface="Consolas" panose="020B0609020204030204" pitchFamily="49" charset="0"/>
+              </a:rPr>
+              <a:t>Get-</a:t>
+            </a:r>
+            <a:r>
+              <a:rPr lang="en-GB" b="1" dirty="0" err="1">
+                <a:solidFill>
+                  <a:srgbClr val="36C0A6"/>
+                </a:solidFill>
+                <a:effectLst/>
+                <a:latin typeface="Consolas" panose="020B0609020204030204" pitchFamily="49" charset="0"/>
+              </a:rPr>
+              <a:t>WinAdminsMembers</a:t>
+            </a:r>
+            <a:r>
+              <a:rPr lang="en-GB" b="1" dirty="0">
+                <a:solidFill>
+                  <a:srgbClr val="D6DEEB"/>
+                </a:solidFill>
+                <a:effectLst/>
+                <a:latin typeface="Consolas" panose="020B0609020204030204" pitchFamily="49" charset="0"/>
+              </a:rPr>
+              <a:t> </a:t>
+            </a:r>
+            <a:r>
+              <a:rPr lang="en-GB" b="1" dirty="0">
+                <a:solidFill>
+                  <a:srgbClr val="7FDBCA"/>
+                </a:solidFill>
+                <a:effectLst/>
+                <a:latin typeface="Consolas" panose="020B0609020204030204" pitchFamily="49" charset="0"/>
+              </a:rPr>
+              <a:t>|</a:t>
+            </a:r>
+            <a:r>
+              <a:rPr lang="en-GB" b="1" dirty="0">
+                <a:solidFill>
+                  <a:srgbClr val="D6DEEB"/>
+                </a:solidFill>
+                <a:effectLst/>
+                <a:latin typeface="Consolas" panose="020B0609020204030204" pitchFamily="49" charset="0"/>
+              </a:rPr>
+              <a:t> </a:t>
+            </a:r>
+            <a:r>
+              <a:rPr lang="en-GB" b="1" dirty="0">
+                <a:solidFill>
+                  <a:schemeClr val="tx1">
+                    <a:lumMod val="85000"/>
+                    <a:lumOff val="15000"/>
+                  </a:schemeClr>
+                </a:solidFill>
+                <a:effectLst/>
+                <a:latin typeface="Consolas" panose="020B0609020204030204" pitchFamily="49" charset="0"/>
+              </a:rPr>
+              <a:t>Should</a:t>
+            </a:r>
+            <a:r>
+              <a:rPr lang="en-GB" b="1" dirty="0">
+                <a:solidFill>
+                  <a:srgbClr val="D6DEEB"/>
+                </a:solidFill>
+                <a:effectLst/>
+                <a:latin typeface="Consolas" panose="020B0609020204030204" pitchFamily="49" charset="0"/>
+              </a:rPr>
+              <a:t> </a:t>
+            </a:r>
+            <a:r>
+              <a:rPr lang="en-GB" b="1" dirty="0">
+                <a:solidFill>
+                  <a:srgbClr val="9B3EDA"/>
+                </a:solidFill>
+                <a:effectLst/>
+                <a:latin typeface="Consolas" panose="020B0609020204030204" pitchFamily="49" charset="0"/>
+              </a:rPr>
+              <a:t>-Not -</a:t>
+            </a:r>
+            <a:r>
+              <a:rPr lang="en-GB" b="1" dirty="0" err="1">
+                <a:solidFill>
+                  <a:schemeClr val="tx1">
+                    <a:lumMod val="85000"/>
+                    <a:lumOff val="15000"/>
+                  </a:schemeClr>
+                </a:solidFill>
+                <a:effectLst/>
+                <a:latin typeface="Consolas" panose="020B0609020204030204" pitchFamily="49" charset="0"/>
+              </a:rPr>
+              <a:t>BeNullOrEmpty</a:t>
+            </a:r>
+            <a:endParaRPr lang="en-GB" b="1" dirty="0">
+              <a:solidFill>
+                <a:schemeClr val="tx1">
+                  <a:lumMod val="85000"/>
+                  <a:lumOff val="15000"/>
+                </a:schemeClr>
+              </a:solidFill>
+              <a:effectLst/>
+              <a:latin typeface="Consolas" panose="020B0609020204030204" pitchFamily="49" charset="0"/>
+            </a:endParaRPr>
+          </a:p>
+          <a:p>
+            <a:pPr>
+              <a:lnSpc>
+                <a:spcPct val="200000"/>
+              </a:lnSpc>
+            </a:pPr>
+            <a:r>
+              <a:rPr lang="en-GB" b="1" dirty="0">
+                <a:solidFill>
+                  <a:srgbClr val="D6DEEB"/>
+                </a:solidFill>
+                <a:effectLst/>
+                <a:latin typeface="Consolas" panose="020B0609020204030204" pitchFamily="49" charset="0"/>
+              </a:rPr>
+              <a:t>    </a:t>
+            </a:r>
+            <a:r>
+              <a:rPr lang="en-GB" b="1" dirty="0">
+                <a:solidFill>
+                  <a:schemeClr val="tx1">
+                    <a:lumMod val="85000"/>
+                    <a:lumOff val="15000"/>
+                  </a:schemeClr>
+                </a:solidFill>
+                <a:effectLst/>
+                <a:latin typeface="Consolas" panose="020B0609020204030204" pitchFamily="49" charset="0"/>
+              </a:rPr>
+              <a:t>}</a:t>
+            </a:r>
+          </a:p>
+          <a:p>
+            <a:pPr>
+              <a:lnSpc>
+                <a:spcPct val="200000"/>
+              </a:lnSpc>
+            </a:pPr>
+            <a:r>
+              <a:rPr lang="en-GB" b="1" dirty="0">
+                <a:solidFill>
+                  <a:schemeClr val="tx1">
+                    <a:lumMod val="85000"/>
+                    <a:lumOff val="15000"/>
+                  </a:schemeClr>
+                </a:solidFill>
+                <a:effectLst/>
+                <a:latin typeface="Consolas" panose="020B0609020204030204" pitchFamily="49" charset="0"/>
+              </a:rPr>
+              <a:t>}</a:t>
+            </a:r>
+          </a:p>
+        </p:txBody>
+      </p:sp>
+      <p:grpSp>
+        <p:nvGrpSpPr>
+          <p:cNvPr id="9" name="Group 8">
+            <a:extLst>
+              <a:ext uri="{FF2B5EF4-FFF2-40B4-BE49-F238E27FC236}">
+                <a16:creationId xmlns:a16="http://schemas.microsoft.com/office/drawing/2014/main" id="{A2B9C0D6-A0FB-4547-9315-00FF85BC16C7}"/>
+              </a:ext>
+            </a:extLst>
+          </p:cNvPr>
+          <p:cNvGrpSpPr/>
+          <p:nvPr/>
+        </p:nvGrpSpPr>
+        <p:grpSpPr>
+          <a:xfrm>
+            <a:off x="1571064" y="3563937"/>
+            <a:ext cx="9049871" cy="2884059"/>
+            <a:chOff x="685800" y="3785681"/>
+            <a:chExt cx="9049871" cy="2884059"/>
+          </a:xfrm>
+        </p:grpSpPr>
+        <p:sp>
+          <p:nvSpPr>
+            <p:cNvPr id="4" name="Rectangle 3">
+              <a:extLst>
+                <a:ext uri="{FF2B5EF4-FFF2-40B4-BE49-F238E27FC236}">
+                  <a16:creationId xmlns:a16="http://schemas.microsoft.com/office/drawing/2014/main" id="{DBA62839-6A1B-49F1-97DC-A58452682E5E}"/>
+                </a:ext>
+              </a:extLst>
+            </p:cNvPr>
+            <p:cNvSpPr/>
+            <p:nvPr/>
+          </p:nvSpPr>
+          <p:spPr>
+            <a:xfrm>
+              <a:off x="685800" y="3785681"/>
+              <a:ext cx="9049871" cy="2884059"/>
+            </a:xfrm>
+            <a:prstGeom prst="rect">
+              <a:avLst/>
+            </a:prstGeom>
+            <a:solidFill>
+              <a:schemeClr val="accent1"/>
+            </a:solidFill>
+          </p:spPr>
+          <p:style>
+            <a:lnRef idx="2">
+              <a:schemeClr val="accent1">
+                <a:shade val="50000"/>
+              </a:schemeClr>
+            </a:lnRef>
+            <a:fillRef idx="1">
+              <a:schemeClr val="accent1"/>
+            </a:fillRef>
+            <a:effectRef idx="0">
+              <a:schemeClr val="accent1"/>
+            </a:effectRef>
+            <a:fontRef idx="minor">
+              <a:schemeClr val="lt1"/>
+            </a:fontRef>
+          </p:style>
+          <p:txBody>
+            <a:bodyPr rtlCol="0" anchor="ctr"/>
+            <a:lstStyle/>
+            <a:p>
+              <a:pPr algn="ctr"/>
+              <a:endParaRPr lang="en-GB" dirty="0"/>
+            </a:p>
+          </p:txBody>
+        </p:sp>
+        <p:sp>
+          <p:nvSpPr>
+            <p:cNvPr id="6" name="Rectangle 5">
+              <a:extLst>
+                <a:ext uri="{FF2B5EF4-FFF2-40B4-BE49-F238E27FC236}">
+                  <a16:creationId xmlns:a16="http://schemas.microsoft.com/office/drawing/2014/main" id="{A1DB2A34-77B9-4A24-9425-5CA8DDAA5D8B}"/>
+                </a:ext>
+              </a:extLst>
+            </p:cNvPr>
+            <p:cNvSpPr/>
+            <p:nvPr/>
+          </p:nvSpPr>
+          <p:spPr>
+            <a:xfrm>
+              <a:off x="838200" y="4410635"/>
+              <a:ext cx="8736106" cy="1653989"/>
+            </a:xfrm>
+            <a:prstGeom prst="rect">
+              <a:avLst/>
+            </a:prstGeom>
+            <a:ln>
+              <a:noFill/>
+            </a:ln>
+          </p:spPr>
+          <p:style>
+            <a:lnRef idx="2">
+              <a:schemeClr val="accent6">
+                <a:shade val="50000"/>
+              </a:schemeClr>
+            </a:lnRef>
+            <a:fillRef idx="1">
+              <a:schemeClr val="accent6"/>
+            </a:fillRef>
+            <a:effectRef idx="0">
+              <a:schemeClr val="accent6"/>
+            </a:effectRef>
+            <a:fontRef idx="minor">
+              <a:schemeClr val="lt1"/>
+            </a:fontRef>
+          </p:style>
+          <p:txBody>
+            <a:bodyPr rtlCol="0" anchor="ctr"/>
+            <a:lstStyle/>
+            <a:p>
+              <a:pPr algn="ctr"/>
+              <a:endParaRPr lang="en-GB"/>
+            </a:p>
+          </p:txBody>
+        </p:sp>
+        <p:sp>
+          <p:nvSpPr>
+            <p:cNvPr id="7" name="Rectangle 6">
+              <a:extLst>
+                <a:ext uri="{FF2B5EF4-FFF2-40B4-BE49-F238E27FC236}">
+                  <a16:creationId xmlns:a16="http://schemas.microsoft.com/office/drawing/2014/main" id="{6D404049-68B5-4EE7-806E-736AFEC4A4EA}"/>
+                </a:ext>
+              </a:extLst>
+            </p:cNvPr>
+            <p:cNvSpPr/>
+            <p:nvPr/>
+          </p:nvSpPr>
+          <p:spPr>
+            <a:xfrm>
+              <a:off x="990602" y="4995574"/>
+              <a:ext cx="8444754" cy="531167"/>
+            </a:xfrm>
+            <a:prstGeom prst="rect">
+              <a:avLst/>
+            </a:prstGeom>
+            <a:solidFill>
+              <a:srgbClr val="7030A0"/>
+            </a:solidFill>
+            <a:ln>
+              <a:noFill/>
+            </a:ln>
+          </p:spPr>
+          <p:style>
+            <a:lnRef idx="2">
+              <a:schemeClr val="accent4">
+                <a:shade val="50000"/>
+              </a:schemeClr>
+            </a:lnRef>
+            <a:fillRef idx="1">
+              <a:schemeClr val="accent4"/>
+            </a:fillRef>
+            <a:effectRef idx="0">
+              <a:schemeClr val="accent4"/>
+            </a:effectRef>
+            <a:fontRef idx="minor">
+              <a:schemeClr val="lt1"/>
+            </a:fontRef>
+          </p:style>
+          <p:txBody>
+            <a:bodyPr rtlCol="0" anchor="ctr"/>
+            <a:lstStyle/>
+            <a:p>
+              <a:pPr algn="ctr"/>
+              <a:endParaRPr lang="en-GB"/>
+            </a:p>
+          </p:txBody>
+        </p:sp>
+        <p:sp>
+          <p:nvSpPr>
+            <p:cNvPr id="3" name="TextBox 2">
+              <a:extLst>
+                <a:ext uri="{FF2B5EF4-FFF2-40B4-BE49-F238E27FC236}">
+                  <a16:creationId xmlns:a16="http://schemas.microsoft.com/office/drawing/2014/main" id="{BB4CED1E-88BA-440C-82DB-129DA5B90F89}"/>
+                </a:ext>
+              </a:extLst>
+            </p:cNvPr>
+            <p:cNvSpPr txBox="1"/>
+            <p:nvPr/>
+          </p:nvSpPr>
+          <p:spPr>
+            <a:xfrm>
+              <a:off x="838201" y="3785682"/>
+              <a:ext cx="8444754" cy="2783198"/>
+            </a:xfrm>
+            <a:prstGeom prst="rect">
+              <a:avLst/>
+            </a:prstGeom>
+            <a:noFill/>
+          </p:spPr>
+          <p:txBody>
+            <a:bodyPr wrap="square" rtlCol="0">
+              <a:spAutoFit/>
+            </a:bodyPr>
+            <a:lstStyle/>
+            <a:p>
+              <a:pPr>
+                <a:lnSpc>
+                  <a:spcPct val="200000"/>
+                </a:lnSpc>
+              </a:pPr>
+              <a:r>
+                <a:rPr lang="en-GB" b="1" dirty="0">
+                  <a:solidFill>
+                    <a:srgbClr val="D6DEEB"/>
+                  </a:solidFill>
+                  <a:effectLst/>
+                  <a:latin typeface="Consolas" panose="020B0609020204030204" pitchFamily="49" charset="0"/>
+                </a:rPr>
+                <a:t>Describe </a:t>
+              </a:r>
+              <a:r>
+                <a:rPr lang="en-GB" b="1" dirty="0">
+                  <a:solidFill>
+                    <a:srgbClr val="D9F5DD"/>
+                  </a:solidFill>
+                  <a:effectLst/>
+                  <a:latin typeface="Consolas" panose="020B0609020204030204" pitchFamily="49" charset="0"/>
+                </a:rPr>
+                <a:t>"</a:t>
+              </a:r>
+              <a:r>
+                <a:rPr lang="en-GB" b="1" dirty="0">
+                  <a:solidFill>
+                    <a:srgbClr val="ECC48D"/>
+                  </a:solidFill>
+                  <a:effectLst/>
+                  <a:latin typeface="Consolas" panose="020B0609020204030204" pitchFamily="49" charset="0"/>
+                </a:rPr>
+                <a:t>Get-</a:t>
+              </a:r>
+              <a:r>
+                <a:rPr lang="en-GB" b="1" dirty="0" err="1">
+                  <a:solidFill>
+                    <a:srgbClr val="ECC48D"/>
+                  </a:solidFill>
+                  <a:effectLst/>
+                  <a:latin typeface="Consolas" panose="020B0609020204030204" pitchFamily="49" charset="0"/>
+                </a:rPr>
+                <a:t>WinAdminsMembers</a:t>
+              </a:r>
+              <a:r>
+                <a:rPr lang="en-GB" b="1" dirty="0">
+                  <a:solidFill>
+                    <a:srgbClr val="D9F5DD"/>
+                  </a:solidFill>
+                  <a:effectLst/>
+                  <a:latin typeface="Consolas" panose="020B0609020204030204" pitchFamily="49" charset="0"/>
+                </a:rPr>
+                <a:t>"</a:t>
+              </a:r>
+              <a:r>
+                <a:rPr lang="en-GB" b="1" dirty="0">
+                  <a:solidFill>
+                    <a:srgbClr val="D6DEEB"/>
+                  </a:solidFill>
+                  <a:effectLst/>
+                  <a:latin typeface="Consolas" panose="020B0609020204030204" pitchFamily="49" charset="0"/>
+                </a:rPr>
+                <a:t> {</a:t>
+              </a:r>
+            </a:p>
+            <a:p>
+              <a:pPr>
+                <a:lnSpc>
+                  <a:spcPct val="200000"/>
+                </a:lnSpc>
+              </a:pPr>
+              <a:r>
+                <a:rPr lang="en-GB" b="1" dirty="0">
+                  <a:solidFill>
+                    <a:srgbClr val="D6DEEB"/>
+                  </a:solidFill>
+                  <a:effectLst/>
+                  <a:latin typeface="Consolas" panose="020B0609020204030204" pitchFamily="49" charset="0"/>
+                </a:rPr>
+                <a:t>    It </a:t>
+              </a:r>
+              <a:r>
+                <a:rPr lang="en-GB" b="1" dirty="0">
+                  <a:solidFill>
+                    <a:srgbClr val="D9F5DD"/>
+                  </a:solidFill>
+                  <a:effectLst/>
+                  <a:latin typeface="Consolas" panose="020B0609020204030204" pitchFamily="49" charset="0"/>
+                </a:rPr>
+                <a:t>"</a:t>
+              </a:r>
+              <a:r>
+                <a:rPr lang="en-GB" b="1" dirty="0">
+                  <a:solidFill>
+                    <a:srgbClr val="ECC48D"/>
+                  </a:solidFill>
+                  <a:effectLst/>
+                  <a:latin typeface="Consolas" panose="020B0609020204030204" pitchFamily="49" charset="0"/>
+                </a:rPr>
+                <a:t>Should not be null or empty</a:t>
+              </a:r>
+              <a:r>
+                <a:rPr lang="en-GB" b="1" dirty="0">
+                  <a:solidFill>
+                    <a:srgbClr val="D9F5DD"/>
+                  </a:solidFill>
+                  <a:effectLst/>
+                  <a:latin typeface="Consolas" panose="020B0609020204030204" pitchFamily="49" charset="0"/>
+                </a:rPr>
+                <a:t>"</a:t>
+              </a:r>
+              <a:r>
+                <a:rPr lang="en-GB" b="1" dirty="0">
+                  <a:solidFill>
+                    <a:srgbClr val="D6DEEB"/>
+                  </a:solidFill>
+                  <a:effectLst/>
+                  <a:latin typeface="Consolas" panose="020B0609020204030204" pitchFamily="49" charset="0"/>
+                </a:rPr>
+                <a:t> {</a:t>
+              </a:r>
+            </a:p>
+            <a:p>
+              <a:pPr>
+                <a:lnSpc>
+                  <a:spcPct val="200000"/>
+                </a:lnSpc>
+              </a:pPr>
+              <a:r>
+                <a:rPr lang="en-GB" b="1" dirty="0">
+                  <a:solidFill>
+                    <a:srgbClr val="D6DEEB"/>
+                  </a:solidFill>
+                  <a:effectLst/>
+                  <a:latin typeface="Consolas" panose="020B0609020204030204" pitchFamily="49" charset="0"/>
+                </a:rPr>
+                <a:t>        </a:t>
+              </a:r>
+              <a:r>
+                <a:rPr lang="en-GB" b="1" dirty="0">
+                  <a:solidFill>
+                    <a:srgbClr val="7FDBCA"/>
+                  </a:solidFill>
+                  <a:effectLst/>
+                  <a:latin typeface="Consolas" panose="020B0609020204030204" pitchFamily="49" charset="0"/>
+                </a:rPr>
+                <a:t>Get-</a:t>
+              </a:r>
+              <a:r>
+                <a:rPr lang="en-GB" b="1" dirty="0" err="1">
+                  <a:solidFill>
+                    <a:srgbClr val="7FDBCA"/>
+                  </a:solidFill>
+                  <a:effectLst/>
+                  <a:latin typeface="Consolas" panose="020B0609020204030204" pitchFamily="49" charset="0"/>
+                </a:rPr>
+                <a:t>WinAdminsMembers</a:t>
+              </a:r>
+              <a:r>
+                <a:rPr lang="en-GB" b="1" dirty="0">
+                  <a:solidFill>
+                    <a:srgbClr val="D6DEEB"/>
+                  </a:solidFill>
+                  <a:effectLst/>
+                  <a:latin typeface="Consolas" panose="020B0609020204030204" pitchFamily="49" charset="0"/>
+                </a:rPr>
+                <a:t> </a:t>
+              </a:r>
+              <a:r>
+                <a:rPr lang="en-GB" b="1" dirty="0">
+                  <a:solidFill>
+                    <a:srgbClr val="7FDBCA"/>
+                  </a:solidFill>
+                  <a:effectLst/>
+                  <a:latin typeface="Consolas" panose="020B0609020204030204" pitchFamily="49" charset="0"/>
+                </a:rPr>
+                <a:t>|</a:t>
+              </a:r>
+              <a:r>
+                <a:rPr lang="en-GB" b="1" dirty="0">
+                  <a:solidFill>
+                    <a:srgbClr val="D6DEEB"/>
+                  </a:solidFill>
+                  <a:effectLst/>
+                  <a:latin typeface="Consolas" panose="020B0609020204030204" pitchFamily="49" charset="0"/>
+                </a:rPr>
+                <a:t> Should </a:t>
+              </a:r>
+              <a:r>
+                <a:rPr lang="en-GB" b="1" dirty="0">
+                  <a:solidFill>
+                    <a:srgbClr val="C792EA"/>
+                  </a:solidFill>
+                  <a:effectLst/>
+                  <a:latin typeface="Consolas" panose="020B0609020204030204" pitchFamily="49" charset="0"/>
+                </a:rPr>
+                <a:t>-Not</a:t>
+              </a:r>
+              <a:r>
+                <a:rPr lang="en-GB" b="1" dirty="0">
+                  <a:solidFill>
+                    <a:srgbClr val="D6DEEB"/>
+                  </a:solidFill>
+                  <a:effectLst/>
+                  <a:latin typeface="Consolas" panose="020B0609020204030204" pitchFamily="49" charset="0"/>
+                </a:rPr>
+                <a:t> </a:t>
+              </a:r>
+              <a:r>
+                <a:rPr lang="en-GB" b="1" dirty="0">
+                  <a:solidFill>
+                    <a:srgbClr val="C792EA"/>
+                  </a:solidFill>
+                  <a:effectLst/>
+                  <a:latin typeface="Consolas" panose="020B0609020204030204" pitchFamily="49" charset="0"/>
+                </a:rPr>
+                <a:t>-</a:t>
+              </a:r>
+              <a:r>
+                <a:rPr lang="en-GB" b="1" dirty="0" err="1">
+                  <a:solidFill>
+                    <a:srgbClr val="D6DEEB"/>
+                  </a:solidFill>
+                  <a:effectLst/>
+                  <a:latin typeface="Consolas" panose="020B0609020204030204" pitchFamily="49" charset="0"/>
+                </a:rPr>
+                <a:t>BeNullOrEmpty</a:t>
+              </a:r>
+              <a:endParaRPr lang="en-GB" b="1" dirty="0">
+                <a:solidFill>
+                  <a:srgbClr val="D6DEEB"/>
+                </a:solidFill>
+                <a:effectLst/>
+                <a:latin typeface="Consolas" panose="020B0609020204030204" pitchFamily="49" charset="0"/>
+              </a:endParaRPr>
+            </a:p>
+            <a:p>
+              <a:pPr>
+                <a:lnSpc>
+                  <a:spcPct val="200000"/>
+                </a:lnSpc>
+              </a:pPr>
+              <a:r>
+                <a:rPr lang="en-GB" b="1" dirty="0">
+                  <a:solidFill>
+                    <a:srgbClr val="D6DEEB"/>
+                  </a:solidFill>
+                  <a:effectLst/>
+                  <a:latin typeface="Consolas" panose="020B0609020204030204" pitchFamily="49" charset="0"/>
+                </a:rPr>
+                <a:t>    }</a:t>
+              </a:r>
+            </a:p>
+            <a:p>
+              <a:pPr>
+                <a:lnSpc>
+                  <a:spcPct val="200000"/>
+                </a:lnSpc>
+              </a:pPr>
+              <a:r>
+                <a:rPr lang="en-GB" b="1" dirty="0">
+                  <a:solidFill>
+                    <a:srgbClr val="D6DEEB"/>
+                  </a:solidFill>
+                  <a:effectLst/>
+                  <a:latin typeface="Consolas" panose="020B0609020204030204" pitchFamily="49" charset="0"/>
+                </a:rPr>
+                <a:t>}</a:t>
+              </a:r>
+            </a:p>
+          </p:txBody>
+        </p:sp>
+      </p:grpSp>
+      <p:sp>
+        <p:nvSpPr>
+          <p:cNvPr id="2" name="Title 1">
+            <a:extLst>
+              <a:ext uri="{FF2B5EF4-FFF2-40B4-BE49-F238E27FC236}">
+                <a16:creationId xmlns:a16="http://schemas.microsoft.com/office/drawing/2014/main" id="{D5E59EAE-ED24-4AD7-950A-85E64AE00FEA}"/>
+              </a:ext>
+            </a:extLst>
+          </p:cNvPr>
+          <p:cNvSpPr>
+            <a:spLocks noGrp="1"/>
+          </p:cNvSpPr>
+          <p:nvPr>
+            <p:ph type="title"/>
+          </p:nvPr>
+        </p:nvSpPr>
+        <p:spPr/>
+        <p:txBody>
+          <a:bodyPr/>
+          <a:lstStyle/>
+          <a:p>
+            <a:r>
+              <a:rPr lang="en-US" dirty="0"/>
+              <a:t>All you need to know </a:t>
+            </a:r>
+            <a:r>
+              <a:rPr lang="en-US" sz="2800" i="1" baseline="30000" dirty="0"/>
+              <a:t>(right now</a:t>
+            </a:r>
+            <a:r>
+              <a:rPr lang="en-GB" sz="2800" dirty="0"/>
+              <a:t> 😉</a:t>
+            </a:r>
+            <a:r>
+              <a:rPr lang="en-US" sz="2800" i="1" baseline="30000" dirty="0"/>
+              <a:t> )</a:t>
+            </a:r>
+            <a:endParaRPr lang="en-GB" i="1" baseline="30000" dirty="0"/>
+          </a:p>
+        </p:txBody>
+      </p:sp>
+      <p:sp>
+        <p:nvSpPr>
+          <p:cNvPr id="5" name="Content Placeholder 4">
+            <a:extLst>
+              <a:ext uri="{FF2B5EF4-FFF2-40B4-BE49-F238E27FC236}">
+                <a16:creationId xmlns:a16="http://schemas.microsoft.com/office/drawing/2014/main" id="{C23056C5-FEA4-FF42-9E8E-7EB5109F2806}"/>
+              </a:ext>
+            </a:extLst>
+          </p:cNvPr>
+          <p:cNvSpPr>
+            <a:spLocks noGrp="1"/>
+          </p:cNvSpPr>
+          <p:nvPr>
+            <p:ph idx="1"/>
+          </p:nvPr>
+        </p:nvSpPr>
+        <p:spPr>
+          <a:xfrm>
+            <a:off x="838200" y="1825625"/>
+            <a:ext cx="10515600" cy="1603375"/>
+          </a:xfrm>
+        </p:spPr>
+        <p:txBody>
+          <a:bodyPr/>
+          <a:lstStyle/>
+          <a:p>
+            <a:r>
+              <a:rPr lang="en-US" dirty="0"/>
+              <a:t>Three functions:</a:t>
+            </a:r>
+          </a:p>
+          <a:p>
+            <a:pPr lvl="1"/>
+            <a:r>
+              <a:rPr lang="en-US" sz="2000" dirty="0">
+                <a:latin typeface="Courier" pitchFamily="2" charset="0"/>
+              </a:rPr>
+              <a:t>Describe </a:t>
+            </a:r>
+            <a:r>
+              <a:rPr lang="en-GB" sz="2000" dirty="0">
+                <a:latin typeface="Courier" pitchFamily="2" charset="0"/>
+              </a:rPr>
+              <a:t>[-Name] &lt;String&gt; [-Fixture] &lt;</a:t>
+            </a:r>
+            <a:r>
+              <a:rPr lang="en-GB" sz="2000" dirty="0" err="1">
+                <a:latin typeface="Courier" pitchFamily="2" charset="0"/>
+              </a:rPr>
+              <a:t>ScriptBlock</a:t>
+            </a:r>
+            <a:r>
+              <a:rPr lang="en-GB" sz="2000" dirty="0">
+                <a:latin typeface="Courier" pitchFamily="2" charset="0"/>
+              </a:rPr>
+              <a:t>&gt;</a:t>
+            </a:r>
+            <a:endParaRPr lang="en-US" sz="2000" dirty="0">
+              <a:latin typeface="Courier" pitchFamily="2" charset="0"/>
+            </a:endParaRPr>
+          </a:p>
+          <a:p>
+            <a:pPr lvl="1"/>
+            <a:r>
+              <a:rPr lang="en-US" sz="2000" dirty="0">
+                <a:latin typeface="Courier" pitchFamily="2" charset="0"/>
+              </a:rPr>
+              <a:t>It       </a:t>
+            </a:r>
+            <a:r>
+              <a:rPr lang="en-GB" sz="2000" dirty="0">
+                <a:latin typeface="Courier" pitchFamily="2" charset="0"/>
+              </a:rPr>
+              <a:t>[-Name] &lt;String&gt; [-Test] &lt;</a:t>
+            </a:r>
+            <a:r>
+              <a:rPr lang="en-GB" sz="2000" dirty="0" err="1">
+                <a:latin typeface="Courier" pitchFamily="2" charset="0"/>
+              </a:rPr>
+              <a:t>ScriptBlock</a:t>
+            </a:r>
+            <a:r>
+              <a:rPr lang="en-GB" sz="2000" dirty="0">
+                <a:latin typeface="Courier" pitchFamily="2" charset="0"/>
+              </a:rPr>
+              <a:t>&gt;</a:t>
+            </a:r>
+            <a:endParaRPr lang="en-US" sz="2000" dirty="0">
+              <a:latin typeface="Courier" pitchFamily="2" charset="0"/>
+            </a:endParaRPr>
+          </a:p>
+          <a:p>
+            <a:pPr lvl="1"/>
+            <a:r>
+              <a:rPr lang="en-US" sz="2000" dirty="0">
+                <a:latin typeface="Courier" pitchFamily="2" charset="0"/>
+              </a:rPr>
+              <a:t>Should   [-</a:t>
+            </a:r>
+            <a:r>
+              <a:rPr lang="en-US" sz="2000" dirty="0" err="1">
+                <a:latin typeface="Courier" pitchFamily="2" charset="0"/>
+              </a:rPr>
+              <a:t>ActualValue</a:t>
+            </a:r>
+            <a:r>
+              <a:rPr lang="en-US" sz="2000" dirty="0">
+                <a:latin typeface="Courier" pitchFamily="2" charset="0"/>
+              </a:rPr>
+              <a:t>] &lt;Object&gt;</a:t>
+            </a:r>
+          </a:p>
+        </p:txBody>
+      </p:sp>
+      <p:grpSp>
+        <p:nvGrpSpPr>
+          <p:cNvPr id="19" name="Group 18">
+            <a:extLst>
+              <a:ext uri="{FF2B5EF4-FFF2-40B4-BE49-F238E27FC236}">
+                <a16:creationId xmlns:a16="http://schemas.microsoft.com/office/drawing/2014/main" id="{3DD89976-C05C-4476-888D-E24936D72E86}"/>
+              </a:ext>
+            </a:extLst>
+          </p:cNvPr>
+          <p:cNvGrpSpPr/>
+          <p:nvPr/>
+        </p:nvGrpSpPr>
+        <p:grpSpPr>
+          <a:xfrm>
+            <a:off x="1358911" y="2375110"/>
+            <a:ext cx="144000" cy="805455"/>
+            <a:chOff x="1358911" y="2375110"/>
+            <a:chExt cx="144000" cy="805455"/>
+          </a:xfrm>
+        </p:grpSpPr>
+        <p:sp>
+          <p:nvSpPr>
+            <p:cNvPr id="8" name="Oval 7">
+              <a:extLst>
+                <a:ext uri="{FF2B5EF4-FFF2-40B4-BE49-F238E27FC236}">
+                  <a16:creationId xmlns:a16="http://schemas.microsoft.com/office/drawing/2014/main" id="{1885CF3E-BEDD-41D1-AAF8-C6005103F2A8}"/>
+                </a:ext>
+              </a:extLst>
+            </p:cNvPr>
+            <p:cNvSpPr/>
+            <p:nvPr/>
+          </p:nvSpPr>
+          <p:spPr>
+            <a:xfrm>
+              <a:off x="1358911" y="2375110"/>
+              <a:ext cx="144000" cy="144000"/>
+            </a:xfrm>
+            <a:prstGeom prst="ellipse">
+              <a:avLst/>
+            </a:prstGeom>
+          </p:spPr>
+          <p:style>
+            <a:lnRef idx="2">
+              <a:schemeClr val="accent1">
+                <a:shade val="50000"/>
+              </a:schemeClr>
+            </a:lnRef>
+            <a:fillRef idx="1">
+              <a:schemeClr val="accent1"/>
+            </a:fillRef>
+            <a:effectRef idx="0">
+              <a:schemeClr val="accent1"/>
+            </a:effectRef>
+            <a:fontRef idx="minor">
+              <a:schemeClr val="lt1"/>
+            </a:fontRef>
+          </p:style>
+          <p:txBody>
+            <a:bodyPr rtlCol="0" anchor="ctr"/>
+            <a:lstStyle/>
+            <a:p>
+              <a:pPr algn="ctr"/>
+              <a:endParaRPr lang="en-GB"/>
+            </a:p>
+          </p:txBody>
+        </p:sp>
+        <p:sp>
+          <p:nvSpPr>
+            <p:cNvPr id="16" name="Oval 15">
+              <a:extLst>
+                <a:ext uri="{FF2B5EF4-FFF2-40B4-BE49-F238E27FC236}">
+                  <a16:creationId xmlns:a16="http://schemas.microsoft.com/office/drawing/2014/main" id="{E313EB30-1117-4773-9013-7D297F11BE60}"/>
+                </a:ext>
+              </a:extLst>
+            </p:cNvPr>
+            <p:cNvSpPr/>
+            <p:nvPr/>
+          </p:nvSpPr>
+          <p:spPr>
+            <a:xfrm>
+              <a:off x="1358911" y="2705837"/>
+              <a:ext cx="144000" cy="144000"/>
+            </a:xfrm>
+            <a:prstGeom prst="ellipse">
+              <a:avLst/>
+            </a:prstGeom>
+          </p:spPr>
+          <p:style>
+            <a:lnRef idx="2">
+              <a:schemeClr val="accent6">
+                <a:shade val="50000"/>
+              </a:schemeClr>
+            </a:lnRef>
+            <a:fillRef idx="1">
+              <a:schemeClr val="accent6"/>
+            </a:fillRef>
+            <a:effectRef idx="0">
+              <a:schemeClr val="accent6"/>
+            </a:effectRef>
+            <a:fontRef idx="minor">
+              <a:schemeClr val="lt1"/>
+            </a:fontRef>
+          </p:style>
+          <p:txBody>
+            <a:bodyPr rtlCol="0" anchor="ctr"/>
+            <a:lstStyle/>
+            <a:p>
+              <a:pPr algn="ctr"/>
+              <a:endParaRPr lang="en-GB"/>
+            </a:p>
+          </p:txBody>
+        </p:sp>
+        <p:sp>
+          <p:nvSpPr>
+            <p:cNvPr id="17" name="Oval 16">
+              <a:extLst>
+                <a:ext uri="{FF2B5EF4-FFF2-40B4-BE49-F238E27FC236}">
+                  <a16:creationId xmlns:a16="http://schemas.microsoft.com/office/drawing/2014/main" id="{EA8EF0E6-72B7-4E18-BE9D-197B49BA5244}"/>
+                </a:ext>
+              </a:extLst>
+            </p:cNvPr>
+            <p:cNvSpPr/>
+            <p:nvPr/>
+          </p:nvSpPr>
+          <p:spPr>
+            <a:xfrm>
+              <a:off x="1358911" y="3036565"/>
+              <a:ext cx="144000" cy="144000"/>
+            </a:xfrm>
+            <a:prstGeom prst="ellipse">
+              <a:avLst/>
+            </a:prstGeom>
+            <a:solidFill>
+              <a:srgbClr val="7030A0"/>
+            </a:solidFill>
+          </p:spPr>
+          <p:style>
+            <a:lnRef idx="2">
+              <a:schemeClr val="accent6">
+                <a:shade val="50000"/>
+              </a:schemeClr>
+            </a:lnRef>
+            <a:fillRef idx="1">
+              <a:schemeClr val="accent6"/>
+            </a:fillRef>
+            <a:effectRef idx="0">
+              <a:schemeClr val="accent6"/>
+            </a:effectRef>
+            <a:fontRef idx="minor">
+              <a:schemeClr val="lt1"/>
+            </a:fontRef>
+          </p:style>
+          <p:txBody>
+            <a:bodyPr rtlCol="0" anchor="ctr"/>
+            <a:lstStyle/>
+            <a:p>
+              <a:pPr algn="ctr"/>
+              <a:endParaRPr lang="en-GB"/>
+            </a:p>
+          </p:txBody>
+        </p:sp>
+      </p:grpSp>
+    </p:spTree>
+    <p:extLst>
+      <p:ext uri="{BB962C8B-B14F-4D97-AF65-F5344CB8AC3E}">
+        <p14:creationId xmlns:p14="http://schemas.microsoft.com/office/powerpoint/2010/main" val="2186016391"/>
+      </p:ext>
+    </p:extLst>
+  </p:cSld>
+  <p:clrMapOvr>
+    <a:masterClrMapping/>
+  </p:clrMapOvr>
+  <p:timing>
+    <p:tnLst>
+      <p:par>
+        <p:cTn id="1" dur="indefinite" restart="never" nodeType="tmRoot">
+          <p:childTnLst>
+            <p:seq concurrent="1" nextAc="seek">
+              <p:cTn id="2" dur="indefinite" nodeType="mainSeq">
+                <p:childTnLst>
+                  <p:par>
+                    <p:cTn id="3" fill="hold">
+                      <p:stCondLst>
+                        <p:cond delay="indefinite"/>
+                      </p:stCondLst>
+                      <p:childTnLst>
+                        <p:par>
+                          <p:cTn id="4" fill="hold">
+                            <p:stCondLst>
+                              <p:cond delay="0"/>
+                            </p:stCondLst>
+                            <p:childTnLst>
+                              <p:par>
+                                <p:cTn id="5" presetID="1" presetClass="entr" presetSubtype="0" fill="hold" nodeType="clickEffect">
+                                  <p:stCondLst>
+                                    <p:cond delay="0"/>
+                                  </p:stCondLst>
+                                  <p:childTnLst>
+                                    <p:set>
+                                      <p:cBhvr>
+                                        <p:cTn id="6" dur="1" fill="hold">
+                                          <p:stCondLst>
+                                            <p:cond delay="0"/>
+                                          </p:stCondLst>
+                                        </p:cTn>
+                                        <p:tgtEl>
+                                          <p:spTgt spid="5">
+                                            <p:txEl>
+                                              <p:pRg st="0" end="0"/>
+                                            </p:txEl>
+                                          </p:spTgt>
+                                        </p:tgtEl>
+                                        <p:attrNameLst>
+                                          <p:attrName>style.visibility</p:attrName>
+                                        </p:attrNameLst>
+                                      </p:cBhvr>
+                                      <p:to>
+                                        <p:strVal val="visible"/>
+                                      </p:to>
+                                    </p:set>
+                                  </p:childTnLst>
+                                </p:cTn>
+                              </p:par>
+                            </p:childTnLst>
+                          </p:cTn>
+                        </p:par>
+                      </p:childTnLst>
+                    </p:cTn>
+                  </p:par>
+                  <p:par>
+                    <p:cTn id="7" fill="hold">
+                      <p:stCondLst>
+                        <p:cond delay="indefinite"/>
+                      </p:stCondLst>
+                      <p:childTnLst>
+                        <p:par>
+                          <p:cTn id="8" fill="hold">
+                            <p:stCondLst>
+                              <p:cond delay="0"/>
+                            </p:stCondLst>
+                            <p:childTnLst>
+                              <p:par>
+                                <p:cTn id="9" presetID="1" presetClass="entr" presetSubtype="0" fill="hold" nodeType="clickEffect">
+                                  <p:stCondLst>
+                                    <p:cond delay="0"/>
+                                  </p:stCondLst>
+                                  <p:childTnLst>
+                                    <p:set>
+                                      <p:cBhvr>
+                                        <p:cTn id="10" dur="1" fill="hold">
+                                          <p:stCondLst>
+                                            <p:cond delay="0"/>
+                                          </p:stCondLst>
+                                        </p:cTn>
+                                        <p:tgtEl>
+                                          <p:spTgt spid="5">
+                                            <p:txEl>
+                                              <p:pRg st="1" end="1"/>
+                                            </p:txEl>
+                                          </p:spTgt>
+                                        </p:tgtEl>
+                                        <p:attrNameLst>
+                                          <p:attrName>style.visibility</p:attrName>
+                                        </p:attrNameLst>
+                                      </p:cBhvr>
+                                      <p:to>
+                                        <p:strVal val="visible"/>
+                                      </p:to>
+                                    </p:set>
+                                  </p:childTnLst>
+                                </p:cTn>
+                              </p:par>
+                              <p:par>
+                                <p:cTn id="11" presetID="1" presetClass="entr" presetSubtype="0" fill="hold" nodeType="withEffect">
+                                  <p:stCondLst>
+                                    <p:cond delay="0"/>
+                                  </p:stCondLst>
+                                  <p:childTnLst>
+                                    <p:set>
+                                      <p:cBhvr>
+                                        <p:cTn id="12" dur="1" fill="hold">
+                                          <p:stCondLst>
+                                            <p:cond delay="0"/>
+                                          </p:stCondLst>
+                                        </p:cTn>
+                                        <p:tgtEl>
+                                          <p:spTgt spid="5">
+                                            <p:txEl>
+                                              <p:pRg st="2" end="2"/>
+                                            </p:txEl>
+                                          </p:spTgt>
+                                        </p:tgtEl>
+                                        <p:attrNameLst>
+                                          <p:attrName>style.visibility</p:attrName>
+                                        </p:attrNameLst>
+                                      </p:cBhvr>
+                                      <p:to>
+                                        <p:strVal val="visible"/>
+                                      </p:to>
+                                    </p:set>
+                                  </p:childTnLst>
+                                </p:cTn>
+                              </p:par>
+                              <p:par>
+                                <p:cTn id="13" presetID="1" presetClass="entr" presetSubtype="0" fill="hold" nodeType="withEffect">
+                                  <p:stCondLst>
+                                    <p:cond delay="0"/>
+                                  </p:stCondLst>
+                                  <p:childTnLst>
+                                    <p:set>
+                                      <p:cBhvr>
+                                        <p:cTn id="14" dur="1" fill="hold">
+                                          <p:stCondLst>
+                                            <p:cond delay="0"/>
+                                          </p:stCondLst>
+                                        </p:cTn>
+                                        <p:tgtEl>
+                                          <p:spTgt spid="5">
+                                            <p:txEl>
+                                              <p:pRg st="3" end="3"/>
+                                            </p:txEl>
+                                          </p:spTgt>
+                                        </p:tgtEl>
+                                        <p:attrNameLst>
+                                          <p:attrName>style.visibility</p:attrName>
+                                        </p:attrNameLst>
+                                      </p:cBhvr>
+                                      <p:to>
+                                        <p:strVal val="visible"/>
+                                      </p:to>
+                                    </p:set>
+                                  </p:childTnLst>
+                                </p:cTn>
+                              </p:par>
+                            </p:childTnLst>
+                          </p:cTn>
+                        </p:par>
+                      </p:childTnLst>
+                    </p:cTn>
+                  </p:par>
+                  <p:par>
+                    <p:cTn id="15" fill="hold">
+                      <p:stCondLst>
+                        <p:cond delay="indefinite"/>
+                      </p:stCondLst>
+                      <p:childTnLst>
+                        <p:par>
+                          <p:cTn id="16" fill="hold">
+                            <p:stCondLst>
+                              <p:cond delay="0"/>
+                            </p:stCondLst>
+                            <p:childTnLst>
+                              <p:par>
+                                <p:cTn id="17" presetID="1" presetClass="entr" presetSubtype="0" fill="hold" grpId="0" nodeType="clickEffect">
+                                  <p:stCondLst>
+                                    <p:cond delay="0"/>
+                                  </p:stCondLst>
+                                  <p:childTnLst>
+                                    <p:set>
+                                      <p:cBhvr>
+                                        <p:cTn id="18" dur="1" fill="hold">
+                                          <p:stCondLst>
+                                            <p:cond delay="0"/>
+                                          </p:stCondLst>
+                                        </p:cTn>
+                                        <p:tgtEl>
+                                          <p:spTgt spid="18"/>
+                                        </p:tgtEl>
+                                        <p:attrNameLst>
+                                          <p:attrName>style.visibility</p:attrName>
+                                        </p:attrNameLst>
+                                      </p:cBhvr>
+                                      <p:to>
+                                        <p:strVal val="visible"/>
+                                      </p:to>
+                                    </p:set>
+                                  </p:childTnLst>
+                                </p:cTn>
+                              </p:par>
+                            </p:childTnLst>
+                          </p:cTn>
+                        </p:par>
+                      </p:childTnLst>
+                    </p:cTn>
+                  </p:par>
+                  <p:par>
+                    <p:cTn id="19" fill="hold">
+                      <p:stCondLst>
+                        <p:cond delay="indefinite"/>
+                      </p:stCondLst>
+                      <p:childTnLst>
+                        <p:par>
+                          <p:cTn id="20" fill="hold">
+                            <p:stCondLst>
+                              <p:cond delay="0"/>
+                            </p:stCondLst>
+                            <p:childTnLst>
+                              <p:par>
+                                <p:cTn id="21" presetID="1" presetClass="entr" presetSubtype="0" fill="hold" nodeType="clickEffect">
+                                  <p:stCondLst>
+                                    <p:cond delay="0"/>
+                                  </p:stCondLst>
+                                  <p:childTnLst>
+                                    <p:set>
+                                      <p:cBhvr>
+                                        <p:cTn id="22" dur="1" fill="hold">
+                                          <p:stCondLst>
+                                            <p:cond delay="0"/>
+                                          </p:stCondLst>
+                                        </p:cTn>
+                                        <p:tgtEl>
+                                          <p:spTgt spid="19"/>
+                                        </p:tgtEl>
+                                        <p:attrNameLst>
+                                          <p:attrName>style.visibility</p:attrName>
+                                        </p:attrNameLst>
+                                      </p:cBhvr>
+                                      <p:to>
+                                        <p:strVal val="visible"/>
+                                      </p:to>
+                                    </p:set>
+                                  </p:childTnLst>
+                                </p:cTn>
+                              </p:par>
+                              <p:par>
+                                <p:cTn id="23" presetID="1" presetClass="entr" presetSubtype="0" fill="hold" nodeType="withEffect">
+                                  <p:stCondLst>
+                                    <p:cond delay="0"/>
+                                  </p:stCondLst>
+                                  <p:childTnLst>
+                                    <p:set>
+                                      <p:cBhvr>
+                                        <p:cTn id="24" dur="1" fill="hold">
+                                          <p:stCondLst>
+                                            <p:cond delay="0"/>
+                                          </p:stCondLst>
+                                        </p:cTn>
+                                        <p:tgtEl>
+                                          <p:spTgt spid="9"/>
+                                        </p:tgtEl>
+                                        <p:attrNameLst>
+                                          <p:attrName>style.visibility</p:attrName>
+                                        </p:attrNameLst>
+                                      </p:cBhvr>
+                                      <p:to>
+                                        <p:strVal val="visible"/>
+                                      </p:to>
+                                    </p:set>
+                                  </p:childTnLst>
+                                </p:cTn>
+                              </p:par>
+                            </p:childTnLst>
+                          </p:cTn>
+                        </p:par>
+                      </p:childTnLst>
+                    </p:cTn>
+                  </p:par>
+                </p:childTnLst>
+              </p:cTn>
+              <p:prevCondLst>
+                <p:cond evt="onPrev" delay="0">
+                  <p:tgtEl>
+                    <p:sldTgt/>
+                  </p:tgtEl>
+                </p:cond>
+              </p:prevCondLst>
+              <p:nextCondLst>
+                <p:cond evt="onNext" delay="0">
+                  <p:tgtEl>
+                    <p:sldTgt/>
+                  </p:tgtEl>
+                </p:cond>
+              </p:nextCondLst>
+            </p:seq>
+          </p:childTnLst>
+        </p:cTn>
+      </p:par>
+    </p:tnLst>
+    <p:bldLst>
+      <p:bldP spid="18" grpId="0"/>
+    </p:bldLst>
+  </p:timing>
+</p:sld>
+</file>
+
+<file path=ppt/slides/slide8.xml><?xml version="1.0" encoding="utf-8"?>
 <p:sld xmlns:a="http://schemas.openxmlformats.org/drawingml/2006/main" xmlns:r="http://schemas.openxmlformats.org/officeDocument/2006/relationships" xmlns:p="http://schemas.openxmlformats.org/presentationml/2006/main">
   <p:cSld>
     <p:spTree>
@@ -7807,7 +9786,17 @@
           <a:p>
             <a:r>
               <a:rPr lang="en-US" dirty="0"/>
-              <a:t>What is CI/CD?</a:t>
+              <a:t>CI/CD Pipeline </a:t>
+            </a:r>
+            <a:r>
+              <a:rPr lang="en-GB" b="0" i="0" dirty="0">
+                <a:solidFill>
+                  <a:srgbClr val="C9D1D9"/>
+                </a:solidFill>
+                <a:effectLst/>
+                <a:latin typeface="Apple Color Emoji"/>
+              </a:rPr>
+              <a:t>🚀</a:t>
             </a:r>
             <a:endParaRPr lang="en-GB" dirty="0"/>
           </a:p>
@@ -8535,10 +10524,10 @@
       </p:grpSp>
       <p:grpSp>
         <p:nvGrpSpPr>
-          <p:cNvPr id="59" name="Group 58">
+          <p:cNvPr id="26" name="Group 25">
             <a:extLst>
               <a:ext uri="{FF2B5EF4-FFF2-40B4-BE49-F238E27FC236}">
-                <a16:creationId xmlns:a16="http://schemas.microsoft.com/office/drawing/2014/main" id="{C31AB6F7-24E8-8444-8690-7FF675B2F24C}"/>
+                <a16:creationId xmlns:a16="http://schemas.microsoft.com/office/drawing/2014/main" id="{EC8172CA-9D18-4F14-ACC5-FD7CB935141B}"/>
               </a:ext>
             </a:extLst>
           </p:cNvPr>
@@ -8547,18 +10536,18 @@
         </p:nvGrpSpPr>
         <p:grpSpPr>
           <a:xfrm>
-            <a:off x="10060381" y="4645453"/>
-            <a:ext cx="2117765" cy="2165654"/>
-            <a:chOff x="10060381" y="4430010"/>
-            <a:chExt cx="2117765" cy="2165654"/>
+            <a:off x="10074235" y="4645453"/>
+            <a:ext cx="2090058" cy="2165654"/>
+            <a:chOff x="10074235" y="4430010"/>
+            <a:chExt cx="2090058" cy="2165654"/>
           </a:xfrm>
         </p:grpSpPr>
         <p:grpSp>
           <p:nvGrpSpPr>
-            <p:cNvPr id="60" name="Group 59">
+            <p:cNvPr id="30" name="Group 29">
               <a:extLst>
                 <a:ext uri="{FF2B5EF4-FFF2-40B4-BE49-F238E27FC236}">
-                  <a16:creationId xmlns:a16="http://schemas.microsoft.com/office/drawing/2014/main" id="{41C12F55-9C19-2948-93FE-FF73C628E8DA}"/>
+                  <a16:creationId xmlns:a16="http://schemas.microsoft.com/office/drawing/2014/main" id="{322605B6-3F39-4BF6-9A7E-AF464A1826AF}"/>
                 </a:ext>
               </a:extLst>
             </p:cNvPr>
@@ -8567,18 +10556,18 @@
           </p:nvGrpSpPr>
           <p:grpSpPr>
             <a:xfrm>
-              <a:off x="10060381" y="4430010"/>
-              <a:ext cx="2117765" cy="1904770"/>
-              <a:chOff x="10008404" y="4620028"/>
-              <a:chExt cx="2117765" cy="1904770"/>
+              <a:off x="10126065" y="4430010"/>
+              <a:ext cx="1986397" cy="1904770"/>
+              <a:chOff x="10074088" y="4620028"/>
+              <a:chExt cx="1986397" cy="1904770"/>
             </a:xfrm>
           </p:grpSpPr>
           <p:pic>
             <p:nvPicPr>
-              <p:cNvPr id="62" name="Picture 2">
+              <p:cNvPr id="36" name="Picture 2">
                 <a:extLst>
                   <a:ext uri="{FF2B5EF4-FFF2-40B4-BE49-F238E27FC236}">
-                    <a16:creationId xmlns:a16="http://schemas.microsoft.com/office/drawing/2014/main" id="{D609DAFE-8355-8C44-B0FB-4E88B5257082}"/>
+                    <a16:creationId xmlns:a16="http://schemas.microsoft.com/office/drawing/2014/main" id="{51480812-16D2-496D-B33A-1023CA4CEE2C}"/>
                   </a:ext>
                 </a:extLst>
               </p:cNvPr>
@@ -8620,10 +10609,10 @@
           </p:pic>
           <p:sp>
             <p:nvSpPr>
-              <p:cNvPr id="63" name="TextBox 62">
+              <p:cNvPr id="37" name="TextBox 36">
                 <a:extLst>
                   <a:ext uri="{FF2B5EF4-FFF2-40B4-BE49-F238E27FC236}">
-                    <a16:creationId xmlns:a16="http://schemas.microsoft.com/office/drawing/2014/main" id="{5DD8502B-996D-A844-A70D-C1CB27AF738A}"/>
+                    <a16:creationId xmlns:a16="http://schemas.microsoft.com/office/drawing/2014/main" id="{06C997FD-FC8F-42C6-9503-B4BD444CDB26}"/>
                   </a:ext>
                 </a:extLst>
               </p:cNvPr>
@@ -8632,8 +10621,8 @@
             </p:nvSpPr>
             <p:spPr>
               <a:xfrm>
-                <a:off x="10008404" y="4620028"/>
-                <a:ext cx="2117765" cy="307777"/>
+                <a:off x="10074089" y="4620028"/>
+                <a:ext cx="1986396" cy="307777"/>
               </a:xfrm>
               <a:prstGeom prst="rect">
                 <a:avLst/>
@@ -8646,6 +10635,7 @@
               </a:bodyPr>
               <a:lstStyle/>
               <a:p>
+                <a:pPr algn="ctr"/>
                 <a:r>
                   <a:rPr lang="en-US" sz="1400" dirty="0">
                     <a:solidFill>
@@ -8663,28 +10653,28 @@
           </p:sp>
           <p:cxnSp>
             <p:nvCxnSpPr>
-              <p:cNvPr id="64" name="Curved Connector 63">
+              <p:cNvPr id="38" name="Curved Connector 16">
                 <a:extLst>
                   <a:ext uri="{FF2B5EF4-FFF2-40B4-BE49-F238E27FC236}">
-                    <a16:creationId xmlns:a16="http://schemas.microsoft.com/office/drawing/2014/main" id="{9B94502B-CC4C-5043-AF1C-09E864D22347}"/>
+                    <a16:creationId xmlns:a16="http://schemas.microsoft.com/office/drawing/2014/main" id="{6DE6DC8E-18D1-4815-8387-B7D63888D283}"/>
                   </a:ext>
                 </a:extLst>
               </p:cNvPr>
               <p:cNvCxnSpPr>
                 <a:cxnSpLocks/>
-                <a:stCxn id="63" idx="1"/>
-                <a:endCxn id="62" idx="1"/>
+                <a:stCxn id="37" idx="1"/>
+                <a:endCxn id="36" idx="1"/>
               </p:cNvCxnSpPr>
               <p:nvPr/>
             </p:nvCxnSpPr>
             <p:spPr>
               <a:xfrm rot="10800000" flipH="1" flipV="1">
-                <a:off x="10008404" y="4773917"/>
-                <a:ext cx="290430" cy="968574"/>
+                <a:off x="10074088" y="4773917"/>
+                <a:ext cx="224745" cy="968574"/>
               </a:xfrm>
               <a:prstGeom prst="curvedConnector3">
                 <a:avLst>
-                  <a:gd name="adj1" fmla="val -43728"/>
+                  <a:gd name="adj1" fmla="val -101715"/>
                 </a:avLst>
               </a:prstGeom>
               <a:ln w="44450">
@@ -8710,10 +10700,10 @@
         </p:grpSp>
         <p:sp>
           <p:nvSpPr>
-            <p:cNvPr id="61" name="TextBox 60">
+            <p:cNvPr id="34" name="TextBox 33">
               <a:extLst>
                 <a:ext uri="{FF2B5EF4-FFF2-40B4-BE49-F238E27FC236}">
-                  <a16:creationId xmlns:a16="http://schemas.microsoft.com/office/drawing/2014/main" id="{50B509A8-97F5-9A40-BC54-C558E08AAB0D}"/>
+                  <a16:creationId xmlns:a16="http://schemas.microsoft.com/office/drawing/2014/main" id="{6EDDF10E-2319-4F73-9D40-F890A742EFEE}"/>
                 </a:ext>
               </a:extLst>
             </p:cNvPr>
@@ -8767,7 +10757,7 @@
 </p:sld>
 </file>
 
-<file path=ppt/slides/slide8.xml><?xml version="1.0" encoding="utf-8"?>
+<file path=ppt/slides/slide9.xml><?xml version="1.0" encoding="utf-8"?>
 <p:sld xmlns:a="http://schemas.openxmlformats.org/drawingml/2006/main" xmlns:r="http://schemas.openxmlformats.org/officeDocument/2006/relationships" xmlns:p="http://schemas.openxmlformats.org/presentationml/2006/main">
   <p:cSld>
     <p:spTree>
@@ -8789,7 +10779,7 @@
           <p:cNvPr id="2" name="Title 1">
             <a:extLst>
               <a:ext uri="{FF2B5EF4-FFF2-40B4-BE49-F238E27FC236}">
-                <a16:creationId xmlns:a16="http://schemas.microsoft.com/office/drawing/2014/main" id="{A7041597-B6A5-4F9D-B56A-0261EB892E6D}"/>
+                <a16:creationId xmlns:a16="http://schemas.microsoft.com/office/drawing/2014/main" id="{D5E59EAE-ED24-4AD7-950A-85E64AE00FEA}"/>
               </a:ext>
             </a:extLst>
           </p:cNvPr>
@@ -8800,19 +10790,14 @@
             <p:ph type="title"/>
           </p:nvPr>
         </p:nvSpPr>
-        <p:spPr>
-          <a:xfrm>
-            <a:off x="838200" y="150152"/>
-            <a:ext cx="10515600" cy="1325563"/>
-          </a:xfrm>
-        </p:spPr>
+        <p:spPr/>
         <p:txBody>
           <a:bodyPr/>
           <a:lstStyle/>
           <a:p>
             <a:r>
               <a:rPr lang="en-US" dirty="0"/>
-              <a:t>Final comments</a:t>
+              <a:t>Real world examples</a:t>
             </a:r>
             <a:endParaRPr lang="en-GB" dirty="0"/>
           </a:p>
@@ -8823,7 +10808,7 @@
           <p:cNvPr id="3" name="Content Placeholder 2">
             <a:extLst>
               <a:ext uri="{FF2B5EF4-FFF2-40B4-BE49-F238E27FC236}">
-                <a16:creationId xmlns:a16="http://schemas.microsoft.com/office/drawing/2014/main" id="{C829D4DF-B2F1-4D09-8796-C281708F0377}"/>
+                <a16:creationId xmlns:a16="http://schemas.microsoft.com/office/drawing/2014/main" id="{5423D5F8-D6B3-4460-80F4-C5364066D6EE}"/>
               </a:ext>
             </a:extLst>
           </p:cNvPr>
@@ -8834,12 +10819,7 @@
             <p:ph idx="1"/>
           </p:nvPr>
         </p:nvSpPr>
-        <p:spPr>
-          <a:xfrm>
-            <a:off x="838200" y="1475715"/>
-            <a:ext cx="8086859" cy="5106154"/>
-          </a:xfrm>
-        </p:spPr>
+        <p:spPr/>
         <p:txBody>
           <a:bodyPr>
             <a:normAutofit/>
@@ -8847,58 +10827,70 @@
           <a:lstStyle/>
           <a:p>
             <a:r>
-              <a:rPr lang="en-GB" dirty="0"/>
-              <a:t>Docs</a:t>
+              <a:rPr lang="en-US" dirty="0">
+                <a:latin typeface="+mj-lt"/>
+              </a:rPr>
+              <a:t>Rob Sewell (@</a:t>
+            </a:r>
+            <a:r>
+              <a:rPr lang="en-US" dirty="0" err="1">
+                <a:latin typeface="+mj-lt"/>
+              </a:rPr>
+              <a:t>sqldbawithbeard</a:t>
+            </a:r>
+            <a:r>
+              <a:rPr lang="en-US" dirty="0">
+                <a:latin typeface="+mj-lt"/>
+              </a:rPr>
+              <a:t>) blogs on querying SQL servers with </a:t>
+            </a:r>
+            <a:r>
+              <a:rPr lang="en-US" dirty="0" err="1">
+                <a:latin typeface="+mj-lt"/>
+              </a:rPr>
+              <a:t>sa</a:t>
+            </a:r>
+            <a:r>
+              <a:rPr lang="en-US" dirty="0">
+                <a:latin typeface="+mj-lt"/>
+              </a:rPr>
+              <a:t> account enabled, and writing Pester tests which reports on a SQL server conforming to this test</a:t>
             </a:r>
           </a:p>
           <a:p>
             <a:pPr lvl="1"/>
             <a:r>
-              <a:rPr lang="en-GB" dirty="0">
+              <a:rPr lang="en-US" dirty="0">
+                <a:latin typeface="+mj-lt"/>
                 <a:hlinkClick r:id="rId3"/>
               </a:rPr>
-              <a:t>https://pester-docs.netlify.app</a:t>
-            </a:r>
-            <a:r>
-              <a:rPr lang="en-GB" dirty="0"/>
-              <a:t> </a:t>
-            </a:r>
-          </a:p>
-          <a:p>
-            <a:r>
-              <a:rPr lang="en-GB" dirty="0"/>
-              <a:t>YouTube playlist:</a:t>
+              <a:t>https://sqldbawithabeard.com/2017/11/16/write-your-first-pester-test-today/</a:t>
+            </a:r>
+            <a:endParaRPr lang="en-US" dirty="0">
+              <a:latin typeface="+mj-lt"/>
+            </a:endParaRPr>
+          </a:p>
+          <a:p>
+            <a:r>
+              <a:rPr lang="en-US" dirty="0">
+                <a:latin typeface="+mj-lt"/>
+              </a:rPr>
+              <a:t>Recently implemented acceptance tests as part of my CI/CD pipeline for a module I maintain</a:t>
             </a:r>
           </a:p>
           <a:p>
             <a:pPr lvl="1"/>
             <a:r>
-              <a:rPr lang="en-GB" dirty="0">
+              <a:rPr lang="en-US" dirty="0">
+                <a:latin typeface="+mj-lt"/>
                 <a:hlinkClick r:id="rId4"/>
               </a:rPr>
-              <a:t>https://acook.io/pesterplaylist</a:t>
-            </a:r>
-            <a:r>
-              <a:rPr lang="en-GB" dirty="0"/>
-              <a:t> </a:t>
-            </a:r>
-          </a:p>
-          <a:p>
-            <a:r>
-              <a:rPr lang="en-GB" dirty="0"/>
-              <a:t>Mastering PowerShell Scripting - Chris Dent</a:t>
-            </a:r>
-          </a:p>
-          <a:p>
-            <a:pPr lvl="1"/>
-            <a:r>
-              <a:rPr lang="en-GB" dirty="0">
-                <a:hlinkClick r:id="rId5"/>
+              <a:t>https://github.com/codaamok/PSShlink/tree/main/tests</a:t>
+            </a:r>
+            <a:r>
+              <a:rPr lang="en-US" dirty="0">
+                <a:latin typeface="+mj-lt"/>
               </a:rPr>
-              <a:t>https://www.amazon.co.uk/Mastering-PowerShell-Scripting-Automate-environment/dp/1800206542</a:t>
-            </a:r>
-            <a:r>
-              <a:rPr lang="en-GB" dirty="0"/>
               <a:t> </a:t>
             </a:r>
           </a:p>
@@ -8906,10 +10898,10 @@
       </p:sp>
       <p:grpSp>
         <p:nvGrpSpPr>
-          <p:cNvPr id="26" name="Group 25">
+          <p:cNvPr id="10" name="Group 9">
             <a:extLst>
               <a:ext uri="{FF2B5EF4-FFF2-40B4-BE49-F238E27FC236}">
-                <a16:creationId xmlns:a16="http://schemas.microsoft.com/office/drawing/2014/main" id="{0E075A20-5DCC-0B4A-940C-0C6A4DD683E4}"/>
+                <a16:creationId xmlns:a16="http://schemas.microsoft.com/office/drawing/2014/main" id="{0B9A859D-36A8-43FF-8D09-5CC0455FDC23}"/>
               </a:ext>
             </a:extLst>
           </p:cNvPr>
@@ -8918,18 +10910,18 @@
         </p:nvGrpSpPr>
         <p:grpSpPr>
           <a:xfrm>
-            <a:off x="10060381" y="4645453"/>
-            <a:ext cx="2117765" cy="2165654"/>
-            <a:chOff x="10060381" y="4430010"/>
-            <a:chExt cx="2117765" cy="2165654"/>
+            <a:off x="10074235" y="4645453"/>
+            <a:ext cx="2090058" cy="2165654"/>
+            <a:chOff x="10074235" y="4430010"/>
+            <a:chExt cx="2090058" cy="2165654"/>
           </a:xfrm>
         </p:grpSpPr>
         <p:grpSp>
           <p:nvGrpSpPr>
-            <p:cNvPr id="27" name="Group 26">
+            <p:cNvPr id="11" name="Group 10">
               <a:extLst>
                 <a:ext uri="{FF2B5EF4-FFF2-40B4-BE49-F238E27FC236}">
-                  <a16:creationId xmlns:a16="http://schemas.microsoft.com/office/drawing/2014/main" id="{1255C4EF-250C-0640-8F93-7D65F974DCC2}"/>
+                  <a16:creationId xmlns:a16="http://schemas.microsoft.com/office/drawing/2014/main" id="{6EEB1A42-AF46-4E20-BD2E-B18609D49D91}"/>
                 </a:ext>
               </a:extLst>
             </p:cNvPr>
@@ -8938,18 +10930,18 @@
           </p:nvGrpSpPr>
           <p:grpSpPr>
             <a:xfrm>
-              <a:off x="10060381" y="4430010"/>
-              <a:ext cx="2117765" cy="1904770"/>
-              <a:chOff x="10008404" y="4620028"/>
-              <a:chExt cx="2117765" cy="1904770"/>
+              <a:off x="10126065" y="4430010"/>
+              <a:ext cx="1986397" cy="1904770"/>
+              <a:chOff x="10074088" y="4620028"/>
+              <a:chExt cx="1986397" cy="1904770"/>
             </a:xfrm>
           </p:grpSpPr>
           <p:pic>
             <p:nvPicPr>
-              <p:cNvPr id="29" name="Picture 2">
+              <p:cNvPr id="13" name="Picture 2">
                 <a:extLst>
                   <a:ext uri="{FF2B5EF4-FFF2-40B4-BE49-F238E27FC236}">
-                    <a16:creationId xmlns:a16="http://schemas.microsoft.com/office/drawing/2014/main" id="{26EAB857-D645-9A44-86A6-7FE40EED670D}"/>
+                    <a16:creationId xmlns:a16="http://schemas.microsoft.com/office/drawing/2014/main" id="{9AB24FA3-8C7C-4E70-ADC5-007591A7FDAE}"/>
                   </a:ext>
                 </a:extLst>
               </p:cNvPr>
@@ -8959,7 +10951,7 @@
               <p:nvPr/>
             </p:nvPicPr>
             <p:blipFill>
-              <a:blip r:embed="rId6">
+              <a:blip r:embed="rId5">
                 <a:extLst>
                   <a:ext uri="{28A0092B-C50C-407E-A947-70E740481C1C}">
                     <a14:useLocalDpi xmlns:a14="http://schemas.microsoft.com/office/drawing/2010/main" val="0"/>
@@ -8991,10 +10983,10 @@
           </p:pic>
           <p:sp>
             <p:nvSpPr>
-              <p:cNvPr id="30" name="TextBox 29">
+              <p:cNvPr id="14" name="TextBox 13">
                 <a:extLst>
                   <a:ext uri="{FF2B5EF4-FFF2-40B4-BE49-F238E27FC236}">
-                    <a16:creationId xmlns:a16="http://schemas.microsoft.com/office/drawing/2014/main" id="{B9E11696-B3F6-8D45-8F85-D5F02E87AA0A}"/>
+                    <a16:creationId xmlns:a16="http://schemas.microsoft.com/office/drawing/2014/main" id="{D51371EC-2687-4F21-97B6-CC73CE14670F}"/>
                   </a:ext>
                 </a:extLst>
               </p:cNvPr>
@@ -9003,8 +10995,8 @@
             </p:nvSpPr>
             <p:spPr>
               <a:xfrm>
-                <a:off x="10008404" y="4620028"/>
-                <a:ext cx="2117765" cy="307777"/>
+                <a:off x="10074089" y="4620028"/>
+                <a:ext cx="1986396" cy="307777"/>
               </a:xfrm>
               <a:prstGeom prst="rect">
                 <a:avLst/>
@@ -9017,6 +11009,7 @@
               </a:bodyPr>
               <a:lstStyle/>
               <a:p>
+                <a:pPr algn="ctr"/>
                 <a:r>
                   <a:rPr lang="en-US" sz="1400" dirty="0">
                     <a:solidFill>
@@ -9034,28 +11027,28 @@
           </p:sp>
           <p:cxnSp>
             <p:nvCxnSpPr>
-              <p:cNvPr id="31" name="Curved Connector 30">
+              <p:cNvPr id="15" name="Curved Connector 16">
                 <a:extLst>
                   <a:ext uri="{FF2B5EF4-FFF2-40B4-BE49-F238E27FC236}">
-                    <a16:creationId xmlns:a16="http://schemas.microsoft.com/office/drawing/2014/main" id="{3EF298C0-AA80-3941-A9B3-B47CDA68E0B1}"/>
+                    <a16:creationId xmlns:a16="http://schemas.microsoft.com/office/drawing/2014/main" id="{73AB2926-DC71-4ADB-94D9-A09AEB3D008F}"/>
                   </a:ext>
                 </a:extLst>
               </p:cNvPr>
               <p:cNvCxnSpPr>
                 <a:cxnSpLocks/>
-                <a:stCxn id="30" idx="1"/>
-                <a:endCxn id="29" idx="1"/>
+                <a:stCxn id="14" idx="1"/>
+                <a:endCxn id="13" idx="1"/>
               </p:cNvCxnSpPr>
               <p:nvPr/>
             </p:nvCxnSpPr>
             <p:spPr>
               <a:xfrm rot="10800000" flipH="1" flipV="1">
-                <a:off x="10008404" y="4773917"/>
-                <a:ext cx="290430" cy="968574"/>
+                <a:off x="10074088" y="4773917"/>
+                <a:ext cx="224745" cy="968574"/>
               </a:xfrm>
               <a:prstGeom prst="curvedConnector3">
                 <a:avLst>
-                  <a:gd name="adj1" fmla="val -43728"/>
+                  <a:gd name="adj1" fmla="val -101715"/>
                 </a:avLst>
               </a:prstGeom>
               <a:ln w="44450">
@@ -9081,10 +11074,10 @@
         </p:grpSp>
         <p:sp>
           <p:nvSpPr>
-            <p:cNvPr id="28" name="TextBox 27">
+            <p:cNvPr id="12" name="TextBox 11">
               <a:extLst>
                 <a:ext uri="{FF2B5EF4-FFF2-40B4-BE49-F238E27FC236}">
-                  <a16:creationId xmlns:a16="http://schemas.microsoft.com/office/drawing/2014/main" id="{C7C21A61-AA26-3348-B0CC-90CDA74C9511}"/>
+                  <a16:creationId xmlns:a16="http://schemas.microsoft.com/office/drawing/2014/main" id="{F3DCCD0B-5998-41FE-8758-CF3869897A81}"/>
                 </a:ext>
               </a:extLst>
             </p:cNvPr>
@@ -9125,40 +11118,10 @@
           </p:txBody>
         </p:sp>
       </p:grpSp>
-      <p:pic>
-        <p:nvPicPr>
-          <p:cNvPr id="32" name="Picture 31">
-            <a:extLst>
-              <a:ext uri="{FF2B5EF4-FFF2-40B4-BE49-F238E27FC236}">
-                <a16:creationId xmlns:a16="http://schemas.microsoft.com/office/drawing/2014/main" id="{3B9052C5-04EB-DE4A-84D4-350633796751}"/>
-              </a:ext>
-            </a:extLst>
-          </p:cNvPr>
-          <p:cNvPicPr>
-            <a:picLocks noChangeAspect="1"/>
-          </p:cNvPicPr>
-          <p:nvPr/>
-        </p:nvPicPr>
-        <p:blipFill>
-          <a:blip r:embed="rId7"/>
-          <a:stretch>
-            <a:fillRect/>
-          </a:stretch>
-        </p:blipFill>
-        <p:spPr>
-          <a:xfrm>
-            <a:off x="8134595" y="3144980"/>
-            <a:ext cx="1215467" cy="1500473"/>
-          </a:xfrm>
-          <a:prstGeom prst="rect">
-            <a:avLst/>
-          </a:prstGeom>
-        </p:spPr>
-      </p:pic>
     </p:spTree>
     <p:extLst>
       <p:ext uri="{BB962C8B-B14F-4D97-AF65-F5344CB8AC3E}">
-        <p14:creationId xmlns:p14="http://schemas.microsoft.com/office/powerpoint/2010/main" val="2824021143"/>
+        <p14:creationId xmlns:p14="http://schemas.microsoft.com/office/powerpoint/2010/main" val="1887919489"/>
       </p:ext>
     </p:extLst>
   </p:cSld>
